--- a/src/pages/events/2024-09-13/slides/03_utas_utol_ja.pptx
+++ b/src/pages/events/2024-09-13/slides/03_utas_utol_ja.pptx
@@ -143,3184 +143,9 @@
 <file path=ppt/revisionInfo.xml><?xml version="1.0" encoding="utf-8"?>
 <p1510:revInfo xmlns:a="http://schemas.openxmlformats.org/drawingml/2006/main" xmlns:r="http://schemas.openxmlformats.org/officeDocument/2006/relationships" xmlns:p1510="http://schemas.microsoft.com/office/powerpoint/2015/10/main">
   <p1510:revLst>
-    <p1510:client id="{98817DE7-91FB-446F-B62B-9BEE5AFDA5ED}" v="11" dt="2024-09-10T07:47:30.143"/>
+    <p1510:client id="{98817DE7-91FB-446F-B62B-9BEE5AFDA5ED}" v="12" dt="2024-09-10T08:07:56.261"/>
   </p1510:revLst>
 </p1510:revInfo>
-</file>
-
-<file path=ppt/changesInfos/changesInfo1.xml><?xml version="1.0" encoding="utf-8"?>
-<pc:chgInfo xmlns:a="http://schemas.openxmlformats.org/drawingml/2006/main" xmlns:r="http://schemas.openxmlformats.org/officeDocument/2006/relationships" xmlns:ac="http://schemas.microsoft.com/office/drawing/2013/main/command" xmlns:pc="http://schemas.microsoft.com/office/powerpoint/2013/main/command">
-  <pc:docChgLst>
-    <pc:chgData name="佐藤　寛也" userId="27837c8b-abaf-4096-b544-58e4cbe7054e" providerId="ADAL" clId="{98817DE7-91FB-446F-B62B-9BEE5AFDA5ED}"/>
-    <pc:docChg chg="undo custSel addSld modSld sldOrd">
-      <pc:chgData name="佐藤　寛也" userId="27837c8b-abaf-4096-b544-58e4cbe7054e" providerId="ADAL" clId="{98817DE7-91FB-446F-B62B-9BEE5AFDA5ED}" dt="2024-09-10T07:47:46.401" v="785" actId="20577"/>
-      <pc:docMkLst>
-        <pc:docMk/>
-      </pc:docMkLst>
-      <pc:sldChg chg="modSp mod">
-        <pc:chgData name="佐藤　寛也" userId="27837c8b-abaf-4096-b544-58e4cbe7054e" providerId="ADAL" clId="{98817DE7-91FB-446F-B62B-9BEE5AFDA5ED}" dt="2024-09-10T07:31:01.750" v="693" actId="20577"/>
-        <pc:sldMkLst>
-          <pc:docMk/>
-          <pc:sldMk cId="2292264982" sldId="256"/>
-        </pc:sldMkLst>
-        <pc:spChg chg="mod">
-          <ac:chgData name="佐藤　寛也" userId="27837c8b-abaf-4096-b544-58e4cbe7054e" providerId="ADAL" clId="{98817DE7-91FB-446F-B62B-9BEE5AFDA5ED}" dt="2024-09-10T07:31:01.750" v="693" actId="20577"/>
-          <ac:spMkLst>
-            <pc:docMk/>
-            <pc:sldMk cId="2292264982" sldId="256"/>
-            <ac:spMk id="8" creationId="{D6B2672A-3F5D-6951-CD83-F9735C620BA0}"/>
-          </ac:spMkLst>
-        </pc:spChg>
-      </pc:sldChg>
-      <pc:sldChg chg="modSp mod ord">
-        <pc:chgData name="佐藤　寛也" userId="27837c8b-abaf-4096-b544-58e4cbe7054e" providerId="ADAL" clId="{98817DE7-91FB-446F-B62B-9BEE5AFDA5ED}" dt="2024-09-09T02:28:24.255" v="371" actId="20577"/>
-        <pc:sldMkLst>
-          <pc:docMk/>
-          <pc:sldMk cId="2120517053" sldId="1414"/>
-        </pc:sldMkLst>
-        <pc:spChg chg="mod">
-          <ac:chgData name="佐藤　寛也" userId="27837c8b-abaf-4096-b544-58e4cbe7054e" providerId="ADAL" clId="{98817DE7-91FB-446F-B62B-9BEE5AFDA5ED}" dt="2024-09-09T02:26:13.332" v="44" actId="20577"/>
-          <ac:spMkLst>
-            <pc:docMk/>
-            <pc:sldMk cId="2120517053" sldId="1414"/>
-            <ac:spMk id="2" creationId="{FAE18957-26C3-8EA5-5A84-9D18DFC71376}"/>
-          </ac:spMkLst>
-        </pc:spChg>
-        <pc:spChg chg="mod">
-          <ac:chgData name="佐藤　寛也" userId="27837c8b-abaf-4096-b544-58e4cbe7054e" providerId="ADAL" clId="{98817DE7-91FB-446F-B62B-9BEE5AFDA5ED}" dt="2024-09-09T02:28:24.255" v="371" actId="20577"/>
-          <ac:spMkLst>
-            <pc:docMk/>
-            <pc:sldMk cId="2120517053" sldId="1414"/>
-            <ac:spMk id="3" creationId="{682FFDA6-C37E-5E8F-9BF7-228E6F6126CC}"/>
-          </ac:spMkLst>
-        </pc:spChg>
-      </pc:sldChg>
-      <pc:sldChg chg="addSp modSp mod">
-        <pc:chgData name="佐藤　寛也" userId="27837c8b-abaf-4096-b544-58e4cbe7054e" providerId="ADAL" clId="{98817DE7-91FB-446F-B62B-9BEE5AFDA5ED}" dt="2024-09-09T02:29:36.887" v="395" actId="1076"/>
-        <pc:sldMkLst>
-          <pc:docMk/>
-          <pc:sldMk cId="587048637" sldId="1416"/>
-        </pc:sldMkLst>
-        <pc:spChg chg="add mod">
-          <ac:chgData name="佐藤　寛也" userId="27837c8b-abaf-4096-b544-58e4cbe7054e" providerId="ADAL" clId="{98817DE7-91FB-446F-B62B-9BEE5AFDA5ED}" dt="2024-09-09T02:29:36.887" v="395" actId="1076"/>
-          <ac:spMkLst>
-            <pc:docMk/>
-            <pc:sldMk cId="587048637" sldId="1416"/>
-            <ac:spMk id="7" creationId="{7439578E-129B-7CB2-E2DF-21355A912606}"/>
-          </ac:spMkLst>
-        </pc:spChg>
-        <pc:spChg chg="mod">
-          <ac:chgData name="佐藤　寛也" userId="27837c8b-abaf-4096-b544-58e4cbe7054e" providerId="ADAL" clId="{98817DE7-91FB-446F-B62B-9BEE5AFDA5ED}" dt="2024-09-09T02:29:23.350" v="383" actId="1035"/>
-          <ac:spMkLst>
-            <pc:docMk/>
-            <pc:sldMk cId="587048637" sldId="1416"/>
-            <ac:spMk id="18" creationId="{4632BA00-03BF-5331-3496-2E8F9A876B8C}"/>
-          </ac:spMkLst>
-        </pc:spChg>
-        <pc:spChg chg="mod">
-          <ac:chgData name="佐藤　寛也" userId="27837c8b-abaf-4096-b544-58e4cbe7054e" providerId="ADAL" clId="{98817DE7-91FB-446F-B62B-9BEE5AFDA5ED}" dt="2024-09-09T02:29:23.350" v="383" actId="1035"/>
-          <ac:spMkLst>
-            <pc:docMk/>
-            <pc:sldMk cId="587048637" sldId="1416"/>
-            <ac:spMk id="20" creationId="{E6888122-B7A6-A0AB-FF5F-33BAFF44332F}"/>
-          </ac:spMkLst>
-        </pc:spChg>
-        <pc:spChg chg="mod">
-          <ac:chgData name="佐藤　寛也" userId="27837c8b-abaf-4096-b544-58e4cbe7054e" providerId="ADAL" clId="{98817DE7-91FB-446F-B62B-9BEE5AFDA5ED}" dt="2024-09-09T02:29:23.350" v="383" actId="1035"/>
-          <ac:spMkLst>
-            <pc:docMk/>
-            <pc:sldMk cId="587048637" sldId="1416"/>
-            <ac:spMk id="21" creationId="{81A131D0-0C14-AA1C-22D6-BC476DDAF3F6}"/>
-          </ac:spMkLst>
-        </pc:spChg>
-        <pc:spChg chg="mod">
-          <ac:chgData name="佐藤　寛也" userId="27837c8b-abaf-4096-b544-58e4cbe7054e" providerId="ADAL" clId="{98817DE7-91FB-446F-B62B-9BEE5AFDA5ED}" dt="2024-09-09T02:29:23.350" v="383" actId="1035"/>
-          <ac:spMkLst>
-            <pc:docMk/>
-            <pc:sldMk cId="587048637" sldId="1416"/>
-            <ac:spMk id="22" creationId="{9466C53A-96F9-C463-C91B-7609DC50447A}"/>
-          </ac:spMkLst>
-        </pc:spChg>
-        <pc:graphicFrameChg chg="mod">
-          <ac:chgData name="佐藤　寛也" userId="27837c8b-abaf-4096-b544-58e4cbe7054e" providerId="ADAL" clId="{98817DE7-91FB-446F-B62B-9BEE5AFDA5ED}" dt="2024-09-09T02:29:23.350" v="383" actId="1035"/>
-          <ac:graphicFrameMkLst>
-            <pc:docMk/>
-            <pc:sldMk cId="587048637" sldId="1416"/>
-            <ac:graphicFrameMk id="17" creationId="{D598E27B-2F12-3947-B4FB-30788D772578}"/>
-          </ac:graphicFrameMkLst>
-        </pc:graphicFrameChg>
-        <pc:picChg chg="add mod">
-          <ac:chgData name="佐藤　寛也" userId="27837c8b-abaf-4096-b544-58e4cbe7054e" providerId="ADAL" clId="{98817DE7-91FB-446F-B62B-9BEE5AFDA5ED}" dt="2024-09-09T02:29:36.887" v="395" actId="1076"/>
-          <ac:picMkLst>
-            <pc:docMk/>
-            <pc:sldMk cId="587048637" sldId="1416"/>
-            <ac:picMk id="3" creationId="{43FC6770-0D9C-E786-BA6E-96D8492C4250}"/>
-          </ac:picMkLst>
-        </pc:picChg>
-        <pc:cxnChg chg="mod">
-          <ac:chgData name="佐藤　寛也" userId="27837c8b-abaf-4096-b544-58e4cbe7054e" providerId="ADAL" clId="{98817DE7-91FB-446F-B62B-9BEE5AFDA5ED}" dt="2024-09-09T02:29:23.350" v="383" actId="1035"/>
-          <ac:cxnSpMkLst>
-            <pc:docMk/>
-            <pc:sldMk cId="587048637" sldId="1416"/>
-            <ac:cxnSpMk id="19" creationId="{346CFACB-6378-D965-83D9-A4478423A03A}"/>
-          </ac:cxnSpMkLst>
-        </pc:cxnChg>
-      </pc:sldChg>
-      <pc:sldChg chg="modSp mod">
-        <pc:chgData name="佐藤　寛也" userId="27837c8b-abaf-4096-b544-58e4cbe7054e" providerId="ADAL" clId="{98817DE7-91FB-446F-B62B-9BEE5AFDA5ED}" dt="2024-09-09T02:29:58.648" v="399" actId="20577"/>
-        <pc:sldMkLst>
-          <pc:docMk/>
-          <pc:sldMk cId="560223129" sldId="1417"/>
-        </pc:sldMkLst>
-        <pc:spChg chg="mod">
-          <ac:chgData name="佐藤　寛也" userId="27837c8b-abaf-4096-b544-58e4cbe7054e" providerId="ADAL" clId="{98817DE7-91FB-446F-B62B-9BEE5AFDA5ED}" dt="2024-09-09T02:29:58.648" v="399" actId="20577"/>
-          <ac:spMkLst>
-            <pc:docMk/>
-            <pc:sldMk cId="560223129" sldId="1417"/>
-            <ac:spMk id="3" creationId="{B7675BA7-6A09-56DE-240D-20DC08C8027E}"/>
-          </ac:spMkLst>
-        </pc:spChg>
-      </pc:sldChg>
-      <pc:sldChg chg="ord">
-        <pc:chgData name="佐藤　寛也" userId="27837c8b-abaf-4096-b544-58e4cbe7054e" providerId="ADAL" clId="{98817DE7-91FB-446F-B62B-9BEE5AFDA5ED}" dt="2024-09-09T02:25:11.701" v="1"/>
-        <pc:sldMkLst>
-          <pc:docMk/>
-          <pc:sldMk cId="2199882969" sldId="1418"/>
-        </pc:sldMkLst>
-      </pc:sldChg>
-      <pc:sldChg chg="ord">
-        <pc:chgData name="佐藤　寛也" userId="27837c8b-abaf-4096-b544-58e4cbe7054e" providerId="ADAL" clId="{98817DE7-91FB-446F-B62B-9BEE5AFDA5ED}" dt="2024-09-09T02:25:11.701" v="1"/>
-        <pc:sldMkLst>
-          <pc:docMk/>
-          <pc:sldMk cId="3024699854" sldId="1419"/>
-        </pc:sldMkLst>
-      </pc:sldChg>
-      <pc:sldChg chg="addSp modSp mod">
-        <pc:chgData name="佐藤　寛也" userId="27837c8b-abaf-4096-b544-58e4cbe7054e" providerId="ADAL" clId="{98817DE7-91FB-446F-B62B-9BEE5AFDA5ED}" dt="2024-09-10T07:47:46.401" v="785" actId="20577"/>
-        <pc:sldMkLst>
-          <pc:docMk/>
-          <pc:sldMk cId="1419192454" sldId="1420"/>
-        </pc:sldMkLst>
-        <pc:spChg chg="mod">
-          <ac:chgData name="佐藤　寛也" userId="27837c8b-abaf-4096-b544-58e4cbe7054e" providerId="ADAL" clId="{98817DE7-91FB-446F-B62B-9BEE5AFDA5ED}" dt="2024-09-10T07:44:35.797" v="715" actId="20577"/>
-          <ac:spMkLst>
-            <pc:docMk/>
-            <pc:sldMk cId="1419192454" sldId="1420"/>
-            <ac:spMk id="6" creationId="{9C19EF40-87C7-E25D-3087-074F52FC8E19}"/>
-          </ac:spMkLst>
-        </pc:spChg>
-        <pc:spChg chg="add mod">
-          <ac:chgData name="佐藤　寛也" userId="27837c8b-abaf-4096-b544-58e4cbe7054e" providerId="ADAL" clId="{98817DE7-91FB-446F-B62B-9BEE5AFDA5ED}" dt="2024-09-10T07:47:46.401" v="785" actId="20577"/>
-          <ac:spMkLst>
-            <pc:docMk/>
-            <pc:sldMk cId="1419192454" sldId="1420"/>
-            <ac:spMk id="7" creationId="{3249B5F4-5FBD-6A72-EB3D-91F752A62CE6}"/>
-          </ac:spMkLst>
-        </pc:spChg>
-      </pc:sldChg>
-      <pc:sldChg chg="addSp modSp mod">
-        <pc:chgData name="佐藤　寛也" userId="27837c8b-abaf-4096-b544-58e4cbe7054e" providerId="ADAL" clId="{98817DE7-91FB-446F-B62B-9BEE5AFDA5ED}" dt="2024-09-09T02:37:35.458" v="685" actId="20577"/>
-        <pc:sldMkLst>
-          <pc:docMk/>
-          <pc:sldMk cId="717434070" sldId="1424"/>
-        </pc:sldMkLst>
-        <pc:spChg chg="mod">
-          <ac:chgData name="佐藤　寛也" userId="27837c8b-abaf-4096-b544-58e4cbe7054e" providerId="ADAL" clId="{98817DE7-91FB-446F-B62B-9BEE5AFDA5ED}" dt="2024-09-09T02:33:08.132" v="520" actId="207"/>
-          <ac:spMkLst>
-            <pc:docMk/>
-            <pc:sldMk cId="717434070" sldId="1424"/>
-            <ac:spMk id="3" creationId="{0E580655-353C-8F10-A1C7-C390A7600CD0}"/>
-          </ac:spMkLst>
-        </pc:spChg>
-        <pc:spChg chg="add mod">
-          <ac:chgData name="佐藤　寛也" userId="27837c8b-abaf-4096-b544-58e4cbe7054e" providerId="ADAL" clId="{98817DE7-91FB-446F-B62B-9BEE5AFDA5ED}" dt="2024-09-09T02:37:35.458" v="685" actId="20577"/>
-          <ac:spMkLst>
-            <pc:docMk/>
-            <pc:sldMk cId="717434070" sldId="1424"/>
-            <ac:spMk id="7" creationId="{CD187AEF-7283-6986-D2ED-0A1DBE0370E2}"/>
-          </ac:spMkLst>
-        </pc:spChg>
-        <pc:picChg chg="add mod">
-          <ac:chgData name="佐藤　寛也" userId="27837c8b-abaf-4096-b544-58e4cbe7054e" providerId="ADAL" clId="{98817DE7-91FB-446F-B62B-9BEE5AFDA5ED}" dt="2024-09-09T02:32:58.196" v="518"/>
-          <ac:picMkLst>
-            <pc:docMk/>
-            <pc:sldMk cId="717434070" sldId="1424"/>
-            <ac:picMk id="8" creationId="{3260AA9E-ED46-01B4-98B8-9EE6FE420E2B}"/>
-          </ac:picMkLst>
-        </pc:picChg>
-        <pc:picChg chg="add mod">
-          <ac:chgData name="佐藤　寛也" userId="27837c8b-abaf-4096-b544-58e4cbe7054e" providerId="ADAL" clId="{98817DE7-91FB-446F-B62B-9BEE5AFDA5ED}" dt="2024-09-09T02:32:58.196" v="518"/>
-          <ac:picMkLst>
-            <pc:docMk/>
-            <pc:sldMk cId="717434070" sldId="1424"/>
-            <ac:picMk id="9" creationId="{5524DF47-5955-5A23-C18D-CCE9CA7423A2}"/>
-          </ac:picMkLst>
-        </pc:picChg>
-      </pc:sldChg>
-      <pc:sldChg chg="modSp add mod">
-        <pc:chgData name="佐藤　寛也" userId="27837c8b-abaf-4096-b544-58e4cbe7054e" providerId="ADAL" clId="{98817DE7-91FB-446F-B62B-9BEE5AFDA5ED}" dt="2024-09-09T02:32:02.269" v="453" actId="20577"/>
-        <pc:sldMkLst>
-          <pc:docMk/>
-          <pc:sldMk cId="1690505392" sldId="1427"/>
-        </pc:sldMkLst>
-        <pc:spChg chg="mod">
-          <ac:chgData name="佐藤　寛也" userId="27837c8b-abaf-4096-b544-58e4cbe7054e" providerId="ADAL" clId="{98817DE7-91FB-446F-B62B-9BEE5AFDA5ED}" dt="2024-09-09T02:32:02.269" v="453" actId="20577"/>
-          <ac:spMkLst>
-            <pc:docMk/>
-            <pc:sldMk cId="1690505392" sldId="1427"/>
-            <ac:spMk id="3" creationId="{0E580655-353C-8F10-A1C7-C390A7600CD0}"/>
-          </ac:spMkLst>
-        </pc:spChg>
-      </pc:sldChg>
-    </pc:docChg>
-  </pc:docChgLst>
-  <pc:docChgLst>
-    <pc:chgData name="寛也 佐藤" userId="27837c8b-abaf-4096-b544-58e4cbe7054e" providerId="ADAL" clId="{523AE8A0-BEBA-4954-967C-583F4CBCCC15}"/>
-    <pc:docChg chg="undo custSel addSld delSld modSld modMainMaster">
-      <pc:chgData name="寛也 佐藤" userId="27837c8b-abaf-4096-b544-58e4cbe7054e" providerId="ADAL" clId="{523AE8A0-BEBA-4954-967C-583F4CBCCC15}" dt="2024-07-03T05:43:05.387" v="2514" actId="47"/>
-      <pc:docMkLst>
-        <pc:docMk/>
-      </pc:docMkLst>
-      <pc:sldChg chg="modSp mod">
-        <pc:chgData name="寛也 佐藤" userId="27837c8b-abaf-4096-b544-58e4cbe7054e" providerId="ADAL" clId="{523AE8A0-BEBA-4954-967C-583F4CBCCC15}" dt="2024-07-03T05:15:03.531" v="2"/>
-        <pc:sldMkLst>
-          <pc:docMk/>
-          <pc:sldMk cId="2292264982" sldId="256"/>
-        </pc:sldMkLst>
-        <pc:spChg chg="mod">
-          <ac:chgData name="寛也 佐藤" userId="27837c8b-abaf-4096-b544-58e4cbe7054e" providerId="ADAL" clId="{523AE8A0-BEBA-4954-967C-583F4CBCCC15}" dt="2024-07-03T05:14:58.978" v="1"/>
-          <ac:spMkLst>
-            <pc:docMk/>
-            <pc:sldMk cId="2292264982" sldId="256"/>
-            <ac:spMk id="2" creationId="{D049B836-353B-0EDB-5101-3437F71F2E4D}"/>
-          </ac:spMkLst>
-        </pc:spChg>
-        <pc:spChg chg="mod">
-          <ac:chgData name="寛也 佐藤" userId="27837c8b-abaf-4096-b544-58e4cbe7054e" providerId="ADAL" clId="{523AE8A0-BEBA-4954-967C-583F4CBCCC15}" dt="2024-07-03T05:15:03.531" v="2"/>
-          <ac:spMkLst>
-            <pc:docMk/>
-            <pc:sldMk cId="2292264982" sldId="256"/>
-            <ac:spMk id="3" creationId="{92A3CDA6-C2CF-9E57-ABBE-E6FF1371E360}"/>
-          </ac:spMkLst>
-        </pc:spChg>
-      </pc:sldChg>
-      <pc:sldChg chg="del">
-        <pc:chgData name="寛也 佐藤" userId="27837c8b-abaf-4096-b544-58e4cbe7054e" providerId="ADAL" clId="{523AE8A0-BEBA-4954-967C-583F4CBCCC15}" dt="2024-07-03T05:43:05.387" v="2514" actId="47"/>
-        <pc:sldMkLst>
-          <pc:docMk/>
-          <pc:sldMk cId="2433034520" sldId="257"/>
-        </pc:sldMkLst>
-      </pc:sldChg>
-      <pc:sldChg chg="del">
-        <pc:chgData name="寛也 佐藤" userId="27837c8b-abaf-4096-b544-58e4cbe7054e" providerId="ADAL" clId="{523AE8A0-BEBA-4954-967C-583F4CBCCC15}" dt="2024-07-03T05:42:51.563" v="2513" actId="47"/>
-        <pc:sldMkLst>
-          <pc:docMk/>
-          <pc:sldMk cId="4061358764" sldId="259"/>
-        </pc:sldMkLst>
-      </pc:sldChg>
-      <pc:sldChg chg="modSp mod">
-        <pc:chgData name="寛也 佐藤" userId="27837c8b-abaf-4096-b544-58e4cbe7054e" providerId="ADAL" clId="{523AE8A0-BEBA-4954-967C-583F4CBCCC15}" dt="2024-07-03T05:21:06.048" v="1049" actId="404"/>
-        <pc:sldMkLst>
-          <pc:docMk/>
-          <pc:sldMk cId="4138699866" sldId="260"/>
-        </pc:sldMkLst>
-        <pc:spChg chg="mod">
-          <ac:chgData name="寛也 佐藤" userId="27837c8b-abaf-4096-b544-58e4cbe7054e" providerId="ADAL" clId="{523AE8A0-BEBA-4954-967C-583F4CBCCC15}" dt="2024-07-03T05:16:18.335" v="12" actId="20577"/>
-          <ac:spMkLst>
-            <pc:docMk/>
-            <pc:sldMk cId="4138699866" sldId="260"/>
-            <ac:spMk id="2" creationId="{0DD8CF49-64AC-1FCC-3F64-297A9BEC1995}"/>
-          </ac:spMkLst>
-        </pc:spChg>
-        <pc:spChg chg="mod">
-          <ac:chgData name="寛也 佐藤" userId="27837c8b-abaf-4096-b544-58e4cbe7054e" providerId="ADAL" clId="{523AE8A0-BEBA-4954-967C-583F4CBCCC15}" dt="2024-07-03T05:21:06.048" v="1049" actId="404"/>
-          <ac:spMkLst>
-            <pc:docMk/>
-            <pc:sldMk cId="4138699866" sldId="260"/>
-            <ac:spMk id="3" creationId="{16FF0A75-AD20-769F-6C62-614A33EDE4D0}"/>
-          </ac:spMkLst>
-        </pc:spChg>
-      </pc:sldChg>
-      <pc:sldChg chg="del">
-        <pc:chgData name="寛也 佐藤" userId="27837c8b-abaf-4096-b544-58e4cbe7054e" providerId="ADAL" clId="{523AE8A0-BEBA-4954-967C-583F4CBCCC15}" dt="2024-07-03T05:42:51.563" v="2513" actId="47"/>
-        <pc:sldMkLst>
-          <pc:docMk/>
-          <pc:sldMk cId="2773059782" sldId="262"/>
-        </pc:sldMkLst>
-      </pc:sldChg>
-      <pc:sldChg chg="addSp delSp modSp mod">
-        <pc:chgData name="寛也 佐藤" userId="27837c8b-abaf-4096-b544-58e4cbe7054e" providerId="ADAL" clId="{523AE8A0-BEBA-4954-967C-583F4CBCCC15}" dt="2024-07-03T05:33:27.291" v="2004" actId="6549"/>
-        <pc:sldMkLst>
-          <pc:docMk/>
-          <pc:sldMk cId="3549867426" sldId="263"/>
-        </pc:sldMkLst>
-        <pc:spChg chg="mod">
-          <ac:chgData name="寛也 佐藤" userId="27837c8b-abaf-4096-b544-58e4cbe7054e" providerId="ADAL" clId="{523AE8A0-BEBA-4954-967C-583F4CBCCC15}" dt="2024-07-03T05:30:52.716" v="1807" actId="20577"/>
-          <ac:spMkLst>
-            <pc:docMk/>
-            <pc:sldMk cId="3549867426" sldId="263"/>
-            <ac:spMk id="2" creationId="{0DD8CF49-64AC-1FCC-3F64-297A9BEC1995}"/>
-          </ac:spMkLst>
-        </pc:spChg>
-        <pc:spChg chg="del">
-          <ac:chgData name="寛也 佐藤" userId="27837c8b-abaf-4096-b544-58e4cbe7054e" providerId="ADAL" clId="{523AE8A0-BEBA-4954-967C-583F4CBCCC15}" dt="2024-07-03T05:31:03.185" v="1809" actId="478"/>
-          <ac:spMkLst>
-            <pc:docMk/>
-            <pc:sldMk cId="3549867426" sldId="263"/>
-            <ac:spMk id="3" creationId="{16FF0A75-AD20-769F-6C62-614A33EDE4D0}"/>
-          </ac:spMkLst>
-        </pc:spChg>
-        <pc:spChg chg="del">
-          <ac:chgData name="寛也 佐藤" userId="27837c8b-abaf-4096-b544-58e4cbe7054e" providerId="ADAL" clId="{523AE8A0-BEBA-4954-967C-583F4CBCCC15}" dt="2024-07-03T05:31:00.965" v="1808" actId="478"/>
-          <ac:spMkLst>
-            <pc:docMk/>
-            <pc:sldMk cId="3549867426" sldId="263"/>
-            <ac:spMk id="7" creationId="{486DF937-9B62-9A8C-A111-550E95A570B5}"/>
-          </ac:spMkLst>
-        </pc:spChg>
-        <pc:spChg chg="add del mod">
-          <ac:chgData name="寛也 佐藤" userId="27837c8b-abaf-4096-b544-58e4cbe7054e" providerId="ADAL" clId="{523AE8A0-BEBA-4954-967C-583F4CBCCC15}" dt="2024-07-03T05:31:05.524" v="1814" actId="478"/>
-          <ac:spMkLst>
-            <pc:docMk/>
-            <pc:sldMk cId="3549867426" sldId="263"/>
-            <ac:spMk id="9" creationId="{87AA6C49-90C1-A0D1-2137-44430ED9928D}"/>
-          </ac:spMkLst>
-        </pc:spChg>
-        <pc:spChg chg="add mod">
-          <ac:chgData name="寛也 佐藤" userId="27837c8b-abaf-4096-b544-58e4cbe7054e" providerId="ADAL" clId="{523AE8A0-BEBA-4954-967C-583F4CBCCC15}" dt="2024-07-03T05:31:03.529" v="1810"/>
-          <ac:spMkLst>
-            <pc:docMk/>
-            <pc:sldMk cId="3549867426" sldId="263"/>
-            <ac:spMk id="10" creationId="{F684C0CF-DBD7-BB4E-E7E9-6BB0E6733A0E}"/>
-          </ac:spMkLst>
-        </pc:spChg>
-        <pc:spChg chg="add mod">
-          <ac:chgData name="寛也 佐藤" userId="27837c8b-abaf-4096-b544-58e4cbe7054e" providerId="ADAL" clId="{523AE8A0-BEBA-4954-967C-583F4CBCCC15}" dt="2024-07-03T05:31:03.529" v="1810"/>
-          <ac:spMkLst>
-            <pc:docMk/>
-            <pc:sldMk cId="3549867426" sldId="263"/>
-            <ac:spMk id="11" creationId="{77155CC1-13C2-D57B-A5A9-62821568790A}"/>
-          </ac:spMkLst>
-        </pc:spChg>
-        <pc:spChg chg="add mod">
-          <ac:chgData name="寛也 佐藤" userId="27837c8b-abaf-4096-b544-58e4cbe7054e" providerId="ADAL" clId="{523AE8A0-BEBA-4954-967C-583F4CBCCC15}" dt="2024-07-03T05:31:04.226" v="1813"/>
-          <ac:spMkLst>
-            <pc:docMk/>
-            <pc:sldMk cId="3549867426" sldId="263"/>
-            <ac:spMk id="12" creationId="{E8014FA5-BCBB-F236-D76A-E3BFD54E4DC8}"/>
-          </ac:spMkLst>
-        </pc:spChg>
-        <pc:spChg chg="add mod">
-          <ac:chgData name="寛也 佐藤" userId="27837c8b-abaf-4096-b544-58e4cbe7054e" providerId="ADAL" clId="{523AE8A0-BEBA-4954-967C-583F4CBCCC15}" dt="2024-07-03T05:31:03.529" v="1810"/>
-          <ac:spMkLst>
-            <pc:docMk/>
-            <pc:sldMk cId="3549867426" sldId="263"/>
-            <ac:spMk id="13" creationId="{120FA74F-F20A-FDBB-55FE-1372779AC3CC}"/>
-          </ac:spMkLst>
-        </pc:spChg>
-        <pc:spChg chg="add mod">
-          <ac:chgData name="寛也 佐藤" userId="27837c8b-abaf-4096-b544-58e4cbe7054e" providerId="ADAL" clId="{523AE8A0-BEBA-4954-967C-583F4CBCCC15}" dt="2024-07-03T05:31:03.529" v="1810"/>
-          <ac:spMkLst>
-            <pc:docMk/>
-            <pc:sldMk cId="3549867426" sldId="263"/>
-            <ac:spMk id="14" creationId="{C8F9DE80-7876-8B94-220C-82E3EFA86A8B}"/>
-          </ac:spMkLst>
-        </pc:spChg>
-        <pc:spChg chg="add mod">
-          <ac:chgData name="寛也 佐藤" userId="27837c8b-abaf-4096-b544-58e4cbe7054e" providerId="ADAL" clId="{523AE8A0-BEBA-4954-967C-583F4CBCCC15}" dt="2024-07-03T05:31:05.951" v="1815"/>
-          <ac:spMkLst>
-            <pc:docMk/>
-            <pc:sldMk cId="3549867426" sldId="263"/>
-            <ac:spMk id="17" creationId="{61C9398E-837D-17B0-9104-C9992EC500AA}"/>
-          </ac:spMkLst>
-        </pc:spChg>
-        <pc:spChg chg="add mod">
-          <ac:chgData name="寛也 佐藤" userId="27837c8b-abaf-4096-b544-58e4cbe7054e" providerId="ADAL" clId="{523AE8A0-BEBA-4954-967C-583F4CBCCC15}" dt="2024-07-03T05:31:05.951" v="1815"/>
-          <ac:spMkLst>
-            <pc:docMk/>
-            <pc:sldMk cId="3549867426" sldId="263"/>
-            <ac:spMk id="18" creationId="{415EF3AB-16A1-3955-8FD4-D7756EB6A7B1}"/>
-          </ac:spMkLst>
-        </pc:spChg>
-        <pc:spChg chg="add mod">
-          <ac:chgData name="寛也 佐藤" userId="27837c8b-abaf-4096-b544-58e4cbe7054e" providerId="ADAL" clId="{523AE8A0-BEBA-4954-967C-583F4CBCCC15}" dt="2024-07-03T05:33:27.291" v="2004" actId="6549"/>
-          <ac:spMkLst>
-            <pc:docMk/>
-            <pc:sldMk cId="3549867426" sldId="263"/>
-            <ac:spMk id="19" creationId="{9FF71543-B4E2-E31E-68C1-34CB7408ECFB}"/>
-          </ac:spMkLst>
-        </pc:spChg>
-        <pc:spChg chg="add mod">
-          <ac:chgData name="寛也 佐藤" userId="27837c8b-abaf-4096-b544-58e4cbe7054e" providerId="ADAL" clId="{523AE8A0-BEBA-4954-967C-583F4CBCCC15}" dt="2024-07-03T05:31:18.356" v="1819" actId="2711"/>
-          <ac:spMkLst>
-            <pc:docMk/>
-            <pc:sldMk cId="3549867426" sldId="263"/>
-            <ac:spMk id="20" creationId="{0503201E-933F-26F9-A51E-7483F7419866}"/>
-          </ac:spMkLst>
-        </pc:spChg>
-        <pc:spChg chg="add mod">
-          <ac:chgData name="寛也 佐藤" userId="27837c8b-abaf-4096-b544-58e4cbe7054e" providerId="ADAL" clId="{523AE8A0-BEBA-4954-967C-583F4CBCCC15}" dt="2024-07-03T05:31:24.565" v="1820" actId="2711"/>
-          <ac:spMkLst>
-            <pc:docMk/>
-            <pc:sldMk cId="3549867426" sldId="263"/>
-            <ac:spMk id="21" creationId="{F8C0CCD4-4AFC-57CE-CB7C-6299A8B86C91}"/>
-          </ac:spMkLst>
-        </pc:spChg>
-        <pc:picChg chg="add mod">
-          <ac:chgData name="寛也 佐藤" userId="27837c8b-abaf-4096-b544-58e4cbe7054e" providerId="ADAL" clId="{523AE8A0-BEBA-4954-967C-583F4CBCCC15}" dt="2024-07-03T05:31:03.529" v="1810"/>
-          <ac:picMkLst>
-            <pc:docMk/>
-            <pc:sldMk cId="3549867426" sldId="263"/>
-            <ac:picMk id="15" creationId="{89B7F2AC-3D30-ADAE-03D6-E27227896AB3}"/>
-          </ac:picMkLst>
-        </pc:picChg>
-        <pc:picChg chg="add mod">
-          <ac:chgData name="寛也 佐藤" userId="27837c8b-abaf-4096-b544-58e4cbe7054e" providerId="ADAL" clId="{523AE8A0-BEBA-4954-967C-583F4CBCCC15}" dt="2024-07-03T05:31:03.529" v="1810"/>
-          <ac:picMkLst>
-            <pc:docMk/>
-            <pc:sldMk cId="3549867426" sldId="263"/>
-            <ac:picMk id="16" creationId="{236CFC37-3D1D-B917-C965-3CF74056E6E0}"/>
-          </ac:picMkLst>
-        </pc:picChg>
-        <pc:picChg chg="add mod">
-          <ac:chgData name="寛也 佐藤" userId="27837c8b-abaf-4096-b544-58e4cbe7054e" providerId="ADAL" clId="{523AE8A0-BEBA-4954-967C-583F4CBCCC15}" dt="2024-07-03T05:31:05.951" v="1815"/>
-          <ac:picMkLst>
-            <pc:docMk/>
-            <pc:sldMk cId="3549867426" sldId="263"/>
-            <ac:picMk id="22" creationId="{54AD1D66-07E9-5C35-9F26-8E599FFE6250}"/>
-          </ac:picMkLst>
-        </pc:picChg>
-        <pc:picChg chg="add mod">
-          <ac:chgData name="寛也 佐藤" userId="27837c8b-abaf-4096-b544-58e4cbe7054e" providerId="ADAL" clId="{523AE8A0-BEBA-4954-967C-583F4CBCCC15}" dt="2024-07-03T05:31:05.951" v="1815"/>
-          <ac:picMkLst>
-            <pc:docMk/>
-            <pc:sldMk cId="3549867426" sldId="263"/>
-            <ac:picMk id="23" creationId="{3787270B-C166-6E63-E504-1F9AD2C1B34D}"/>
-          </ac:picMkLst>
-        </pc:picChg>
-      </pc:sldChg>
-      <pc:sldChg chg="del">
-        <pc:chgData name="寛也 佐藤" userId="27837c8b-abaf-4096-b544-58e4cbe7054e" providerId="ADAL" clId="{523AE8A0-BEBA-4954-967C-583F4CBCCC15}" dt="2024-07-03T05:42:51.563" v="2513" actId="47"/>
-        <pc:sldMkLst>
-          <pc:docMk/>
-          <pc:sldMk cId="1648663119" sldId="264"/>
-        </pc:sldMkLst>
-      </pc:sldChg>
-      <pc:sldChg chg="del">
-        <pc:chgData name="寛也 佐藤" userId="27837c8b-abaf-4096-b544-58e4cbe7054e" providerId="ADAL" clId="{523AE8A0-BEBA-4954-967C-583F4CBCCC15}" dt="2024-07-03T05:42:51.563" v="2513" actId="47"/>
-        <pc:sldMkLst>
-          <pc:docMk/>
-          <pc:sldMk cId="1465111289" sldId="265"/>
-        </pc:sldMkLst>
-      </pc:sldChg>
-      <pc:sldChg chg="del">
-        <pc:chgData name="寛也 佐藤" userId="27837c8b-abaf-4096-b544-58e4cbe7054e" providerId="ADAL" clId="{523AE8A0-BEBA-4954-967C-583F4CBCCC15}" dt="2024-07-03T05:42:51.563" v="2513" actId="47"/>
-        <pc:sldMkLst>
-          <pc:docMk/>
-          <pc:sldMk cId="1307802863" sldId="266"/>
-        </pc:sldMkLst>
-      </pc:sldChg>
-      <pc:sldChg chg="del">
-        <pc:chgData name="寛也 佐藤" userId="27837c8b-abaf-4096-b544-58e4cbe7054e" providerId="ADAL" clId="{523AE8A0-BEBA-4954-967C-583F4CBCCC15}" dt="2024-07-03T05:42:51.563" v="2513" actId="47"/>
-        <pc:sldMkLst>
-          <pc:docMk/>
-          <pc:sldMk cId="1802613345" sldId="267"/>
-        </pc:sldMkLst>
-      </pc:sldChg>
-      <pc:sldChg chg="del">
-        <pc:chgData name="寛也 佐藤" userId="27837c8b-abaf-4096-b544-58e4cbe7054e" providerId="ADAL" clId="{523AE8A0-BEBA-4954-967C-583F4CBCCC15}" dt="2024-07-03T05:42:51.563" v="2513" actId="47"/>
-        <pc:sldMkLst>
-          <pc:docMk/>
-          <pc:sldMk cId="1261480677" sldId="268"/>
-        </pc:sldMkLst>
-      </pc:sldChg>
-      <pc:sldChg chg="del">
-        <pc:chgData name="寛也 佐藤" userId="27837c8b-abaf-4096-b544-58e4cbe7054e" providerId="ADAL" clId="{523AE8A0-BEBA-4954-967C-583F4CBCCC15}" dt="2024-07-03T05:42:51.563" v="2513" actId="47"/>
-        <pc:sldMkLst>
-          <pc:docMk/>
-          <pc:sldMk cId="1747800811" sldId="1356"/>
-        </pc:sldMkLst>
-      </pc:sldChg>
-      <pc:sldChg chg="del">
-        <pc:chgData name="寛也 佐藤" userId="27837c8b-abaf-4096-b544-58e4cbe7054e" providerId="ADAL" clId="{523AE8A0-BEBA-4954-967C-583F4CBCCC15}" dt="2024-07-03T05:42:51.563" v="2513" actId="47"/>
-        <pc:sldMkLst>
-          <pc:docMk/>
-          <pc:sldMk cId="3124418648" sldId="1357"/>
-        </pc:sldMkLst>
-      </pc:sldChg>
-      <pc:sldChg chg="del">
-        <pc:chgData name="寛也 佐藤" userId="27837c8b-abaf-4096-b544-58e4cbe7054e" providerId="ADAL" clId="{523AE8A0-BEBA-4954-967C-583F4CBCCC15}" dt="2024-07-03T05:42:51.563" v="2513" actId="47"/>
-        <pc:sldMkLst>
-          <pc:docMk/>
-          <pc:sldMk cId="4071448038" sldId="1365"/>
-        </pc:sldMkLst>
-      </pc:sldChg>
-      <pc:sldChg chg="del">
-        <pc:chgData name="寛也 佐藤" userId="27837c8b-abaf-4096-b544-58e4cbe7054e" providerId="ADAL" clId="{523AE8A0-BEBA-4954-967C-583F4CBCCC15}" dt="2024-07-03T05:42:51.563" v="2513" actId="47"/>
-        <pc:sldMkLst>
-          <pc:docMk/>
-          <pc:sldMk cId="3038664764" sldId="1366"/>
-        </pc:sldMkLst>
-      </pc:sldChg>
-      <pc:sldChg chg="del">
-        <pc:chgData name="寛也 佐藤" userId="27837c8b-abaf-4096-b544-58e4cbe7054e" providerId="ADAL" clId="{523AE8A0-BEBA-4954-967C-583F4CBCCC15}" dt="2024-07-03T05:42:51.563" v="2513" actId="47"/>
-        <pc:sldMkLst>
-          <pc:docMk/>
-          <pc:sldMk cId="4272389011" sldId="1367"/>
-        </pc:sldMkLst>
-      </pc:sldChg>
-      <pc:sldChg chg="del">
-        <pc:chgData name="寛也 佐藤" userId="27837c8b-abaf-4096-b544-58e4cbe7054e" providerId="ADAL" clId="{523AE8A0-BEBA-4954-967C-583F4CBCCC15}" dt="2024-07-03T05:42:51.563" v="2513" actId="47"/>
-        <pc:sldMkLst>
-          <pc:docMk/>
-          <pc:sldMk cId="3020864536" sldId="1370"/>
-        </pc:sldMkLst>
-      </pc:sldChg>
-      <pc:sldChg chg="del">
-        <pc:chgData name="寛也 佐藤" userId="27837c8b-abaf-4096-b544-58e4cbe7054e" providerId="ADAL" clId="{523AE8A0-BEBA-4954-967C-583F4CBCCC15}" dt="2024-07-03T05:42:51.563" v="2513" actId="47"/>
-        <pc:sldMkLst>
-          <pc:docMk/>
-          <pc:sldMk cId="167248985" sldId="1374"/>
-        </pc:sldMkLst>
-      </pc:sldChg>
-      <pc:sldChg chg="del">
-        <pc:chgData name="寛也 佐藤" userId="27837c8b-abaf-4096-b544-58e4cbe7054e" providerId="ADAL" clId="{523AE8A0-BEBA-4954-967C-583F4CBCCC15}" dt="2024-07-03T05:42:51.563" v="2513" actId="47"/>
-        <pc:sldMkLst>
-          <pc:docMk/>
-          <pc:sldMk cId="3883703914" sldId="1386"/>
-        </pc:sldMkLst>
-      </pc:sldChg>
-      <pc:sldChg chg="del">
-        <pc:chgData name="寛也 佐藤" userId="27837c8b-abaf-4096-b544-58e4cbe7054e" providerId="ADAL" clId="{523AE8A0-BEBA-4954-967C-583F4CBCCC15}" dt="2024-07-03T05:42:51.563" v="2513" actId="47"/>
-        <pc:sldMkLst>
-          <pc:docMk/>
-          <pc:sldMk cId="2487849694" sldId="1387"/>
-        </pc:sldMkLst>
-      </pc:sldChg>
-      <pc:sldChg chg="del">
-        <pc:chgData name="寛也 佐藤" userId="27837c8b-abaf-4096-b544-58e4cbe7054e" providerId="ADAL" clId="{523AE8A0-BEBA-4954-967C-583F4CBCCC15}" dt="2024-07-03T05:42:51.563" v="2513" actId="47"/>
-        <pc:sldMkLst>
-          <pc:docMk/>
-          <pc:sldMk cId="1147572754" sldId="1388"/>
-        </pc:sldMkLst>
-      </pc:sldChg>
-      <pc:sldChg chg="del">
-        <pc:chgData name="寛也 佐藤" userId="27837c8b-abaf-4096-b544-58e4cbe7054e" providerId="ADAL" clId="{523AE8A0-BEBA-4954-967C-583F4CBCCC15}" dt="2024-07-03T05:42:51.563" v="2513" actId="47"/>
-        <pc:sldMkLst>
-          <pc:docMk/>
-          <pc:sldMk cId="3504225446" sldId="1389"/>
-        </pc:sldMkLst>
-      </pc:sldChg>
-      <pc:sldChg chg="del">
-        <pc:chgData name="寛也 佐藤" userId="27837c8b-abaf-4096-b544-58e4cbe7054e" providerId="ADAL" clId="{523AE8A0-BEBA-4954-967C-583F4CBCCC15}" dt="2024-07-03T05:42:51.563" v="2513" actId="47"/>
-        <pc:sldMkLst>
-          <pc:docMk/>
-          <pc:sldMk cId="1755058722" sldId="1390"/>
-        </pc:sldMkLst>
-      </pc:sldChg>
-      <pc:sldChg chg="del">
-        <pc:chgData name="寛也 佐藤" userId="27837c8b-abaf-4096-b544-58e4cbe7054e" providerId="ADAL" clId="{523AE8A0-BEBA-4954-967C-583F4CBCCC15}" dt="2024-07-03T05:42:51.563" v="2513" actId="47"/>
-        <pc:sldMkLst>
-          <pc:docMk/>
-          <pc:sldMk cId="3161134466" sldId="1391"/>
-        </pc:sldMkLst>
-      </pc:sldChg>
-      <pc:sldChg chg="del">
-        <pc:chgData name="寛也 佐藤" userId="27837c8b-abaf-4096-b544-58e4cbe7054e" providerId="ADAL" clId="{523AE8A0-BEBA-4954-967C-583F4CBCCC15}" dt="2024-07-03T05:42:51.563" v="2513" actId="47"/>
-        <pc:sldMkLst>
-          <pc:docMk/>
-          <pc:sldMk cId="2909088854" sldId="1392"/>
-        </pc:sldMkLst>
-      </pc:sldChg>
-      <pc:sldChg chg="del">
-        <pc:chgData name="寛也 佐藤" userId="27837c8b-abaf-4096-b544-58e4cbe7054e" providerId="ADAL" clId="{523AE8A0-BEBA-4954-967C-583F4CBCCC15}" dt="2024-07-03T05:42:51.563" v="2513" actId="47"/>
-        <pc:sldMkLst>
-          <pc:docMk/>
-          <pc:sldMk cId="788494063" sldId="1393"/>
-        </pc:sldMkLst>
-      </pc:sldChg>
-      <pc:sldChg chg="del">
-        <pc:chgData name="寛也 佐藤" userId="27837c8b-abaf-4096-b544-58e4cbe7054e" providerId="ADAL" clId="{523AE8A0-BEBA-4954-967C-583F4CBCCC15}" dt="2024-07-03T05:42:51.563" v="2513" actId="47"/>
-        <pc:sldMkLst>
-          <pc:docMk/>
-          <pc:sldMk cId="1925078553" sldId="1394"/>
-        </pc:sldMkLst>
-      </pc:sldChg>
-      <pc:sldChg chg="del">
-        <pc:chgData name="寛也 佐藤" userId="27837c8b-abaf-4096-b544-58e4cbe7054e" providerId="ADAL" clId="{523AE8A0-BEBA-4954-967C-583F4CBCCC15}" dt="2024-07-03T05:42:51.563" v="2513" actId="47"/>
-        <pc:sldMkLst>
-          <pc:docMk/>
-          <pc:sldMk cId="1434474335" sldId="1395"/>
-        </pc:sldMkLst>
-      </pc:sldChg>
-      <pc:sldChg chg="del">
-        <pc:chgData name="寛也 佐藤" userId="27837c8b-abaf-4096-b544-58e4cbe7054e" providerId="ADAL" clId="{523AE8A0-BEBA-4954-967C-583F4CBCCC15}" dt="2024-07-03T05:42:51.563" v="2513" actId="47"/>
-        <pc:sldMkLst>
-          <pc:docMk/>
-          <pc:sldMk cId="1528293435" sldId="1396"/>
-        </pc:sldMkLst>
-      </pc:sldChg>
-      <pc:sldChg chg="del">
-        <pc:chgData name="寛也 佐藤" userId="27837c8b-abaf-4096-b544-58e4cbe7054e" providerId="ADAL" clId="{523AE8A0-BEBA-4954-967C-583F4CBCCC15}" dt="2024-07-03T05:42:51.563" v="2513" actId="47"/>
-        <pc:sldMkLst>
-          <pc:docMk/>
-          <pc:sldMk cId="1892362688" sldId="1397"/>
-        </pc:sldMkLst>
-      </pc:sldChg>
-      <pc:sldChg chg="del">
-        <pc:chgData name="寛也 佐藤" userId="27837c8b-abaf-4096-b544-58e4cbe7054e" providerId="ADAL" clId="{523AE8A0-BEBA-4954-967C-583F4CBCCC15}" dt="2024-07-03T05:42:51.563" v="2513" actId="47"/>
-        <pc:sldMkLst>
-          <pc:docMk/>
-          <pc:sldMk cId="4288675311" sldId="1399"/>
-        </pc:sldMkLst>
-      </pc:sldChg>
-      <pc:sldChg chg="del">
-        <pc:chgData name="寛也 佐藤" userId="27837c8b-abaf-4096-b544-58e4cbe7054e" providerId="ADAL" clId="{523AE8A0-BEBA-4954-967C-583F4CBCCC15}" dt="2024-07-03T05:42:51.563" v="2513" actId="47"/>
-        <pc:sldMkLst>
-          <pc:docMk/>
-          <pc:sldMk cId="570038398" sldId="1400"/>
-        </pc:sldMkLst>
-      </pc:sldChg>
-      <pc:sldChg chg="del">
-        <pc:chgData name="寛也 佐藤" userId="27837c8b-abaf-4096-b544-58e4cbe7054e" providerId="ADAL" clId="{523AE8A0-BEBA-4954-967C-583F4CBCCC15}" dt="2024-07-03T05:42:51.563" v="2513" actId="47"/>
-        <pc:sldMkLst>
-          <pc:docMk/>
-          <pc:sldMk cId="3999279620" sldId="1401"/>
-        </pc:sldMkLst>
-      </pc:sldChg>
-      <pc:sldChg chg="del">
-        <pc:chgData name="寛也 佐藤" userId="27837c8b-abaf-4096-b544-58e4cbe7054e" providerId="ADAL" clId="{523AE8A0-BEBA-4954-967C-583F4CBCCC15}" dt="2024-07-03T05:42:51.563" v="2513" actId="47"/>
-        <pc:sldMkLst>
-          <pc:docMk/>
-          <pc:sldMk cId="349716101" sldId="1402"/>
-        </pc:sldMkLst>
-      </pc:sldChg>
-      <pc:sldChg chg="del">
-        <pc:chgData name="寛也 佐藤" userId="27837c8b-abaf-4096-b544-58e4cbe7054e" providerId="ADAL" clId="{523AE8A0-BEBA-4954-967C-583F4CBCCC15}" dt="2024-07-03T05:43:05.387" v="2514" actId="47"/>
-        <pc:sldMkLst>
-          <pc:docMk/>
-          <pc:sldMk cId="154155697" sldId="1403"/>
-        </pc:sldMkLst>
-      </pc:sldChg>
-      <pc:sldChg chg="addSp delSp modSp add mod">
-        <pc:chgData name="寛也 佐藤" userId="27837c8b-abaf-4096-b544-58e4cbe7054e" providerId="ADAL" clId="{523AE8A0-BEBA-4954-967C-583F4CBCCC15}" dt="2024-07-03T05:26:49.211" v="1269" actId="1035"/>
-        <pc:sldMkLst>
-          <pc:docMk/>
-          <pc:sldMk cId="200817713" sldId="1404"/>
-        </pc:sldMkLst>
-        <pc:spChg chg="add del mod">
-          <ac:chgData name="寛也 佐藤" userId="27837c8b-abaf-4096-b544-58e4cbe7054e" providerId="ADAL" clId="{523AE8A0-BEBA-4954-967C-583F4CBCCC15}" dt="2024-07-03T05:23:24.190" v="1194" actId="478"/>
-          <ac:spMkLst>
-            <pc:docMk/>
-            <pc:sldMk cId="200817713" sldId="1404"/>
-            <ac:spMk id="3" creationId="{16FF0A75-AD20-769F-6C62-614A33EDE4D0}"/>
-          </ac:spMkLst>
-        </pc:spChg>
-        <pc:spChg chg="add del mod">
-          <ac:chgData name="寛也 佐藤" userId="27837c8b-abaf-4096-b544-58e4cbe7054e" providerId="ADAL" clId="{523AE8A0-BEBA-4954-967C-583F4CBCCC15}" dt="2024-07-03T05:23:24.190" v="1194" actId="478"/>
-          <ac:spMkLst>
-            <pc:docMk/>
-            <pc:sldMk cId="200817713" sldId="1404"/>
-            <ac:spMk id="9" creationId="{676A685C-BE35-B7E6-8CED-61DA826C4B88}"/>
-          </ac:spMkLst>
-        </pc:spChg>
-        <pc:spChg chg="add mod">
-          <ac:chgData name="寛也 佐藤" userId="27837c8b-abaf-4096-b544-58e4cbe7054e" providerId="ADAL" clId="{523AE8A0-BEBA-4954-967C-583F4CBCCC15}" dt="2024-07-03T05:24:27.037" v="1243" actId="1035"/>
-          <ac:spMkLst>
-            <pc:docMk/>
-            <pc:sldMk cId="200817713" sldId="1404"/>
-            <ac:spMk id="15" creationId="{F60FB33E-0DE8-F08E-424D-FDE571D89E52}"/>
-          </ac:spMkLst>
-        </pc:spChg>
-        <pc:spChg chg="add mod">
-          <ac:chgData name="寛也 佐藤" userId="27837c8b-abaf-4096-b544-58e4cbe7054e" providerId="ADAL" clId="{523AE8A0-BEBA-4954-967C-583F4CBCCC15}" dt="2024-07-03T05:24:27.037" v="1243" actId="1035"/>
-          <ac:spMkLst>
-            <pc:docMk/>
-            <pc:sldMk cId="200817713" sldId="1404"/>
-            <ac:spMk id="16" creationId="{957C693F-1A8B-7613-6B41-DD2BB5AB6CFA}"/>
-          </ac:spMkLst>
-        </pc:spChg>
-        <pc:spChg chg="add mod">
-          <ac:chgData name="寛也 佐藤" userId="27837c8b-abaf-4096-b544-58e4cbe7054e" providerId="ADAL" clId="{523AE8A0-BEBA-4954-967C-583F4CBCCC15}" dt="2024-07-03T05:24:27.037" v="1243" actId="1035"/>
-          <ac:spMkLst>
-            <pc:docMk/>
-            <pc:sldMk cId="200817713" sldId="1404"/>
-            <ac:spMk id="17" creationId="{055BE4E0-456B-D1C4-F4CC-CF7A4F38E952}"/>
-          </ac:spMkLst>
-        </pc:spChg>
-        <pc:spChg chg="add mod">
-          <ac:chgData name="寛也 佐藤" userId="27837c8b-abaf-4096-b544-58e4cbe7054e" providerId="ADAL" clId="{523AE8A0-BEBA-4954-967C-583F4CBCCC15}" dt="2024-07-03T05:26:49.211" v="1269" actId="1035"/>
-          <ac:spMkLst>
-            <pc:docMk/>
-            <pc:sldMk cId="200817713" sldId="1404"/>
-            <ac:spMk id="18" creationId="{D255D19C-9C71-40BF-7CB1-2DF5CA96D0F5}"/>
-          </ac:spMkLst>
-        </pc:spChg>
-        <pc:spChg chg="add mod">
-          <ac:chgData name="寛也 佐藤" userId="27837c8b-abaf-4096-b544-58e4cbe7054e" providerId="ADAL" clId="{523AE8A0-BEBA-4954-967C-583F4CBCCC15}" dt="2024-07-03T05:26:42.866" v="1267" actId="1036"/>
-          <ac:spMkLst>
-            <pc:docMk/>
-            <pc:sldMk cId="200817713" sldId="1404"/>
-            <ac:spMk id="19" creationId="{62E7A2C1-5195-705C-D068-FE12F47FC9DA}"/>
-          </ac:spMkLst>
-        </pc:spChg>
-        <pc:picChg chg="add mod">
-          <ac:chgData name="寛也 佐藤" userId="27837c8b-abaf-4096-b544-58e4cbe7054e" providerId="ADAL" clId="{523AE8A0-BEBA-4954-967C-583F4CBCCC15}" dt="2024-07-03T05:22:13.696" v="1187" actId="1038"/>
-          <ac:picMkLst>
-            <pc:docMk/>
-            <pc:sldMk cId="200817713" sldId="1404"/>
-            <ac:picMk id="7" creationId="{FCCA76BC-781C-9082-9589-F25FF81BCE77}"/>
-          </ac:picMkLst>
-        </pc:picChg>
-        <pc:picChg chg="add del">
-          <ac:chgData name="寛也 佐藤" userId="27837c8b-abaf-4096-b544-58e4cbe7054e" providerId="ADAL" clId="{523AE8A0-BEBA-4954-967C-583F4CBCCC15}" dt="2024-07-03T05:23:23.413" v="1193" actId="22"/>
-          <ac:picMkLst>
-            <pc:docMk/>
-            <pc:sldMk cId="200817713" sldId="1404"/>
-            <ac:picMk id="11" creationId="{062B6180-A79E-1B3F-3D12-84BC1337A184}"/>
-          </ac:picMkLst>
-        </pc:picChg>
-        <pc:picChg chg="add mod">
-          <ac:chgData name="寛也 佐藤" userId="27837c8b-abaf-4096-b544-58e4cbe7054e" providerId="ADAL" clId="{523AE8A0-BEBA-4954-967C-583F4CBCCC15}" dt="2024-07-03T05:24:20.328" v="1229" actId="14100"/>
-          <ac:picMkLst>
-            <pc:docMk/>
-            <pc:sldMk cId="200817713" sldId="1404"/>
-            <ac:picMk id="13" creationId="{3D1462BC-D6BB-9788-C6E2-8B67CAABA4E8}"/>
-          </ac:picMkLst>
-        </pc:picChg>
-        <pc:picChg chg="add del mod">
-          <ac:chgData name="寛也 佐藤" userId="27837c8b-abaf-4096-b544-58e4cbe7054e" providerId="ADAL" clId="{523AE8A0-BEBA-4954-967C-583F4CBCCC15}" dt="2024-07-03T05:24:15.052" v="1228" actId="478"/>
-          <ac:picMkLst>
-            <pc:docMk/>
-            <pc:sldMk cId="200817713" sldId="1404"/>
-            <ac:picMk id="14" creationId="{91965E2C-0BF1-D605-233B-604A2D76AAD4}"/>
-          </ac:picMkLst>
-        </pc:picChg>
-      </pc:sldChg>
-      <pc:sldChg chg="addSp delSp modSp add mod">
-        <pc:chgData name="寛也 佐藤" userId="27837c8b-abaf-4096-b544-58e4cbe7054e" providerId="ADAL" clId="{523AE8A0-BEBA-4954-967C-583F4CBCCC15}" dt="2024-07-03T05:30:37.730" v="1784" actId="20577"/>
-        <pc:sldMkLst>
-          <pc:docMk/>
-          <pc:sldMk cId="758834300" sldId="1405"/>
-        </pc:sldMkLst>
-        <pc:spChg chg="mod">
-          <ac:chgData name="寛也 佐藤" userId="27837c8b-abaf-4096-b544-58e4cbe7054e" providerId="ADAL" clId="{523AE8A0-BEBA-4954-967C-583F4CBCCC15}" dt="2024-07-03T05:27:05.506" v="1288" actId="20577"/>
-          <ac:spMkLst>
-            <pc:docMk/>
-            <pc:sldMk cId="758834300" sldId="1405"/>
-            <ac:spMk id="2" creationId="{0DD8CF49-64AC-1FCC-3F64-297A9BEC1995}"/>
-          </ac:spMkLst>
-        </pc:spChg>
-        <pc:spChg chg="mod">
-          <ac:chgData name="寛也 佐藤" userId="27837c8b-abaf-4096-b544-58e4cbe7054e" providerId="ADAL" clId="{523AE8A0-BEBA-4954-967C-583F4CBCCC15}" dt="2024-07-03T05:29:04.310" v="1734" actId="20577"/>
-          <ac:spMkLst>
-            <pc:docMk/>
-            <pc:sldMk cId="758834300" sldId="1405"/>
-            <ac:spMk id="3" creationId="{16FF0A75-AD20-769F-6C62-614A33EDE4D0}"/>
-          </ac:spMkLst>
-        </pc:spChg>
-        <pc:spChg chg="add mod">
-          <ac:chgData name="寛也 佐藤" userId="27837c8b-abaf-4096-b544-58e4cbe7054e" providerId="ADAL" clId="{523AE8A0-BEBA-4954-967C-583F4CBCCC15}" dt="2024-07-03T05:29:18.815" v="1742" actId="1036"/>
-          <ac:spMkLst>
-            <pc:docMk/>
-            <pc:sldMk cId="758834300" sldId="1405"/>
-            <ac:spMk id="8" creationId="{7C37D0BF-DBDF-7E51-D514-486A9A83F486}"/>
-          </ac:spMkLst>
-        </pc:spChg>
-        <pc:spChg chg="del">
-          <ac:chgData name="寛也 佐藤" userId="27837c8b-abaf-4096-b544-58e4cbe7054e" providerId="ADAL" clId="{523AE8A0-BEBA-4954-967C-583F4CBCCC15}" dt="2024-07-03T05:27:11.468" v="1289" actId="478"/>
-          <ac:spMkLst>
-            <pc:docMk/>
-            <pc:sldMk cId="758834300" sldId="1405"/>
-            <ac:spMk id="15" creationId="{F60FB33E-0DE8-F08E-424D-FDE571D89E52}"/>
-          </ac:spMkLst>
-        </pc:spChg>
-        <pc:spChg chg="del">
-          <ac:chgData name="寛也 佐藤" userId="27837c8b-abaf-4096-b544-58e4cbe7054e" providerId="ADAL" clId="{523AE8A0-BEBA-4954-967C-583F4CBCCC15}" dt="2024-07-03T05:27:11.468" v="1289" actId="478"/>
-          <ac:spMkLst>
-            <pc:docMk/>
-            <pc:sldMk cId="758834300" sldId="1405"/>
-            <ac:spMk id="16" creationId="{957C693F-1A8B-7613-6B41-DD2BB5AB6CFA}"/>
-          </ac:spMkLst>
-        </pc:spChg>
-        <pc:spChg chg="del">
-          <ac:chgData name="寛也 佐藤" userId="27837c8b-abaf-4096-b544-58e4cbe7054e" providerId="ADAL" clId="{523AE8A0-BEBA-4954-967C-583F4CBCCC15}" dt="2024-07-03T05:27:11.468" v="1289" actId="478"/>
-          <ac:spMkLst>
-            <pc:docMk/>
-            <pc:sldMk cId="758834300" sldId="1405"/>
-            <ac:spMk id="17" creationId="{055BE4E0-456B-D1C4-F4CC-CF7A4F38E952}"/>
-          </ac:spMkLst>
-        </pc:spChg>
-        <pc:spChg chg="del">
-          <ac:chgData name="寛也 佐藤" userId="27837c8b-abaf-4096-b544-58e4cbe7054e" providerId="ADAL" clId="{523AE8A0-BEBA-4954-967C-583F4CBCCC15}" dt="2024-07-03T05:27:11.468" v="1289" actId="478"/>
-          <ac:spMkLst>
-            <pc:docMk/>
-            <pc:sldMk cId="758834300" sldId="1405"/>
-            <ac:spMk id="18" creationId="{D255D19C-9C71-40BF-7CB1-2DF5CA96D0F5}"/>
-          </ac:spMkLst>
-        </pc:spChg>
-        <pc:spChg chg="del">
-          <ac:chgData name="寛也 佐藤" userId="27837c8b-abaf-4096-b544-58e4cbe7054e" providerId="ADAL" clId="{523AE8A0-BEBA-4954-967C-583F4CBCCC15}" dt="2024-07-03T05:27:11.468" v="1289" actId="478"/>
-          <ac:spMkLst>
-            <pc:docMk/>
-            <pc:sldMk cId="758834300" sldId="1405"/>
-            <ac:spMk id="19" creationId="{62E7A2C1-5195-705C-D068-FE12F47FC9DA}"/>
-          </ac:spMkLst>
-        </pc:spChg>
-        <pc:spChg chg="add mod">
-          <ac:chgData name="寛也 佐藤" userId="27837c8b-abaf-4096-b544-58e4cbe7054e" providerId="ADAL" clId="{523AE8A0-BEBA-4954-967C-583F4CBCCC15}" dt="2024-07-03T05:29:56.864" v="1752" actId="2711"/>
-          <ac:spMkLst>
-            <pc:docMk/>
-            <pc:sldMk cId="758834300" sldId="1405"/>
-            <ac:spMk id="26" creationId="{8576E1E4-D66B-2569-1668-1C60068DC392}"/>
-          </ac:spMkLst>
-        </pc:spChg>
-        <pc:spChg chg="mod">
-          <ac:chgData name="寛也 佐藤" userId="27837c8b-abaf-4096-b544-58e4cbe7054e" providerId="ADAL" clId="{523AE8A0-BEBA-4954-967C-583F4CBCCC15}" dt="2024-07-03T05:29:13.363" v="1735"/>
-          <ac:spMkLst>
-            <pc:docMk/>
-            <pc:sldMk cId="758834300" sldId="1405"/>
-            <ac:spMk id="29" creationId="{B45634F7-9BE4-4381-7473-8B2E34248632}"/>
-          </ac:spMkLst>
-        </pc:spChg>
-        <pc:spChg chg="mod">
-          <ac:chgData name="寛也 佐藤" userId="27837c8b-abaf-4096-b544-58e4cbe7054e" providerId="ADAL" clId="{523AE8A0-BEBA-4954-967C-583F4CBCCC15}" dt="2024-07-03T05:29:13.363" v="1735"/>
-          <ac:spMkLst>
-            <pc:docMk/>
-            <pc:sldMk cId="758834300" sldId="1405"/>
-            <ac:spMk id="30" creationId="{0658D4FD-67F9-BF08-389B-6442C2122FDC}"/>
-          </ac:spMkLst>
-        </pc:spChg>
-        <pc:spChg chg="mod">
-          <ac:chgData name="寛也 佐藤" userId="27837c8b-abaf-4096-b544-58e4cbe7054e" providerId="ADAL" clId="{523AE8A0-BEBA-4954-967C-583F4CBCCC15}" dt="2024-07-03T05:29:13.363" v="1735"/>
-          <ac:spMkLst>
-            <pc:docMk/>
-            <pc:sldMk cId="758834300" sldId="1405"/>
-            <ac:spMk id="31" creationId="{BDEB64AD-9109-1285-BDFF-934BA198E6BF}"/>
-          </ac:spMkLst>
-        </pc:spChg>
-        <pc:spChg chg="mod">
-          <ac:chgData name="寛也 佐藤" userId="27837c8b-abaf-4096-b544-58e4cbe7054e" providerId="ADAL" clId="{523AE8A0-BEBA-4954-967C-583F4CBCCC15}" dt="2024-07-03T05:29:13.363" v="1735"/>
-          <ac:spMkLst>
-            <pc:docMk/>
-            <pc:sldMk cId="758834300" sldId="1405"/>
-            <ac:spMk id="33" creationId="{04992D5B-C3DB-1569-4B12-EB7AD406851B}"/>
-          </ac:spMkLst>
-        </pc:spChg>
-        <pc:spChg chg="mod">
-          <ac:chgData name="寛也 佐藤" userId="27837c8b-abaf-4096-b544-58e4cbe7054e" providerId="ADAL" clId="{523AE8A0-BEBA-4954-967C-583F4CBCCC15}" dt="2024-07-03T05:29:13.363" v="1735"/>
-          <ac:spMkLst>
-            <pc:docMk/>
-            <pc:sldMk cId="758834300" sldId="1405"/>
-            <ac:spMk id="34" creationId="{430FA6D4-612F-16D2-662B-817384AF64A7}"/>
-          </ac:spMkLst>
-        </pc:spChg>
-        <pc:spChg chg="mod">
-          <ac:chgData name="寛也 佐藤" userId="27837c8b-abaf-4096-b544-58e4cbe7054e" providerId="ADAL" clId="{523AE8A0-BEBA-4954-967C-583F4CBCCC15}" dt="2024-07-03T05:29:13.363" v="1735"/>
-          <ac:spMkLst>
-            <pc:docMk/>
-            <pc:sldMk cId="758834300" sldId="1405"/>
-            <ac:spMk id="35" creationId="{98FBB3A4-65C6-5532-E66C-462B6A9C43A4}"/>
-          </ac:spMkLst>
-        </pc:spChg>
-        <pc:spChg chg="mod">
-          <ac:chgData name="寛也 佐藤" userId="27837c8b-abaf-4096-b544-58e4cbe7054e" providerId="ADAL" clId="{523AE8A0-BEBA-4954-967C-583F4CBCCC15}" dt="2024-07-03T05:29:13.363" v="1735"/>
-          <ac:spMkLst>
-            <pc:docMk/>
-            <pc:sldMk cId="758834300" sldId="1405"/>
-            <ac:spMk id="36" creationId="{2EC421D7-0DEF-E420-03CE-976FE638DA46}"/>
-          </ac:spMkLst>
-        </pc:spChg>
-        <pc:spChg chg="mod">
-          <ac:chgData name="寛也 佐藤" userId="27837c8b-abaf-4096-b544-58e4cbe7054e" providerId="ADAL" clId="{523AE8A0-BEBA-4954-967C-583F4CBCCC15}" dt="2024-07-03T05:29:13.363" v="1735"/>
-          <ac:spMkLst>
-            <pc:docMk/>
-            <pc:sldMk cId="758834300" sldId="1405"/>
-            <ac:spMk id="37" creationId="{83BECC9A-2C68-BFA1-2728-F4A262558EBC}"/>
-          </ac:spMkLst>
-        </pc:spChg>
-        <pc:spChg chg="mod">
-          <ac:chgData name="寛也 佐藤" userId="27837c8b-abaf-4096-b544-58e4cbe7054e" providerId="ADAL" clId="{523AE8A0-BEBA-4954-967C-583F4CBCCC15}" dt="2024-07-03T05:29:13.363" v="1735"/>
-          <ac:spMkLst>
-            <pc:docMk/>
-            <pc:sldMk cId="758834300" sldId="1405"/>
-            <ac:spMk id="38" creationId="{C5E9F006-4619-BE06-2286-D807421E6733}"/>
-          </ac:spMkLst>
-        </pc:spChg>
-        <pc:spChg chg="mod">
-          <ac:chgData name="寛也 佐藤" userId="27837c8b-abaf-4096-b544-58e4cbe7054e" providerId="ADAL" clId="{523AE8A0-BEBA-4954-967C-583F4CBCCC15}" dt="2024-07-03T05:29:13.363" v="1735"/>
-          <ac:spMkLst>
-            <pc:docMk/>
-            <pc:sldMk cId="758834300" sldId="1405"/>
-            <ac:spMk id="39" creationId="{A5F21928-DB16-DC56-BBFB-978F3BCD72C1}"/>
-          </ac:spMkLst>
-        </pc:spChg>
-        <pc:spChg chg="add mod">
-          <ac:chgData name="寛也 佐藤" userId="27837c8b-abaf-4096-b544-58e4cbe7054e" providerId="ADAL" clId="{523AE8A0-BEBA-4954-967C-583F4CBCCC15}" dt="2024-07-03T05:29:18.815" v="1742" actId="1036"/>
-          <ac:spMkLst>
-            <pc:docMk/>
-            <pc:sldMk cId="758834300" sldId="1405"/>
-            <ac:spMk id="40" creationId="{0B7B18D7-5D96-C299-A4CD-5A2B9880D666}"/>
-          </ac:spMkLst>
-        </pc:spChg>
-        <pc:spChg chg="add mod">
-          <ac:chgData name="寛也 佐藤" userId="27837c8b-abaf-4096-b544-58e4cbe7054e" providerId="ADAL" clId="{523AE8A0-BEBA-4954-967C-583F4CBCCC15}" dt="2024-07-03T05:29:56.864" v="1752" actId="2711"/>
-          <ac:spMkLst>
-            <pc:docMk/>
-            <pc:sldMk cId="758834300" sldId="1405"/>
-            <ac:spMk id="41" creationId="{B466E848-411E-64F3-747C-50555DD1BB6A}"/>
-          </ac:spMkLst>
-        </pc:spChg>
-        <pc:spChg chg="add mod">
-          <ac:chgData name="寛也 佐藤" userId="27837c8b-abaf-4096-b544-58e4cbe7054e" providerId="ADAL" clId="{523AE8A0-BEBA-4954-967C-583F4CBCCC15}" dt="2024-07-03T05:29:56.864" v="1752" actId="2711"/>
-          <ac:spMkLst>
-            <pc:docMk/>
-            <pc:sldMk cId="758834300" sldId="1405"/>
-            <ac:spMk id="42" creationId="{2301487B-EB03-CD61-F9A0-EC8546DAE7FF}"/>
-          </ac:spMkLst>
-        </pc:spChg>
-        <pc:spChg chg="add mod">
-          <ac:chgData name="寛也 佐藤" userId="27837c8b-abaf-4096-b544-58e4cbe7054e" providerId="ADAL" clId="{523AE8A0-BEBA-4954-967C-583F4CBCCC15}" dt="2024-07-03T05:29:18.815" v="1742" actId="1036"/>
-          <ac:spMkLst>
-            <pc:docMk/>
-            <pc:sldMk cId="758834300" sldId="1405"/>
-            <ac:spMk id="43" creationId="{CE94CBBA-D246-33FE-6171-64A15B18B460}"/>
-          </ac:spMkLst>
-        </pc:spChg>
-        <pc:spChg chg="add mod">
-          <ac:chgData name="寛也 佐藤" userId="27837c8b-abaf-4096-b544-58e4cbe7054e" providerId="ADAL" clId="{523AE8A0-BEBA-4954-967C-583F4CBCCC15}" dt="2024-07-03T05:30:37.730" v="1784" actId="20577"/>
-          <ac:spMkLst>
-            <pc:docMk/>
-            <pc:sldMk cId="758834300" sldId="1405"/>
-            <ac:spMk id="44" creationId="{0F33BB0A-956A-C3C9-4D1B-5FD1BEDE11C1}"/>
-          </ac:spMkLst>
-        </pc:spChg>
-        <pc:grpChg chg="add mod">
-          <ac:chgData name="寛也 佐藤" userId="27837c8b-abaf-4096-b544-58e4cbe7054e" providerId="ADAL" clId="{523AE8A0-BEBA-4954-967C-583F4CBCCC15}" dt="2024-07-03T05:29:18.815" v="1742" actId="1036"/>
-          <ac:grpSpMkLst>
-            <pc:docMk/>
-            <pc:sldMk cId="758834300" sldId="1405"/>
-            <ac:grpSpMk id="28" creationId="{0212B737-9641-7118-7A38-3F84BBBA6D3B}"/>
-          </ac:grpSpMkLst>
-        </pc:grpChg>
-        <pc:grpChg chg="add mod">
-          <ac:chgData name="寛也 佐藤" userId="27837c8b-abaf-4096-b544-58e4cbe7054e" providerId="ADAL" clId="{523AE8A0-BEBA-4954-967C-583F4CBCCC15}" dt="2024-07-03T05:29:18.815" v="1742" actId="1036"/>
-          <ac:grpSpMkLst>
-            <pc:docMk/>
-            <pc:sldMk cId="758834300" sldId="1405"/>
-            <ac:grpSpMk id="32" creationId="{2D392FD0-E87C-E5B1-813B-39A9378D706D}"/>
-          </ac:grpSpMkLst>
-        </pc:grpChg>
-        <pc:picChg chg="del">
-          <ac:chgData name="寛也 佐藤" userId="27837c8b-abaf-4096-b544-58e4cbe7054e" providerId="ADAL" clId="{523AE8A0-BEBA-4954-967C-583F4CBCCC15}" dt="2024-07-03T05:27:12.476" v="1290" actId="478"/>
-          <ac:picMkLst>
-            <pc:docMk/>
-            <pc:sldMk cId="758834300" sldId="1405"/>
-            <ac:picMk id="7" creationId="{FCCA76BC-781C-9082-9589-F25FF81BCE77}"/>
-          </ac:picMkLst>
-        </pc:picChg>
-        <pc:picChg chg="del">
-          <ac:chgData name="寛也 佐藤" userId="27837c8b-abaf-4096-b544-58e4cbe7054e" providerId="ADAL" clId="{523AE8A0-BEBA-4954-967C-583F4CBCCC15}" dt="2024-07-03T05:27:11.468" v="1289" actId="478"/>
-          <ac:picMkLst>
-            <pc:docMk/>
-            <pc:sldMk cId="758834300" sldId="1405"/>
-            <ac:picMk id="13" creationId="{3D1462BC-D6BB-9788-C6E2-8B67CAABA4E8}"/>
-          </ac:picMkLst>
-        </pc:picChg>
-        <pc:cxnChg chg="add mod">
-          <ac:chgData name="寛也 佐藤" userId="27837c8b-abaf-4096-b544-58e4cbe7054e" providerId="ADAL" clId="{523AE8A0-BEBA-4954-967C-583F4CBCCC15}" dt="2024-07-03T05:29:23.462" v="1743" actId="14100"/>
-          <ac:cxnSpMkLst>
-            <pc:docMk/>
-            <pc:sldMk cId="758834300" sldId="1405"/>
-            <ac:cxnSpMk id="9" creationId="{B66C9A9C-B7E3-D83B-B392-5DF657312F37}"/>
-          </ac:cxnSpMkLst>
-        </pc:cxnChg>
-        <pc:cxnChg chg="add mod">
-          <ac:chgData name="寛也 佐藤" userId="27837c8b-abaf-4096-b544-58e4cbe7054e" providerId="ADAL" clId="{523AE8A0-BEBA-4954-967C-583F4CBCCC15}" dt="2024-07-03T05:29:27.279" v="1744" actId="14100"/>
-          <ac:cxnSpMkLst>
-            <pc:docMk/>
-            <pc:sldMk cId="758834300" sldId="1405"/>
-            <ac:cxnSpMk id="10" creationId="{D8BFBE8B-FD40-BE67-E242-7A62EDF7CB0B}"/>
-          </ac:cxnSpMkLst>
-        </pc:cxnChg>
-        <pc:cxnChg chg="add mod">
-          <ac:chgData name="寛也 佐藤" userId="27837c8b-abaf-4096-b544-58e4cbe7054e" providerId="ADAL" clId="{523AE8A0-BEBA-4954-967C-583F4CBCCC15}" dt="2024-07-03T05:29:29.263" v="1745" actId="14100"/>
-          <ac:cxnSpMkLst>
-            <pc:docMk/>
-            <pc:sldMk cId="758834300" sldId="1405"/>
-            <ac:cxnSpMk id="11" creationId="{32090A62-E6E4-D553-D1ED-6ADC485C3881}"/>
-          </ac:cxnSpMkLst>
-        </pc:cxnChg>
-        <pc:cxnChg chg="add mod">
-          <ac:chgData name="寛也 佐藤" userId="27837c8b-abaf-4096-b544-58e4cbe7054e" providerId="ADAL" clId="{523AE8A0-BEBA-4954-967C-583F4CBCCC15}" dt="2024-07-03T05:29:31.423" v="1746" actId="14100"/>
-          <ac:cxnSpMkLst>
-            <pc:docMk/>
-            <pc:sldMk cId="758834300" sldId="1405"/>
-            <ac:cxnSpMk id="12" creationId="{346C4319-5B3C-A531-B92B-E1FAB4E86CD5}"/>
-          </ac:cxnSpMkLst>
-        </pc:cxnChg>
-        <pc:cxnChg chg="add mod">
-          <ac:chgData name="寛也 佐藤" userId="27837c8b-abaf-4096-b544-58e4cbe7054e" providerId="ADAL" clId="{523AE8A0-BEBA-4954-967C-583F4CBCCC15}" dt="2024-07-03T05:29:37.701" v="1747" actId="14100"/>
-          <ac:cxnSpMkLst>
-            <pc:docMk/>
-            <pc:sldMk cId="758834300" sldId="1405"/>
-            <ac:cxnSpMk id="14" creationId="{BAA1CE21-CC36-B73C-FFE7-76A45D216971}"/>
-          </ac:cxnSpMkLst>
-        </pc:cxnChg>
-        <pc:cxnChg chg="add mod">
-          <ac:chgData name="寛也 佐藤" userId="27837c8b-abaf-4096-b544-58e4cbe7054e" providerId="ADAL" clId="{523AE8A0-BEBA-4954-967C-583F4CBCCC15}" dt="2024-07-03T05:29:41.995" v="1748" actId="14100"/>
-          <ac:cxnSpMkLst>
-            <pc:docMk/>
-            <pc:sldMk cId="758834300" sldId="1405"/>
-            <ac:cxnSpMk id="20" creationId="{D45F3862-7681-3344-54AA-82450522FD91}"/>
-          </ac:cxnSpMkLst>
-        </pc:cxnChg>
-        <pc:cxnChg chg="add mod">
-          <ac:chgData name="寛也 佐藤" userId="27837c8b-abaf-4096-b544-58e4cbe7054e" providerId="ADAL" clId="{523AE8A0-BEBA-4954-967C-583F4CBCCC15}" dt="2024-07-03T05:29:44.442" v="1749" actId="14100"/>
-          <ac:cxnSpMkLst>
-            <pc:docMk/>
-            <pc:sldMk cId="758834300" sldId="1405"/>
-            <ac:cxnSpMk id="21" creationId="{366EB0BA-0907-C7A6-E4DD-3C076DFD879D}"/>
-          </ac:cxnSpMkLst>
-        </pc:cxnChg>
-        <pc:cxnChg chg="add mod">
-          <ac:chgData name="寛也 佐藤" userId="27837c8b-abaf-4096-b544-58e4cbe7054e" providerId="ADAL" clId="{523AE8A0-BEBA-4954-967C-583F4CBCCC15}" dt="2024-07-03T05:29:47.378" v="1750" actId="14100"/>
-          <ac:cxnSpMkLst>
-            <pc:docMk/>
-            <pc:sldMk cId="758834300" sldId="1405"/>
-            <ac:cxnSpMk id="22" creationId="{CB4842E0-A0E5-F070-EDAA-A2911CB23A1A}"/>
-          </ac:cxnSpMkLst>
-        </pc:cxnChg>
-        <pc:cxnChg chg="add mod">
-          <ac:chgData name="寛也 佐藤" userId="27837c8b-abaf-4096-b544-58e4cbe7054e" providerId="ADAL" clId="{523AE8A0-BEBA-4954-967C-583F4CBCCC15}" dt="2024-07-03T05:29:50.374" v="1751" actId="14100"/>
-          <ac:cxnSpMkLst>
-            <pc:docMk/>
-            <pc:sldMk cId="758834300" sldId="1405"/>
-            <ac:cxnSpMk id="23" creationId="{77F75A3C-83CC-A0F1-DE07-24AFEFCABB21}"/>
-          </ac:cxnSpMkLst>
-        </pc:cxnChg>
-        <pc:cxnChg chg="add mod">
-          <ac:chgData name="寛也 佐藤" userId="27837c8b-abaf-4096-b544-58e4cbe7054e" providerId="ADAL" clId="{523AE8A0-BEBA-4954-967C-583F4CBCCC15}" dt="2024-07-03T05:29:18.815" v="1742" actId="1036"/>
-          <ac:cxnSpMkLst>
-            <pc:docMk/>
-            <pc:sldMk cId="758834300" sldId="1405"/>
-            <ac:cxnSpMk id="24" creationId="{3C7C0620-15A9-2FCE-F356-99C24BC74246}"/>
-          </ac:cxnSpMkLst>
-        </pc:cxnChg>
-        <pc:cxnChg chg="add mod">
-          <ac:chgData name="寛也 佐藤" userId="27837c8b-abaf-4096-b544-58e4cbe7054e" providerId="ADAL" clId="{523AE8A0-BEBA-4954-967C-583F4CBCCC15}" dt="2024-07-03T05:29:18.815" v="1742" actId="1036"/>
-          <ac:cxnSpMkLst>
-            <pc:docMk/>
-            <pc:sldMk cId="758834300" sldId="1405"/>
-            <ac:cxnSpMk id="25" creationId="{87DF1354-3C2F-F093-D272-043E570F7618}"/>
-          </ac:cxnSpMkLst>
-        </pc:cxnChg>
-        <pc:cxnChg chg="add mod">
-          <ac:chgData name="寛也 佐藤" userId="27837c8b-abaf-4096-b544-58e4cbe7054e" providerId="ADAL" clId="{523AE8A0-BEBA-4954-967C-583F4CBCCC15}" dt="2024-07-03T05:29:18.815" v="1742" actId="1036"/>
-          <ac:cxnSpMkLst>
-            <pc:docMk/>
-            <pc:sldMk cId="758834300" sldId="1405"/>
-            <ac:cxnSpMk id="27" creationId="{F652672C-A9E8-DD4E-5671-2081C6F662AD}"/>
-          </ac:cxnSpMkLst>
-        </pc:cxnChg>
-      </pc:sldChg>
-      <pc:sldChg chg="addSp delSp modSp add mod">
-        <pc:chgData name="寛也 佐藤" userId="27837c8b-abaf-4096-b544-58e4cbe7054e" providerId="ADAL" clId="{523AE8A0-BEBA-4954-967C-583F4CBCCC15}" dt="2024-07-03T05:35:26.408" v="2243" actId="20577"/>
-        <pc:sldMkLst>
-          <pc:docMk/>
-          <pc:sldMk cId="2073918738" sldId="1406"/>
-        </pc:sldMkLst>
-        <pc:spChg chg="add del mod">
-          <ac:chgData name="寛也 佐藤" userId="27837c8b-abaf-4096-b544-58e4cbe7054e" providerId="ADAL" clId="{523AE8A0-BEBA-4954-967C-583F4CBCCC15}" dt="2024-07-03T05:33:49.641" v="2008" actId="478"/>
-          <ac:spMkLst>
-            <pc:docMk/>
-            <pc:sldMk cId="2073918738" sldId="1406"/>
-            <ac:spMk id="7" creationId="{D5A476B4-7991-3ABB-1FC0-FE106D585551}"/>
-          </ac:spMkLst>
-        </pc:spChg>
-        <pc:spChg chg="add mod">
-          <ac:chgData name="寛也 佐藤" userId="27837c8b-abaf-4096-b544-58e4cbe7054e" providerId="ADAL" clId="{523AE8A0-BEBA-4954-967C-583F4CBCCC15}" dt="2024-07-03T05:35:26.408" v="2243" actId="20577"/>
-          <ac:spMkLst>
-            <pc:docMk/>
-            <pc:sldMk cId="2073918738" sldId="1406"/>
-            <ac:spMk id="9" creationId="{13951995-A522-5347-3B72-017BC0E2B25F}"/>
-          </ac:spMkLst>
-        </pc:spChg>
-        <pc:spChg chg="del">
-          <ac:chgData name="寛也 佐藤" userId="27837c8b-abaf-4096-b544-58e4cbe7054e" providerId="ADAL" clId="{523AE8A0-BEBA-4954-967C-583F4CBCCC15}" dt="2024-07-03T05:33:45.291" v="2006" actId="478"/>
-          <ac:spMkLst>
-            <pc:docMk/>
-            <pc:sldMk cId="2073918738" sldId="1406"/>
-            <ac:spMk id="19" creationId="{9FF71543-B4E2-E31E-68C1-34CB7408ECFB}"/>
-          </ac:spMkLst>
-        </pc:spChg>
-        <pc:cxnChg chg="add mod">
-          <ac:chgData name="寛也 佐藤" userId="27837c8b-abaf-4096-b544-58e4cbe7054e" providerId="ADAL" clId="{523AE8A0-BEBA-4954-967C-583F4CBCCC15}" dt="2024-07-03T05:33:47.227" v="2007"/>
-          <ac:cxnSpMkLst>
-            <pc:docMk/>
-            <pc:sldMk cId="2073918738" sldId="1406"/>
-            <ac:cxnSpMk id="8" creationId="{4329F132-D04B-0ADC-FBBF-13A29C2DDCA1}"/>
-          </ac:cxnSpMkLst>
-        </pc:cxnChg>
-      </pc:sldChg>
-      <pc:sldChg chg="addSp modSp add mod">
-        <pc:chgData name="寛也 佐藤" userId="27837c8b-abaf-4096-b544-58e4cbe7054e" providerId="ADAL" clId="{523AE8A0-BEBA-4954-967C-583F4CBCCC15}" dt="2024-07-03T05:42:43.545" v="2512" actId="20577"/>
-        <pc:sldMkLst>
-          <pc:docMk/>
-          <pc:sldMk cId="1383757248" sldId="1407"/>
-        </pc:sldMkLst>
-        <pc:spChg chg="mod">
-          <ac:chgData name="寛也 佐藤" userId="27837c8b-abaf-4096-b544-58e4cbe7054e" providerId="ADAL" clId="{523AE8A0-BEBA-4954-967C-583F4CBCCC15}" dt="2024-07-03T05:35:53.463" v="2255" actId="20577"/>
-          <ac:spMkLst>
-            <pc:docMk/>
-            <pc:sldMk cId="1383757248" sldId="1407"/>
-            <ac:spMk id="2" creationId="{0DD8CF49-64AC-1FCC-3F64-297A9BEC1995}"/>
-          </ac:spMkLst>
-        </pc:spChg>
-        <pc:spChg chg="mod">
-          <ac:chgData name="寛也 佐藤" userId="27837c8b-abaf-4096-b544-58e4cbe7054e" providerId="ADAL" clId="{523AE8A0-BEBA-4954-967C-583F4CBCCC15}" dt="2024-07-03T05:42:10.995" v="2419" actId="6549"/>
-          <ac:spMkLst>
-            <pc:docMk/>
-            <pc:sldMk cId="1383757248" sldId="1407"/>
-            <ac:spMk id="3" creationId="{16FF0A75-AD20-769F-6C62-614A33EDE4D0}"/>
-          </ac:spMkLst>
-        </pc:spChg>
-        <pc:spChg chg="add mod">
-          <ac:chgData name="寛也 佐藤" userId="27837c8b-abaf-4096-b544-58e4cbe7054e" providerId="ADAL" clId="{523AE8A0-BEBA-4954-967C-583F4CBCCC15}" dt="2024-07-03T05:42:43.545" v="2512" actId="20577"/>
-          <ac:spMkLst>
-            <pc:docMk/>
-            <pc:sldMk cId="1383757248" sldId="1407"/>
-            <ac:spMk id="7" creationId="{59A3CA38-1CB9-C203-4DE6-C0F2457FB518}"/>
-          </ac:spMkLst>
-        </pc:spChg>
-      </pc:sldChg>
-      <pc:sldChg chg="add del">
-        <pc:chgData name="寛也 佐藤" userId="27837c8b-abaf-4096-b544-58e4cbe7054e" providerId="ADAL" clId="{523AE8A0-BEBA-4954-967C-583F4CBCCC15}" dt="2024-07-03T05:35:36.482" v="2245"/>
-        <pc:sldMkLst>
-          <pc:docMk/>
-          <pc:sldMk cId="1857144953" sldId="1407"/>
-        </pc:sldMkLst>
-      </pc:sldChg>
-      <pc:sldChg chg="new">
-        <pc:chgData name="寛也 佐藤" userId="27837c8b-abaf-4096-b544-58e4cbe7054e" providerId="ADAL" clId="{523AE8A0-BEBA-4954-967C-583F4CBCCC15}" dt="2024-07-03T05:35:47.253" v="2247" actId="680"/>
-        <pc:sldMkLst>
-          <pc:docMk/>
-          <pc:sldMk cId="833335108" sldId="1408"/>
-        </pc:sldMkLst>
-      </pc:sldChg>
-      <pc:sldMasterChg chg="modSp mod">
-        <pc:chgData name="寛也 佐藤" userId="27837c8b-abaf-4096-b544-58e4cbe7054e" providerId="ADAL" clId="{523AE8A0-BEBA-4954-967C-583F4CBCCC15}" dt="2024-07-03T05:16:02.211" v="3" actId="14100"/>
-        <pc:sldMasterMkLst>
-          <pc:docMk/>
-          <pc:sldMasterMk cId="2539943305" sldId="2147483648"/>
-        </pc:sldMasterMkLst>
-        <pc:spChg chg="mod">
-          <ac:chgData name="寛也 佐藤" userId="27837c8b-abaf-4096-b544-58e4cbe7054e" providerId="ADAL" clId="{523AE8A0-BEBA-4954-967C-583F4CBCCC15}" dt="2024-07-03T05:16:02.211" v="3" actId="14100"/>
-          <ac:spMkLst>
-            <pc:docMk/>
-            <pc:sldMasterMk cId="2539943305" sldId="2147483648"/>
-            <ac:spMk id="5" creationId="{E910322E-B731-CD41-C4B3-E35EB9B58A48}"/>
-          </ac:spMkLst>
-        </pc:spChg>
-      </pc:sldMasterChg>
-    </pc:docChg>
-  </pc:docChgLst>
-  <pc:docChgLst>
-    <pc:chgData name="佐藤　寛也" userId="27837c8b-abaf-4096-b544-58e4cbe7054e" providerId="ADAL" clId="{D782517A-6EEC-4BE8-9276-5095CD46E241}"/>
-    <pc:docChg chg="undo redo custSel addSld delSld modSld sldOrd modMainMaster">
-      <pc:chgData name="佐藤　寛也" userId="27837c8b-abaf-4096-b544-58e4cbe7054e" providerId="ADAL" clId="{D782517A-6EEC-4BE8-9276-5095CD46E241}" dt="2024-09-06T02:53:11.466" v="6802" actId="20577"/>
-      <pc:docMkLst>
-        <pc:docMk/>
-      </pc:docMkLst>
-      <pc:sldChg chg="addSp delSp modSp mod">
-        <pc:chgData name="佐藤　寛也" userId="27837c8b-abaf-4096-b544-58e4cbe7054e" providerId="ADAL" clId="{D782517A-6EEC-4BE8-9276-5095CD46E241}" dt="2024-09-06T02:53:11.466" v="6802" actId="20577"/>
-        <pc:sldMkLst>
-          <pc:docMk/>
-          <pc:sldMk cId="2292264982" sldId="256"/>
-        </pc:sldMkLst>
-        <pc:spChg chg="mod">
-          <ac:chgData name="佐藤　寛也" userId="27837c8b-abaf-4096-b544-58e4cbe7054e" providerId="ADAL" clId="{D782517A-6EEC-4BE8-9276-5095CD46E241}" dt="2024-09-04T09:04:57.858" v="1"/>
-          <ac:spMkLst>
-            <pc:docMk/>
-            <pc:sldMk cId="2292264982" sldId="256"/>
-            <ac:spMk id="2" creationId="{D049B836-353B-0EDB-5101-3437F71F2E4D}"/>
-          </ac:spMkLst>
-        </pc:spChg>
-        <pc:spChg chg="mod">
-          <ac:chgData name="佐藤　寛也" userId="27837c8b-abaf-4096-b544-58e4cbe7054e" providerId="ADAL" clId="{D782517A-6EEC-4BE8-9276-5095CD46E241}" dt="2024-09-06T02:53:07.323" v="6800" actId="20577"/>
-          <ac:spMkLst>
-            <pc:docMk/>
-            <pc:sldMk cId="2292264982" sldId="256"/>
-            <ac:spMk id="3" creationId="{92A3CDA6-C2CF-9E57-ABBE-E6FF1371E360}"/>
-          </ac:spMkLst>
-        </pc:spChg>
-        <pc:spChg chg="del">
-          <ac:chgData name="佐藤　寛也" userId="27837c8b-abaf-4096-b544-58e4cbe7054e" providerId="ADAL" clId="{D782517A-6EEC-4BE8-9276-5095CD46E241}" dt="2024-09-06T02:30:18.698" v="6587" actId="478"/>
-          <ac:spMkLst>
-            <pc:docMk/>
-            <pc:sldMk cId="2292264982" sldId="256"/>
-            <ac:spMk id="4" creationId="{F344C087-39E4-19E5-0D5A-A78621922253}"/>
-          </ac:spMkLst>
-        </pc:spChg>
-        <pc:spChg chg="del">
-          <ac:chgData name="佐藤　寛也" userId="27837c8b-abaf-4096-b544-58e4cbe7054e" providerId="ADAL" clId="{D782517A-6EEC-4BE8-9276-5095CD46E241}" dt="2024-09-06T02:30:18.698" v="6587" actId="478"/>
-          <ac:spMkLst>
-            <pc:docMk/>
-            <pc:sldMk cId="2292264982" sldId="256"/>
-            <ac:spMk id="5" creationId="{0BE9E360-99DE-27F6-A722-921D7800BB8D}"/>
-          </ac:spMkLst>
-        </pc:spChg>
-        <pc:spChg chg="del">
-          <ac:chgData name="佐藤　寛也" userId="27837c8b-abaf-4096-b544-58e4cbe7054e" providerId="ADAL" clId="{D782517A-6EEC-4BE8-9276-5095CD46E241}" dt="2024-09-06T02:30:18.698" v="6587" actId="478"/>
-          <ac:spMkLst>
-            <pc:docMk/>
-            <pc:sldMk cId="2292264982" sldId="256"/>
-            <ac:spMk id="7" creationId="{6DA5E00E-A1F5-8736-5AE8-B2E6B116E45E}"/>
-          </ac:spMkLst>
-        </pc:spChg>
-        <pc:spChg chg="add mod">
-          <ac:chgData name="佐藤　寛也" userId="27837c8b-abaf-4096-b544-58e4cbe7054e" providerId="ADAL" clId="{D782517A-6EEC-4BE8-9276-5095CD46E241}" dt="2024-09-06T02:53:11.466" v="6802" actId="20577"/>
-          <ac:spMkLst>
-            <pc:docMk/>
-            <pc:sldMk cId="2292264982" sldId="256"/>
-            <ac:spMk id="8" creationId="{D6B2672A-3F5D-6951-CD83-F9735C620BA0}"/>
-          </ac:spMkLst>
-        </pc:spChg>
-        <pc:spChg chg="add mod">
-          <ac:chgData name="佐藤　寛也" userId="27837c8b-abaf-4096-b544-58e4cbe7054e" providerId="ADAL" clId="{D782517A-6EEC-4BE8-9276-5095CD46E241}" dt="2024-09-06T02:30:19.030" v="6588"/>
-          <ac:spMkLst>
-            <pc:docMk/>
-            <pc:sldMk cId="2292264982" sldId="256"/>
-            <ac:spMk id="9" creationId="{67E06D92-2021-C6EE-12A4-3BF7920D1DB7}"/>
-          </ac:spMkLst>
-        </pc:spChg>
-        <pc:spChg chg="add mod">
-          <ac:chgData name="佐藤　寛也" userId="27837c8b-abaf-4096-b544-58e4cbe7054e" providerId="ADAL" clId="{D782517A-6EEC-4BE8-9276-5095CD46E241}" dt="2024-09-06T02:30:19.030" v="6588"/>
-          <ac:spMkLst>
-            <pc:docMk/>
-            <pc:sldMk cId="2292264982" sldId="256"/>
-            <ac:spMk id="10" creationId="{D03BAEFA-C6E3-775F-FA10-444313298718}"/>
-          </ac:spMkLst>
-        </pc:spChg>
-        <pc:spChg chg="add mod">
-          <ac:chgData name="佐藤　寛也" userId="27837c8b-abaf-4096-b544-58e4cbe7054e" providerId="ADAL" clId="{D782517A-6EEC-4BE8-9276-5095CD46E241}" dt="2024-09-06T02:30:19.030" v="6588"/>
-          <ac:spMkLst>
-            <pc:docMk/>
-            <pc:sldMk cId="2292264982" sldId="256"/>
-            <ac:spMk id="11" creationId="{B31BA6C9-819D-BB1D-A2C7-E614E7EF9230}"/>
-          </ac:spMkLst>
-        </pc:spChg>
-      </pc:sldChg>
-      <pc:sldChg chg="addSp modSp mod">
-        <pc:chgData name="佐藤　寛也" userId="27837c8b-abaf-4096-b544-58e4cbe7054e" providerId="ADAL" clId="{D782517A-6EEC-4BE8-9276-5095CD46E241}" dt="2024-09-06T02:36:53.474" v="6762"/>
-        <pc:sldMkLst>
-          <pc:docMk/>
-          <pc:sldMk cId="4138699866" sldId="260"/>
-        </pc:sldMkLst>
-        <pc:spChg chg="mod">
-          <ac:chgData name="佐藤　寛也" userId="27837c8b-abaf-4096-b544-58e4cbe7054e" providerId="ADAL" clId="{D782517A-6EEC-4BE8-9276-5095CD46E241}" dt="2024-09-06T02:36:53.474" v="6762"/>
-          <ac:spMkLst>
-            <pc:docMk/>
-            <pc:sldMk cId="4138699866" sldId="260"/>
-            <ac:spMk id="3" creationId="{16FF0A75-AD20-769F-6C62-614A33EDE4D0}"/>
-          </ac:spMkLst>
-        </pc:spChg>
-        <pc:spChg chg="mod">
-          <ac:chgData name="佐藤　寛也" userId="27837c8b-abaf-4096-b544-58e4cbe7054e" providerId="ADAL" clId="{D782517A-6EEC-4BE8-9276-5095CD46E241}" dt="2024-09-04T09:04:57.858" v="1"/>
-          <ac:spMkLst>
-            <pc:docMk/>
-            <pc:sldMk cId="4138699866" sldId="260"/>
-            <ac:spMk id="5" creationId="{2862EFD8-A85B-1021-95B4-194B751655D4}"/>
-          </ac:spMkLst>
-        </pc:spChg>
-        <pc:spChg chg="add mod ord">
-          <ac:chgData name="佐藤　寛也" userId="27837c8b-abaf-4096-b544-58e4cbe7054e" providerId="ADAL" clId="{D782517A-6EEC-4BE8-9276-5095CD46E241}" dt="2024-09-04T09:05:20.327" v="3" actId="167"/>
-          <ac:spMkLst>
-            <pc:docMk/>
-            <pc:sldMk cId="4138699866" sldId="260"/>
-            <ac:spMk id="7" creationId="{C5A5F226-0A09-6781-2A5D-BC255A9D9FB9}"/>
-          </ac:spMkLst>
-        </pc:spChg>
-        <pc:spChg chg="add mod ord">
-          <ac:chgData name="佐藤　寛也" userId="27837c8b-abaf-4096-b544-58e4cbe7054e" providerId="ADAL" clId="{D782517A-6EEC-4BE8-9276-5095CD46E241}" dt="2024-09-04T09:05:20.327" v="3" actId="167"/>
-          <ac:spMkLst>
-            <pc:docMk/>
-            <pc:sldMk cId="4138699866" sldId="260"/>
-            <ac:spMk id="8" creationId="{A14F3E98-1F4E-8B31-C1AB-29C36D47089E}"/>
-          </ac:spMkLst>
-        </pc:spChg>
-        <pc:spChg chg="add mod ord">
-          <ac:chgData name="佐藤　寛也" userId="27837c8b-abaf-4096-b544-58e4cbe7054e" providerId="ADAL" clId="{D782517A-6EEC-4BE8-9276-5095CD46E241}" dt="2024-09-04T09:05:20.327" v="3" actId="167"/>
-          <ac:spMkLst>
-            <pc:docMk/>
-            <pc:sldMk cId="4138699866" sldId="260"/>
-            <ac:spMk id="9" creationId="{781D4D54-6ED9-52F6-26F3-26FA7DE89775}"/>
-          </ac:spMkLst>
-        </pc:spChg>
-        <pc:cxnChg chg="add mod ord">
-          <ac:chgData name="佐藤　寛也" userId="27837c8b-abaf-4096-b544-58e4cbe7054e" providerId="ADAL" clId="{D782517A-6EEC-4BE8-9276-5095CD46E241}" dt="2024-09-04T09:05:20.327" v="3" actId="167"/>
-          <ac:cxnSpMkLst>
-            <pc:docMk/>
-            <pc:sldMk cId="4138699866" sldId="260"/>
-            <ac:cxnSpMk id="10" creationId="{ABB208D7-767E-B4D9-1205-BF09400DA1F6}"/>
-          </ac:cxnSpMkLst>
-        </pc:cxnChg>
-      </pc:sldChg>
-      <pc:sldChg chg="modSp del">
-        <pc:chgData name="佐藤　寛也" userId="27837c8b-abaf-4096-b544-58e4cbe7054e" providerId="ADAL" clId="{D782517A-6EEC-4BE8-9276-5095CD46E241}" dt="2024-09-04T09:06:11.334" v="10" actId="47"/>
-        <pc:sldMkLst>
-          <pc:docMk/>
-          <pc:sldMk cId="3549867426" sldId="263"/>
-        </pc:sldMkLst>
-        <pc:spChg chg="mod">
-          <ac:chgData name="佐藤　寛也" userId="27837c8b-abaf-4096-b544-58e4cbe7054e" providerId="ADAL" clId="{D782517A-6EEC-4BE8-9276-5095CD46E241}" dt="2024-09-04T09:04:57.858" v="1"/>
-          <ac:spMkLst>
-            <pc:docMk/>
-            <pc:sldMk cId="3549867426" sldId="263"/>
-            <ac:spMk id="5" creationId="{2862EFD8-A85B-1021-95B4-194B751655D4}"/>
-          </ac:spMkLst>
-        </pc:spChg>
-      </pc:sldChg>
-      <pc:sldChg chg="modSp">
-        <pc:chgData name="佐藤　寛也" userId="27837c8b-abaf-4096-b544-58e4cbe7054e" providerId="ADAL" clId="{D782517A-6EEC-4BE8-9276-5095CD46E241}" dt="2024-09-04T09:04:57.858" v="1"/>
-        <pc:sldMkLst>
-          <pc:docMk/>
-          <pc:sldMk cId="200817713" sldId="1404"/>
-        </pc:sldMkLst>
-        <pc:spChg chg="mod">
-          <ac:chgData name="佐藤　寛也" userId="27837c8b-abaf-4096-b544-58e4cbe7054e" providerId="ADAL" clId="{D782517A-6EEC-4BE8-9276-5095CD46E241}" dt="2024-09-04T09:04:57.858" v="1"/>
-          <ac:spMkLst>
-            <pc:docMk/>
-            <pc:sldMk cId="200817713" sldId="1404"/>
-            <ac:spMk id="5" creationId="{2862EFD8-A85B-1021-95B4-194B751655D4}"/>
-          </ac:spMkLst>
-        </pc:spChg>
-      </pc:sldChg>
-      <pc:sldChg chg="modSp">
-        <pc:chgData name="佐藤　寛也" userId="27837c8b-abaf-4096-b544-58e4cbe7054e" providerId="ADAL" clId="{D782517A-6EEC-4BE8-9276-5095CD46E241}" dt="2024-09-06T02:37:13.325" v="6763"/>
-        <pc:sldMkLst>
-          <pc:docMk/>
-          <pc:sldMk cId="758834300" sldId="1405"/>
-        </pc:sldMkLst>
-        <pc:spChg chg="mod">
-          <ac:chgData name="佐藤　寛也" userId="27837c8b-abaf-4096-b544-58e4cbe7054e" providerId="ADAL" clId="{D782517A-6EEC-4BE8-9276-5095CD46E241}" dt="2024-09-06T02:36:53.474" v="6762"/>
-          <ac:spMkLst>
-            <pc:docMk/>
-            <pc:sldMk cId="758834300" sldId="1405"/>
-            <ac:spMk id="3" creationId="{16FF0A75-AD20-769F-6C62-614A33EDE4D0}"/>
-          </ac:spMkLst>
-        </pc:spChg>
-        <pc:spChg chg="mod">
-          <ac:chgData name="佐藤　寛也" userId="27837c8b-abaf-4096-b544-58e4cbe7054e" providerId="ADAL" clId="{D782517A-6EEC-4BE8-9276-5095CD46E241}" dt="2024-09-04T09:04:57.858" v="1"/>
-          <ac:spMkLst>
-            <pc:docMk/>
-            <pc:sldMk cId="758834300" sldId="1405"/>
-            <ac:spMk id="5" creationId="{2862EFD8-A85B-1021-95B4-194B751655D4}"/>
-          </ac:spMkLst>
-        </pc:spChg>
-        <pc:spChg chg="mod">
-          <ac:chgData name="佐藤　寛也" userId="27837c8b-abaf-4096-b544-58e4cbe7054e" providerId="ADAL" clId="{D782517A-6EEC-4BE8-9276-5095CD46E241}" dt="2024-09-06T02:37:13.325" v="6763"/>
-          <ac:spMkLst>
-            <pc:docMk/>
-            <pc:sldMk cId="758834300" sldId="1405"/>
-            <ac:spMk id="44" creationId="{0F33BB0A-956A-C3C9-4D1B-5FD1BEDE11C1}"/>
-          </ac:spMkLst>
-        </pc:spChg>
-      </pc:sldChg>
-      <pc:sldChg chg="modSp mod ord">
-        <pc:chgData name="佐藤　寛也" userId="27837c8b-abaf-4096-b544-58e4cbe7054e" providerId="ADAL" clId="{D782517A-6EEC-4BE8-9276-5095CD46E241}" dt="2024-09-06T02:34:19.056" v="6691" actId="1038"/>
-        <pc:sldMkLst>
-          <pc:docMk/>
-          <pc:sldMk cId="2073918738" sldId="1406"/>
-        </pc:sldMkLst>
-        <pc:spChg chg="mod">
-          <ac:chgData name="佐藤　寛也" userId="27837c8b-abaf-4096-b544-58e4cbe7054e" providerId="ADAL" clId="{D782517A-6EEC-4BE8-9276-5095CD46E241}" dt="2024-09-04T09:04:57.858" v="1"/>
-          <ac:spMkLst>
-            <pc:docMk/>
-            <pc:sldMk cId="2073918738" sldId="1406"/>
-            <ac:spMk id="5" creationId="{2862EFD8-A85B-1021-95B4-194B751655D4}"/>
-          </ac:spMkLst>
-        </pc:spChg>
-        <pc:spChg chg="mod">
-          <ac:chgData name="佐藤　寛也" userId="27837c8b-abaf-4096-b544-58e4cbe7054e" providerId="ADAL" clId="{D782517A-6EEC-4BE8-9276-5095CD46E241}" dt="2024-09-06T02:34:09.054" v="6687" actId="20577"/>
-          <ac:spMkLst>
-            <pc:docMk/>
-            <pc:sldMk cId="2073918738" sldId="1406"/>
-            <ac:spMk id="9" creationId="{13951995-A522-5347-3B72-017BC0E2B25F}"/>
-          </ac:spMkLst>
-        </pc:spChg>
-        <pc:cxnChg chg="mod">
-          <ac:chgData name="佐藤　寛也" userId="27837c8b-abaf-4096-b544-58e4cbe7054e" providerId="ADAL" clId="{D782517A-6EEC-4BE8-9276-5095CD46E241}" dt="2024-09-06T02:34:19.056" v="6691" actId="1038"/>
-          <ac:cxnSpMkLst>
-            <pc:docMk/>
-            <pc:sldMk cId="2073918738" sldId="1406"/>
-            <ac:cxnSpMk id="8" creationId="{4329F132-D04B-0ADC-FBBF-13A29C2DDCA1}"/>
-          </ac:cxnSpMkLst>
-        </pc:cxnChg>
-      </pc:sldChg>
-      <pc:sldChg chg="modSp mod">
-        <pc:chgData name="佐藤　寛也" userId="27837c8b-abaf-4096-b544-58e4cbe7054e" providerId="ADAL" clId="{D782517A-6EEC-4BE8-9276-5095CD46E241}" dt="2024-09-06T02:36:53.474" v="6762"/>
-        <pc:sldMkLst>
-          <pc:docMk/>
-          <pc:sldMk cId="1383757248" sldId="1407"/>
-        </pc:sldMkLst>
-        <pc:spChg chg="mod">
-          <ac:chgData name="佐藤　寛也" userId="27837c8b-abaf-4096-b544-58e4cbe7054e" providerId="ADAL" clId="{D782517A-6EEC-4BE8-9276-5095CD46E241}" dt="2024-09-06T02:36:53.474" v="6762"/>
-          <ac:spMkLst>
-            <pc:docMk/>
-            <pc:sldMk cId="1383757248" sldId="1407"/>
-            <ac:spMk id="3" creationId="{16FF0A75-AD20-769F-6C62-614A33EDE4D0}"/>
-          </ac:spMkLst>
-        </pc:spChg>
-        <pc:spChg chg="mod">
-          <ac:chgData name="佐藤　寛也" userId="27837c8b-abaf-4096-b544-58e4cbe7054e" providerId="ADAL" clId="{D782517A-6EEC-4BE8-9276-5095CD46E241}" dt="2024-09-04T09:04:57.858" v="1"/>
-          <ac:spMkLst>
-            <pc:docMk/>
-            <pc:sldMk cId="1383757248" sldId="1407"/>
-            <ac:spMk id="5" creationId="{2862EFD8-A85B-1021-95B4-194B751655D4}"/>
-          </ac:spMkLst>
-        </pc:spChg>
-        <pc:spChg chg="mod">
-          <ac:chgData name="佐藤　寛也" userId="27837c8b-abaf-4096-b544-58e4cbe7054e" providerId="ADAL" clId="{D782517A-6EEC-4BE8-9276-5095CD46E241}" dt="2024-09-06T02:36:53.474" v="6762"/>
-          <ac:spMkLst>
-            <pc:docMk/>
-            <pc:sldMk cId="1383757248" sldId="1407"/>
-            <ac:spMk id="7" creationId="{59A3CA38-1CB9-C203-4DE6-C0F2457FB518}"/>
-          </ac:spMkLst>
-        </pc:spChg>
-      </pc:sldChg>
-      <pc:sldChg chg="modSp mod">
-        <pc:chgData name="佐藤　寛也" userId="27837c8b-abaf-4096-b544-58e4cbe7054e" providerId="ADAL" clId="{D782517A-6EEC-4BE8-9276-5095CD46E241}" dt="2024-09-06T02:36:53.474" v="6762"/>
-        <pc:sldMkLst>
-          <pc:docMk/>
-          <pc:sldMk cId="833335108" sldId="1408"/>
-        </pc:sldMkLst>
-        <pc:spChg chg="mod">
-          <ac:chgData name="佐藤　寛也" userId="27837c8b-abaf-4096-b544-58e4cbe7054e" providerId="ADAL" clId="{D782517A-6EEC-4BE8-9276-5095CD46E241}" dt="2024-09-04T09:09:20.650" v="195" actId="27636"/>
-          <ac:spMkLst>
-            <pc:docMk/>
-            <pc:sldMk cId="833335108" sldId="1408"/>
-            <ac:spMk id="2" creationId="{A2CAF609-1BCD-6119-E418-D2B189DFFE0E}"/>
-          </ac:spMkLst>
-        </pc:spChg>
-        <pc:spChg chg="mod">
-          <ac:chgData name="佐藤　寛也" userId="27837c8b-abaf-4096-b544-58e4cbe7054e" providerId="ADAL" clId="{D782517A-6EEC-4BE8-9276-5095CD46E241}" dt="2024-09-06T02:36:53.474" v="6762"/>
-          <ac:spMkLst>
-            <pc:docMk/>
-            <pc:sldMk cId="833335108" sldId="1408"/>
-            <ac:spMk id="3" creationId="{273DC7BA-18F1-8E87-0044-376161389077}"/>
-          </ac:spMkLst>
-        </pc:spChg>
-        <pc:spChg chg="mod">
-          <ac:chgData name="佐藤　寛也" userId="27837c8b-abaf-4096-b544-58e4cbe7054e" providerId="ADAL" clId="{D782517A-6EEC-4BE8-9276-5095CD46E241}" dt="2024-09-04T09:04:57.858" v="1"/>
-          <ac:spMkLst>
-            <pc:docMk/>
-            <pc:sldMk cId="833335108" sldId="1408"/>
-            <ac:spMk id="5" creationId="{E81A931D-F9A0-2D43-F14A-030B963C94D1}"/>
-          </ac:spMkLst>
-        </pc:spChg>
-      </pc:sldChg>
-      <pc:sldChg chg="addSp delSp modSp new mod">
-        <pc:chgData name="佐藤　寛也" userId="27837c8b-abaf-4096-b544-58e4cbe7054e" providerId="ADAL" clId="{D782517A-6EEC-4BE8-9276-5095CD46E241}" dt="2024-09-06T02:37:13.325" v="6763"/>
-        <pc:sldMkLst>
-          <pc:docMk/>
-          <pc:sldMk cId="459862134" sldId="1409"/>
-        </pc:sldMkLst>
-        <pc:spChg chg="mod">
-          <ac:chgData name="佐藤　寛也" userId="27837c8b-abaf-4096-b544-58e4cbe7054e" providerId="ADAL" clId="{D782517A-6EEC-4BE8-9276-5095CD46E241}" dt="2024-09-04T09:06:20.126" v="32" actId="20577"/>
-          <ac:spMkLst>
-            <pc:docMk/>
-            <pc:sldMk cId="459862134" sldId="1409"/>
-            <ac:spMk id="5" creationId="{6444D9B9-3E7B-69A8-A5CF-F6454CDF4172}"/>
-          </ac:spMkLst>
-        </pc:spChg>
-        <pc:spChg chg="add del mod">
-          <ac:chgData name="佐藤　寛也" userId="27837c8b-abaf-4096-b544-58e4cbe7054e" providerId="ADAL" clId="{D782517A-6EEC-4BE8-9276-5095CD46E241}" dt="2024-09-04T09:08:23.385" v="80" actId="20577"/>
-          <ac:spMkLst>
-            <pc:docMk/>
-            <pc:sldMk cId="459862134" sldId="1409"/>
-            <ac:spMk id="6" creationId="{2F93D231-C571-A0F8-CFE3-9544938A4E90}"/>
-          </ac:spMkLst>
-        </pc:spChg>
-        <pc:spChg chg="add mod">
-          <ac:chgData name="佐藤　寛也" userId="27837c8b-abaf-4096-b544-58e4cbe7054e" providerId="ADAL" clId="{D782517A-6EEC-4BE8-9276-5095CD46E241}" dt="2024-09-04T09:06:47" v="43"/>
-          <ac:spMkLst>
-            <pc:docMk/>
-            <pc:sldMk cId="459862134" sldId="1409"/>
-            <ac:spMk id="9" creationId="{D5A1934F-4F78-ED36-E815-D480BBB0323D}"/>
-          </ac:spMkLst>
-        </pc:spChg>
-        <pc:spChg chg="add mod">
-          <ac:chgData name="佐藤　寛也" userId="27837c8b-abaf-4096-b544-58e4cbe7054e" providerId="ADAL" clId="{D782517A-6EEC-4BE8-9276-5095CD46E241}" dt="2024-09-04T09:06:47" v="43"/>
-          <ac:spMkLst>
-            <pc:docMk/>
-            <pc:sldMk cId="459862134" sldId="1409"/>
-            <ac:spMk id="10" creationId="{D255C66A-A7F1-7431-5746-297A3414C25D}"/>
-          </ac:spMkLst>
-        </pc:spChg>
-        <pc:spChg chg="add mod">
-          <ac:chgData name="佐藤　寛也" userId="27837c8b-abaf-4096-b544-58e4cbe7054e" providerId="ADAL" clId="{D782517A-6EEC-4BE8-9276-5095CD46E241}" dt="2024-09-04T09:06:47" v="43"/>
-          <ac:spMkLst>
-            <pc:docMk/>
-            <pc:sldMk cId="459862134" sldId="1409"/>
-            <ac:spMk id="11" creationId="{4C2BA0D7-0332-8B5A-9981-90766B433E1B}"/>
-          </ac:spMkLst>
-        </pc:spChg>
-        <pc:spChg chg="add mod">
-          <ac:chgData name="佐藤　寛也" userId="27837c8b-abaf-4096-b544-58e4cbe7054e" providerId="ADAL" clId="{D782517A-6EEC-4BE8-9276-5095CD46E241}" dt="2024-09-04T09:07:00.923" v="49"/>
-          <ac:spMkLst>
-            <pc:docMk/>
-            <pc:sldMk cId="459862134" sldId="1409"/>
-            <ac:spMk id="16" creationId="{2651B98E-7C98-584B-CB97-0263800C0BFC}"/>
-          </ac:spMkLst>
-        </pc:spChg>
-        <pc:spChg chg="add mod">
-          <ac:chgData name="佐藤　寛也" userId="27837c8b-abaf-4096-b544-58e4cbe7054e" providerId="ADAL" clId="{D782517A-6EEC-4BE8-9276-5095CD46E241}" dt="2024-09-06T02:37:13.325" v="6763"/>
-          <ac:spMkLst>
-            <pc:docMk/>
-            <pc:sldMk cId="459862134" sldId="1409"/>
-            <ac:spMk id="17" creationId="{2DC346B0-D045-3EE7-4BA6-97B19981B763}"/>
-          </ac:spMkLst>
-        </pc:spChg>
-        <pc:spChg chg="add mod">
-          <ac:chgData name="佐藤　寛也" userId="27837c8b-abaf-4096-b544-58e4cbe7054e" providerId="ADAL" clId="{D782517A-6EEC-4BE8-9276-5095CD46E241}" dt="2024-09-04T09:08:50.210" v="127" actId="20577"/>
-          <ac:spMkLst>
-            <pc:docMk/>
-            <pc:sldMk cId="459862134" sldId="1409"/>
-            <ac:spMk id="18" creationId="{757C9DD6-DF43-5677-BB43-0097DCC5446D}"/>
-          </ac:spMkLst>
-        </pc:spChg>
-        <pc:spChg chg="add mod">
-          <ac:chgData name="佐藤　寛也" userId="27837c8b-abaf-4096-b544-58e4cbe7054e" providerId="ADAL" clId="{D782517A-6EEC-4BE8-9276-5095CD46E241}" dt="2024-09-04T09:08:41.880" v="83" actId="1076"/>
-          <ac:spMkLst>
-            <pc:docMk/>
-            <pc:sldMk cId="459862134" sldId="1409"/>
-            <ac:spMk id="19" creationId="{AB7F86F8-9160-4F95-E35E-52127647DB9E}"/>
-          </ac:spMkLst>
-        </pc:spChg>
-        <pc:picChg chg="add mod">
-          <ac:chgData name="佐藤　寛也" userId="27837c8b-abaf-4096-b544-58e4cbe7054e" providerId="ADAL" clId="{D782517A-6EEC-4BE8-9276-5095CD46E241}" dt="2024-09-04T09:06:43.663" v="34"/>
-          <ac:picMkLst>
-            <pc:docMk/>
-            <pc:sldMk cId="459862134" sldId="1409"/>
-            <ac:picMk id="8" creationId="{2E6F5CFB-C572-7545-8AAA-348B412ABEB1}"/>
-          </ac:picMkLst>
-        </pc:picChg>
-        <pc:picChg chg="add mod">
-          <ac:chgData name="佐藤　寛也" userId="27837c8b-abaf-4096-b544-58e4cbe7054e" providerId="ADAL" clId="{D782517A-6EEC-4BE8-9276-5095CD46E241}" dt="2024-09-04T09:07:17.807" v="54" actId="14100"/>
-          <ac:picMkLst>
-            <pc:docMk/>
-            <pc:sldMk cId="459862134" sldId="1409"/>
-            <ac:picMk id="14" creationId="{F87B6929-976B-7E6A-8184-DBDEDBF4E6D8}"/>
-          </ac:picMkLst>
-        </pc:picChg>
-        <pc:picChg chg="add del mod ord">
-          <ac:chgData name="佐藤　寛也" userId="27837c8b-abaf-4096-b544-58e4cbe7054e" providerId="ADAL" clId="{D782517A-6EEC-4BE8-9276-5095CD46E241}" dt="2024-09-04T09:07:19.701" v="55" actId="478"/>
-          <ac:picMkLst>
-            <pc:docMk/>
-            <pc:sldMk cId="459862134" sldId="1409"/>
-            <ac:picMk id="15" creationId="{EC181908-A692-15EE-1A28-CB486A4C58CB}"/>
-          </ac:picMkLst>
-        </pc:picChg>
-        <pc:cxnChg chg="add mod">
-          <ac:chgData name="佐藤　寛也" userId="27837c8b-abaf-4096-b544-58e4cbe7054e" providerId="ADAL" clId="{D782517A-6EEC-4BE8-9276-5095CD46E241}" dt="2024-09-04T09:06:47" v="43"/>
-          <ac:cxnSpMkLst>
-            <pc:docMk/>
-            <pc:sldMk cId="459862134" sldId="1409"/>
-            <ac:cxnSpMk id="12" creationId="{14183718-F629-3786-5AAA-D812EA2B7C2D}"/>
-          </ac:cxnSpMkLst>
-        </pc:cxnChg>
-      </pc:sldChg>
-      <pc:sldChg chg="modSp add mod">
-        <pc:chgData name="佐藤　寛也" userId="27837c8b-abaf-4096-b544-58e4cbe7054e" providerId="ADAL" clId="{D782517A-6EEC-4BE8-9276-5095CD46E241}" dt="2024-09-05T08:29:59.179" v="5185" actId="20577"/>
-        <pc:sldMkLst>
-          <pc:docMk/>
-          <pc:sldMk cId="1514023031" sldId="1410"/>
-        </pc:sldMkLst>
-        <pc:spChg chg="mod">
-          <ac:chgData name="佐藤　寛也" userId="27837c8b-abaf-4096-b544-58e4cbe7054e" providerId="ADAL" clId="{D782517A-6EEC-4BE8-9276-5095CD46E241}" dt="2024-09-04T09:14:15.261" v="813" actId="20577"/>
-          <ac:spMkLst>
-            <pc:docMk/>
-            <pc:sldMk cId="1514023031" sldId="1410"/>
-            <ac:spMk id="2" creationId="{A2CAF609-1BCD-6119-E418-D2B189DFFE0E}"/>
-          </ac:spMkLst>
-        </pc:spChg>
-        <pc:spChg chg="mod">
-          <ac:chgData name="佐藤　寛也" userId="27837c8b-abaf-4096-b544-58e4cbe7054e" providerId="ADAL" clId="{D782517A-6EEC-4BE8-9276-5095CD46E241}" dt="2024-09-05T08:29:59.179" v="5185" actId="20577"/>
-          <ac:spMkLst>
-            <pc:docMk/>
-            <pc:sldMk cId="1514023031" sldId="1410"/>
-            <ac:spMk id="3" creationId="{273DC7BA-18F1-8E87-0044-376161389077}"/>
-          </ac:spMkLst>
-        </pc:spChg>
-      </pc:sldChg>
-      <pc:sldChg chg="addSp delSp modSp new mod">
-        <pc:chgData name="佐藤　寛也" userId="27837c8b-abaf-4096-b544-58e4cbe7054e" providerId="ADAL" clId="{D782517A-6EEC-4BE8-9276-5095CD46E241}" dt="2024-09-05T08:29:16.368" v="5165" actId="404"/>
-        <pc:sldMkLst>
-          <pc:docMk/>
-          <pc:sldMk cId="2472825290" sldId="1411"/>
-        </pc:sldMkLst>
-        <pc:spChg chg="mod">
-          <ac:chgData name="佐藤　寛也" userId="27837c8b-abaf-4096-b544-58e4cbe7054e" providerId="ADAL" clId="{D782517A-6EEC-4BE8-9276-5095CD46E241}" dt="2024-09-05T08:29:16.368" v="5165" actId="404"/>
-          <ac:spMkLst>
-            <pc:docMk/>
-            <pc:sldMk cId="2472825290" sldId="1411"/>
-            <ac:spMk id="2" creationId="{2E6C8D97-8F84-3EF7-BDE7-12ED412F16CF}"/>
-          </ac:spMkLst>
-        </pc:spChg>
-        <pc:spChg chg="del">
-          <ac:chgData name="佐藤　寛也" userId="27837c8b-abaf-4096-b544-58e4cbe7054e" providerId="ADAL" clId="{D782517A-6EEC-4BE8-9276-5095CD46E241}" dt="2024-09-04T09:15:40.996" v="1024"/>
-          <ac:spMkLst>
-            <pc:docMk/>
-            <pc:sldMk cId="2472825290" sldId="1411"/>
-            <ac:spMk id="3" creationId="{DAD71630-5849-4E7F-66EE-1B932573AA7B}"/>
-          </ac:spMkLst>
-        </pc:spChg>
-        <pc:spChg chg="add mod">
-          <ac:chgData name="佐藤　寛也" userId="27837c8b-abaf-4096-b544-58e4cbe7054e" providerId="ADAL" clId="{D782517A-6EEC-4BE8-9276-5095CD46E241}" dt="2024-09-04T09:15:48.216" v="1026"/>
-          <ac:spMkLst>
-            <pc:docMk/>
-            <pc:sldMk cId="2472825290" sldId="1411"/>
-            <ac:spMk id="9" creationId="{4EB7A6F3-304A-48B7-2757-1B80F8A5E64B}"/>
-          </ac:spMkLst>
-        </pc:spChg>
-        <pc:spChg chg="add mod">
-          <ac:chgData name="佐藤　寛也" userId="27837c8b-abaf-4096-b544-58e4cbe7054e" providerId="ADAL" clId="{D782517A-6EEC-4BE8-9276-5095CD46E241}" dt="2024-09-04T09:16:13.483" v="1098" actId="20577"/>
-          <ac:spMkLst>
-            <pc:docMk/>
-            <pc:sldMk cId="2472825290" sldId="1411"/>
-            <ac:spMk id="10" creationId="{503EFCF0-7787-6229-3759-0C90D5F7D210}"/>
-          </ac:spMkLst>
-        </pc:spChg>
-        <pc:spChg chg="add mod">
-          <ac:chgData name="佐藤　寛也" userId="27837c8b-abaf-4096-b544-58e4cbe7054e" providerId="ADAL" clId="{D782517A-6EEC-4BE8-9276-5095CD46E241}" dt="2024-09-04T09:15:48.216" v="1026"/>
-          <ac:spMkLst>
-            <pc:docMk/>
-            <pc:sldMk cId="2472825290" sldId="1411"/>
-            <ac:spMk id="11" creationId="{A6DAB4EA-5015-BECD-561F-321C3121B08A}"/>
-          </ac:spMkLst>
-        </pc:spChg>
-        <pc:picChg chg="add mod">
-          <ac:chgData name="佐藤　寛也" userId="27837c8b-abaf-4096-b544-58e4cbe7054e" providerId="ADAL" clId="{D782517A-6EEC-4BE8-9276-5095CD46E241}" dt="2024-09-04T09:15:42.576" v="1025" actId="27614"/>
-          <ac:picMkLst>
-            <pc:docMk/>
-            <pc:sldMk cId="2472825290" sldId="1411"/>
-            <ac:picMk id="8" creationId="{509240F3-40C9-FB1B-BC3A-610789B63347}"/>
-          </ac:picMkLst>
-        </pc:picChg>
-      </pc:sldChg>
-      <pc:sldChg chg="addSp delSp modSp add mod">
-        <pc:chgData name="佐藤　寛也" userId="27837c8b-abaf-4096-b544-58e4cbe7054e" providerId="ADAL" clId="{D782517A-6EEC-4BE8-9276-5095CD46E241}" dt="2024-09-04T09:17:28.330" v="1320" actId="20577"/>
-        <pc:sldMkLst>
-          <pc:docMk/>
-          <pc:sldMk cId="404086265" sldId="1412"/>
-        </pc:sldMkLst>
-        <pc:spChg chg="add mod">
-          <ac:chgData name="佐藤　寛也" userId="27837c8b-abaf-4096-b544-58e4cbe7054e" providerId="ADAL" clId="{D782517A-6EEC-4BE8-9276-5095CD46E241}" dt="2024-09-04T09:16:29.829" v="1101"/>
-          <ac:spMkLst>
-            <pc:docMk/>
-            <pc:sldMk cId="404086265" sldId="1412"/>
-            <ac:spMk id="3" creationId="{6EB865FB-4B8F-5168-24D0-AA5AC0263E6A}"/>
-          </ac:spMkLst>
-        </pc:spChg>
-        <pc:spChg chg="add mod">
-          <ac:chgData name="佐藤　寛也" userId="27837c8b-abaf-4096-b544-58e4cbe7054e" providerId="ADAL" clId="{D782517A-6EEC-4BE8-9276-5095CD46E241}" dt="2024-09-04T09:16:29.829" v="1101"/>
-          <ac:spMkLst>
-            <pc:docMk/>
-            <pc:sldMk cId="404086265" sldId="1412"/>
-            <ac:spMk id="7" creationId="{C609FF7C-42C2-ECD2-7F60-A0BA890C7864}"/>
-          </ac:spMkLst>
-        </pc:spChg>
-        <pc:spChg chg="del">
-          <ac:chgData name="佐藤　寛也" userId="27837c8b-abaf-4096-b544-58e4cbe7054e" providerId="ADAL" clId="{D782517A-6EEC-4BE8-9276-5095CD46E241}" dt="2024-09-04T09:16:22.606" v="1100" actId="478"/>
-          <ac:spMkLst>
-            <pc:docMk/>
-            <pc:sldMk cId="404086265" sldId="1412"/>
-            <ac:spMk id="9" creationId="{4EB7A6F3-304A-48B7-2757-1B80F8A5E64B}"/>
-          </ac:spMkLst>
-        </pc:spChg>
-        <pc:spChg chg="del">
-          <ac:chgData name="佐藤　寛也" userId="27837c8b-abaf-4096-b544-58e4cbe7054e" providerId="ADAL" clId="{D782517A-6EEC-4BE8-9276-5095CD46E241}" dt="2024-09-04T09:16:22.606" v="1100" actId="478"/>
-          <ac:spMkLst>
-            <pc:docMk/>
-            <pc:sldMk cId="404086265" sldId="1412"/>
-            <ac:spMk id="10" creationId="{503EFCF0-7787-6229-3759-0C90D5F7D210}"/>
-          </ac:spMkLst>
-        </pc:spChg>
-        <pc:spChg chg="del">
-          <ac:chgData name="佐藤　寛也" userId="27837c8b-abaf-4096-b544-58e4cbe7054e" providerId="ADAL" clId="{D782517A-6EEC-4BE8-9276-5095CD46E241}" dt="2024-09-04T09:16:22.606" v="1100" actId="478"/>
-          <ac:spMkLst>
-            <pc:docMk/>
-            <pc:sldMk cId="404086265" sldId="1412"/>
-            <ac:spMk id="11" creationId="{A6DAB4EA-5015-BECD-561F-321C3121B08A}"/>
-          </ac:spMkLst>
-        </pc:spChg>
-        <pc:spChg chg="add mod">
-          <ac:chgData name="佐藤　寛也" userId="27837c8b-abaf-4096-b544-58e4cbe7054e" providerId="ADAL" clId="{D782517A-6EEC-4BE8-9276-5095CD46E241}" dt="2024-09-04T09:16:29.829" v="1101"/>
-          <ac:spMkLst>
-            <pc:docMk/>
-            <pc:sldMk cId="404086265" sldId="1412"/>
-            <ac:spMk id="13" creationId="{389E8658-AA62-68FA-7AAA-B2ABF98EEAC9}"/>
-          </ac:spMkLst>
-        </pc:spChg>
-        <pc:spChg chg="add mod">
-          <ac:chgData name="佐藤　寛也" userId="27837c8b-abaf-4096-b544-58e4cbe7054e" providerId="ADAL" clId="{D782517A-6EEC-4BE8-9276-5095CD46E241}" dt="2024-09-04T09:17:08.890" v="1238" actId="1076"/>
-          <ac:spMkLst>
-            <pc:docMk/>
-            <pc:sldMk cId="404086265" sldId="1412"/>
-            <ac:spMk id="14" creationId="{3397D4E9-E623-D6DF-2044-2E7D53694C8E}"/>
-          </ac:spMkLst>
-        </pc:spChg>
-        <pc:spChg chg="add mod">
-          <ac:chgData name="佐藤　寛也" userId="27837c8b-abaf-4096-b544-58e4cbe7054e" providerId="ADAL" clId="{D782517A-6EEC-4BE8-9276-5095CD46E241}" dt="2024-09-04T09:16:29.829" v="1101"/>
-          <ac:spMkLst>
-            <pc:docMk/>
-            <pc:sldMk cId="404086265" sldId="1412"/>
-            <ac:spMk id="15" creationId="{68AE3811-A531-8A5A-F972-6CCD28CCD56E}"/>
-          </ac:spMkLst>
-        </pc:spChg>
-        <pc:spChg chg="add mod">
-          <ac:chgData name="佐藤　寛也" userId="27837c8b-abaf-4096-b544-58e4cbe7054e" providerId="ADAL" clId="{D782517A-6EEC-4BE8-9276-5095CD46E241}" dt="2024-09-04T09:17:11.931" v="1239" actId="14100"/>
-          <ac:spMkLst>
-            <pc:docMk/>
-            <pc:sldMk cId="404086265" sldId="1412"/>
-            <ac:spMk id="16" creationId="{31C75808-A82B-0F05-E116-E49DC7BE0DBA}"/>
-          </ac:spMkLst>
-        </pc:spChg>
-        <pc:spChg chg="add mod">
-          <ac:chgData name="佐藤　寛也" userId="27837c8b-abaf-4096-b544-58e4cbe7054e" providerId="ADAL" clId="{D782517A-6EEC-4BE8-9276-5095CD46E241}" dt="2024-09-04T09:17:04.496" v="1237" actId="20577"/>
-          <ac:spMkLst>
-            <pc:docMk/>
-            <pc:sldMk cId="404086265" sldId="1412"/>
-            <ac:spMk id="17" creationId="{4B9D3E18-98A6-5431-0AD7-A3E197D87034}"/>
-          </ac:spMkLst>
-        </pc:spChg>
-        <pc:spChg chg="add mod">
-          <ac:chgData name="佐藤　寛也" userId="27837c8b-abaf-4096-b544-58e4cbe7054e" providerId="ADAL" clId="{D782517A-6EEC-4BE8-9276-5095CD46E241}" dt="2024-09-04T09:16:34.140" v="1109" actId="20577"/>
-          <ac:spMkLst>
-            <pc:docMk/>
-            <pc:sldMk cId="404086265" sldId="1412"/>
-            <ac:spMk id="18" creationId="{6D29E279-73CC-737A-3A15-E0E9FA9A30FC}"/>
-          </ac:spMkLst>
-        </pc:spChg>
-        <pc:spChg chg="add mod">
-          <ac:chgData name="佐藤　寛也" userId="27837c8b-abaf-4096-b544-58e4cbe7054e" providerId="ADAL" clId="{D782517A-6EEC-4BE8-9276-5095CD46E241}" dt="2024-09-04T09:17:28.330" v="1320" actId="20577"/>
-          <ac:spMkLst>
-            <pc:docMk/>
-            <pc:sldMk cId="404086265" sldId="1412"/>
-            <ac:spMk id="19" creationId="{7DA6387F-1377-102B-F72A-71D793DBA625}"/>
-          </ac:spMkLst>
-        </pc:spChg>
-        <pc:picChg chg="add mod">
-          <ac:chgData name="佐藤　寛也" userId="27837c8b-abaf-4096-b544-58e4cbe7054e" providerId="ADAL" clId="{D782517A-6EEC-4BE8-9276-5095CD46E241}" dt="2024-09-04T09:16:29.829" v="1101"/>
-          <ac:picMkLst>
-            <pc:docMk/>
-            <pc:sldMk cId="404086265" sldId="1412"/>
-            <ac:picMk id="12" creationId="{D259A9B1-0D54-055E-B711-1AD1B86D6788}"/>
-          </ac:picMkLst>
-        </pc:picChg>
-      </pc:sldChg>
-      <pc:sldChg chg="addSp delSp modSp new mod modClrScheme chgLayout">
-        <pc:chgData name="佐藤　寛也" userId="27837c8b-abaf-4096-b544-58e4cbe7054e" providerId="ADAL" clId="{D782517A-6EEC-4BE8-9276-5095CD46E241}" dt="2024-09-06T02:37:13.325" v="6763"/>
-        <pc:sldMkLst>
-          <pc:docMk/>
-          <pc:sldMk cId="3382972754" sldId="1413"/>
-        </pc:sldMkLst>
-        <pc:spChg chg="del mod ord">
-          <ac:chgData name="佐藤　寛也" userId="27837c8b-abaf-4096-b544-58e4cbe7054e" providerId="ADAL" clId="{D782517A-6EEC-4BE8-9276-5095CD46E241}" dt="2024-09-04T09:17:42.373" v="1322" actId="700"/>
-          <ac:spMkLst>
-            <pc:docMk/>
-            <pc:sldMk cId="3382972754" sldId="1413"/>
-            <ac:spMk id="2" creationId="{5461DA3A-7D98-F8D7-8E05-E5FC46071E48}"/>
-          </ac:spMkLst>
-        </pc:spChg>
-        <pc:spChg chg="del mod ord">
-          <ac:chgData name="佐藤　寛也" userId="27837c8b-abaf-4096-b544-58e4cbe7054e" providerId="ADAL" clId="{D782517A-6EEC-4BE8-9276-5095CD46E241}" dt="2024-09-04T09:17:42.373" v="1322" actId="700"/>
-          <ac:spMkLst>
-            <pc:docMk/>
-            <pc:sldMk cId="3382972754" sldId="1413"/>
-            <ac:spMk id="3" creationId="{BA09B18C-2226-05DC-C66D-317310440DCF}"/>
-          </ac:spMkLst>
-        </pc:spChg>
-        <pc:spChg chg="mod ord">
-          <ac:chgData name="佐藤　寛也" userId="27837c8b-abaf-4096-b544-58e4cbe7054e" providerId="ADAL" clId="{D782517A-6EEC-4BE8-9276-5095CD46E241}" dt="2024-09-04T09:17:42.373" v="1322" actId="700"/>
-          <ac:spMkLst>
-            <pc:docMk/>
-            <pc:sldMk cId="3382972754" sldId="1413"/>
-            <ac:spMk id="4" creationId="{48BF79C9-4850-5CE7-0EB5-018F1EFDB5EF}"/>
-          </ac:spMkLst>
-        </pc:spChg>
-        <pc:spChg chg="mod ord">
-          <ac:chgData name="佐藤　寛也" userId="27837c8b-abaf-4096-b544-58e4cbe7054e" providerId="ADAL" clId="{D782517A-6EEC-4BE8-9276-5095CD46E241}" dt="2024-09-04T09:17:42.373" v="1322" actId="700"/>
-          <ac:spMkLst>
-            <pc:docMk/>
-            <pc:sldMk cId="3382972754" sldId="1413"/>
-            <ac:spMk id="5" creationId="{001272C9-F260-A99E-0B71-5409D925D4A7}"/>
-          </ac:spMkLst>
-        </pc:spChg>
-        <pc:spChg chg="mod ord">
-          <ac:chgData name="佐藤　寛也" userId="27837c8b-abaf-4096-b544-58e4cbe7054e" providerId="ADAL" clId="{D782517A-6EEC-4BE8-9276-5095CD46E241}" dt="2024-09-04T09:17:42.373" v="1322" actId="700"/>
-          <ac:spMkLst>
-            <pc:docMk/>
-            <pc:sldMk cId="3382972754" sldId="1413"/>
-            <ac:spMk id="6" creationId="{6039CD7F-BA46-BD11-6767-D20385379EAC}"/>
-          </ac:spMkLst>
-        </pc:spChg>
-        <pc:spChg chg="add mod ord">
-          <ac:chgData name="佐藤　寛也" userId="27837c8b-abaf-4096-b544-58e4cbe7054e" providerId="ADAL" clId="{D782517A-6EEC-4BE8-9276-5095CD46E241}" dt="2024-09-04T09:17:46.773" v="1339" actId="20577"/>
-          <ac:spMkLst>
-            <pc:docMk/>
-            <pc:sldMk cId="3382972754" sldId="1413"/>
-            <ac:spMk id="7" creationId="{1D1AE4D4-94D5-C832-31AD-6D70222C4241}"/>
-          </ac:spMkLst>
-        </pc:spChg>
-        <pc:spChg chg="add mod ord">
-          <ac:chgData name="佐藤　寛也" userId="27837c8b-abaf-4096-b544-58e4cbe7054e" providerId="ADAL" clId="{D782517A-6EEC-4BE8-9276-5095CD46E241}" dt="2024-09-04T09:17:56.546" v="1363" actId="20577"/>
-          <ac:spMkLst>
-            <pc:docMk/>
-            <pc:sldMk cId="3382972754" sldId="1413"/>
-            <ac:spMk id="8" creationId="{5CE3B11C-999D-A8D0-E335-9C884CFD74A9}"/>
-          </ac:spMkLst>
-        </pc:spChg>
-        <pc:spChg chg="add mod">
-          <ac:chgData name="佐藤　寛也" userId="27837c8b-abaf-4096-b544-58e4cbe7054e" providerId="ADAL" clId="{D782517A-6EEC-4BE8-9276-5095CD46E241}" dt="2024-09-04T09:18:41.919" v="1374"/>
-          <ac:spMkLst>
-            <pc:docMk/>
-            <pc:sldMk cId="3382972754" sldId="1413"/>
-            <ac:spMk id="12" creationId="{9AD3B6AA-447D-6CC6-311F-7C6AD4217A3A}"/>
-          </ac:spMkLst>
-        </pc:spChg>
-        <pc:spChg chg="add mod">
-          <ac:chgData name="佐藤　寛也" userId="27837c8b-abaf-4096-b544-58e4cbe7054e" providerId="ADAL" clId="{D782517A-6EEC-4BE8-9276-5095CD46E241}" dt="2024-09-04T09:18:58" v="1405" actId="20577"/>
-          <ac:spMkLst>
-            <pc:docMk/>
-            <pc:sldMk cId="3382972754" sldId="1413"/>
-            <ac:spMk id="13" creationId="{F618B225-6353-E2F2-ED05-D675360ABF37}"/>
-          </ac:spMkLst>
-        </pc:spChg>
-        <pc:spChg chg="add mod">
-          <ac:chgData name="佐藤　寛也" userId="27837c8b-abaf-4096-b544-58e4cbe7054e" providerId="ADAL" clId="{D782517A-6EEC-4BE8-9276-5095CD46E241}" dt="2024-09-04T09:18:41.919" v="1374"/>
-          <ac:spMkLst>
-            <pc:docMk/>
-            <pc:sldMk cId="3382972754" sldId="1413"/>
-            <ac:spMk id="15" creationId="{4885B950-4130-8204-9488-FC0470FF9131}"/>
-          </ac:spMkLst>
-        </pc:spChg>
-        <pc:spChg chg="add mod">
-          <ac:chgData name="佐藤　寛也" userId="27837c8b-abaf-4096-b544-58e4cbe7054e" providerId="ADAL" clId="{D782517A-6EEC-4BE8-9276-5095CD46E241}" dt="2024-09-04T09:19:09.398" v="1406"/>
-          <ac:spMkLst>
-            <pc:docMk/>
-            <pc:sldMk cId="3382972754" sldId="1413"/>
-            <ac:spMk id="16" creationId="{D7945A34-ED9B-D372-66C8-DD7FFFBBB165}"/>
-          </ac:spMkLst>
-        </pc:spChg>
-        <pc:spChg chg="add mod">
-          <ac:chgData name="佐藤　寛也" userId="27837c8b-abaf-4096-b544-58e4cbe7054e" providerId="ADAL" clId="{D782517A-6EEC-4BE8-9276-5095CD46E241}" dt="2024-09-06T02:37:13.325" v="6763"/>
-          <ac:spMkLst>
-            <pc:docMk/>
-            <pc:sldMk cId="3382972754" sldId="1413"/>
-            <ac:spMk id="17" creationId="{C12BDAF0-36F0-62EC-094A-8BD697879CBC}"/>
-          </ac:spMkLst>
-        </pc:spChg>
-        <pc:picChg chg="add mod">
-          <ac:chgData name="佐藤　寛也" userId="27837c8b-abaf-4096-b544-58e4cbe7054e" providerId="ADAL" clId="{D782517A-6EEC-4BE8-9276-5095CD46E241}" dt="2024-09-04T09:18:33.067" v="1373" actId="1440"/>
-          <ac:picMkLst>
-            <pc:docMk/>
-            <pc:sldMk cId="3382972754" sldId="1413"/>
-            <ac:picMk id="10" creationId="{F746CA7C-8194-9C46-DB33-869204A3EBE8}"/>
-          </ac:picMkLst>
-        </pc:picChg>
-        <pc:picChg chg="add del mod">
-          <ac:chgData name="佐藤　寛也" userId="27837c8b-abaf-4096-b544-58e4cbe7054e" providerId="ADAL" clId="{D782517A-6EEC-4BE8-9276-5095CD46E241}" dt="2024-09-04T09:18:26.009" v="1372" actId="478"/>
-          <ac:picMkLst>
-            <pc:docMk/>
-            <pc:sldMk cId="3382972754" sldId="1413"/>
-            <ac:picMk id="11" creationId="{5A34177C-546D-2BDD-0A66-8A90A4897931}"/>
-          </ac:picMkLst>
-        </pc:picChg>
-        <pc:cxnChg chg="add del mod">
-          <ac:chgData name="佐藤　寛也" userId="27837c8b-abaf-4096-b544-58e4cbe7054e" providerId="ADAL" clId="{D782517A-6EEC-4BE8-9276-5095CD46E241}" dt="2024-09-04T09:18:52.208" v="1375" actId="478"/>
-          <ac:cxnSpMkLst>
-            <pc:docMk/>
-            <pc:sldMk cId="3382972754" sldId="1413"/>
-            <ac:cxnSpMk id="14" creationId="{83AB3EC5-D7B4-4BE2-4D84-24F7025F4CF7}"/>
-          </ac:cxnSpMkLst>
-        </pc:cxnChg>
-      </pc:sldChg>
-      <pc:sldChg chg="modSp new mod">
-        <pc:chgData name="佐藤　寛也" userId="27837c8b-abaf-4096-b544-58e4cbe7054e" providerId="ADAL" clId="{D782517A-6EEC-4BE8-9276-5095CD46E241}" dt="2024-09-06T02:39:39.316" v="6799" actId="404"/>
-        <pc:sldMkLst>
-          <pc:docMk/>
-          <pc:sldMk cId="2120517053" sldId="1414"/>
-        </pc:sldMkLst>
-        <pc:spChg chg="mod">
-          <ac:chgData name="佐藤　寛也" userId="27837c8b-abaf-4096-b544-58e4cbe7054e" providerId="ADAL" clId="{D782517A-6EEC-4BE8-9276-5095CD46E241}" dt="2024-09-04T09:21:30.852" v="1812" actId="20577"/>
-          <ac:spMkLst>
-            <pc:docMk/>
-            <pc:sldMk cId="2120517053" sldId="1414"/>
-            <ac:spMk id="2" creationId="{FAE18957-26C3-8EA5-5A84-9D18DFC71376}"/>
-          </ac:spMkLst>
-        </pc:spChg>
-        <pc:spChg chg="mod">
-          <ac:chgData name="佐藤　寛也" userId="27837c8b-abaf-4096-b544-58e4cbe7054e" providerId="ADAL" clId="{D782517A-6EEC-4BE8-9276-5095CD46E241}" dt="2024-09-06T02:39:39.316" v="6799" actId="404"/>
-          <ac:spMkLst>
-            <pc:docMk/>
-            <pc:sldMk cId="2120517053" sldId="1414"/>
-            <ac:spMk id="3" creationId="{682FFDA6-C37E-5E8F-9BF7-228E6F6126CC}"/>
-          </ac:spMkLst>
-        </pc:spChg>
-      </pc:sldChg>
-      <pc:sldChg chg="addSp delSp modSp new mod">
-        <pc:chgData name="佐藤　寛也" userId="27837c8b-abaf-4096-b544-58e4cbe7054e" providerId="ADAL" clId="{D782517A-6EEC-4BE8-9276-5095CD46E241}" dt="2024-09-06T02:36:53.474" v="6762"/>
-        <pc:sldMkLst>
-          <pc:docMk/>
-          <pc:sldMk cId="280065061" sldId="1415"/>
-        </pc:sldMkLst>
-        <pc:spChg chg="mod">
-          <ac:chgData name="佐藤　寛也" userId="27837c8b-abaf-4096-b544-58e4cbe7054e" providerId="ADAL" clId="{D782517A-6EEC-4BE8-9276-5095CD46E241}" dt="2024-09-05T09:30:48.635" v="5926" actId="20577"/>
-          <ac:spMkLst>
-            <pc:docMk/>
-            <pc:sldMk cId="280065061" sldId="1415"/>
-            <ac:spMk id="2" creationId="{73D96D70-55AD-6EC5-9262-07560A188B4A}"/>
-          </ac:spMkLst>
-        </pc:spChg>
-        <pc:spChg chg="add mod">
-          <ac:chgData name="佐藤　寛也" userId="27837c8b-abaf-4096-b544-58e4cbe7054e" providerId="ADAL" clId="{D782517A-6EEC-4BE8-9276-5095CD46E241}" dt="2024-09-06T02:36:26.536" v="6760" actId="14100"/>
-          <ac:spMkLst>
-            <pc:docMk/>
-            <pc:sldMk cId="280065061" sldId="1415"/>
-            <ac:spMk id="3" creationId="{4FA194A5-F836-C301-D12F-D2FD637C0AF7}"/>
-          </ac:spMkLst>
-        </pc:spChg>
-        <pc:spChg chg="del">
-          <ac:chgData name="佐藤　寛也" userId="27837c8b-abaf-4096-b544-58e4cbe7054e" providerId="ADAL" clId="{D782517A-6EEC-4BE8-9276-5095CD46E241}" dt="2024-09-04T09:23:41.304" v="2125" actId="478"/>
-          <ac:spMkLst>
-            <pc:docMk/>
-            <pc:sldMk cId="280065061" sldId="1415"/>
-            <ac:spMk id="3" creationId="{F1E0E57A-8161-2EF7-5D6D-7706931FC232}"/>
-          </ac:spMkLst>
-        </pc:spChg>
-        <pc:spChg chg="add del mod">
-          <ac:chgData name="佐藤　寛也" userId="27837c8b-abaf-4096-b544-58e4cbe7054e" providerId="ADAL" clId="{D782517A-6EEC-4BE8-9276-5095CD46E241}" dt="2024-09-05T09:30:33.086" v="5869" actId="478"/>
-          <ac:spMkLst>
-            <pc:docMk/>
-            <pc:sldMk cId="280065061" sldId="1415"/>
-            <ac:spMk id="7" creationId="{D547DFD9-CFF7-4214-A553-AE25B9AC6B05}"/>
-          </ac:spMkLst>
-        </pc:spChg>
-        <pc:spChg chg="add del mod">
-          <ac:chgData name="佐藤　寛也" userId="27837c8b-abaf-4096-b544-58e4cbe7054e" providerId="ADAL" clId="{D782517A-6EEC-4BE8-9276-5095CD46E241}" dt="2024-09-05T09:30:33.086" v="5869" actId="478"/>
-          <ac:spMkLst>
-            <pc:docMk/>
-            <pc:sldMk cId="280065061" sldId="1415"/>
-            <ac:spMk id="8" creationId="{C6BA27F8-6BA9-402D-CC66-9F1DC33FF27F}"/>
-          </ac:spMkLst>
-        </pc:spChg>
-        <pc:spChg chg="add del mod">
-          <ac:chgData name="佐藤　寛也" userId="27837c8b-abaf-4096-b544-58e4cbe7054e" providerId="ADAL" clId="{D782517A-6EEC-4BE8-9276-5095CD46E241}" dt="2024-09-05T09:30:33.086" v="5869" actId="478"/>
-          <ac:spMkLst>
-            <pc:docMk/>
-            <pc:sldMk cId="280065061" sldId="1415"/>
-            <ac:spMk id="9" creationId="{C131C919-BD81-193D-6F0F-7700F0787423}"/>
-          </ac:spMkLst>
-        </pc:spChg>
-        <pc:spChg chg="add del mod">
-          <ac:chgData name="佐藤　寛也" userId="27837c8b-abaf-4096-b544-58e4cbe7054e" providerId="ADAL" clId="{D782517A-6EEC-4BE8-9276-5095CD46E241}" dt="2024-09-05T09:30:33.086" v="5869" actId="478"/>
-          <ac:spMkLst>
-            <pc:docMk/>
-            <pc:sldMk cId="280065061" sldId="1415"/>
-            <ac:spMk id="10" creationId="{BC4F78B7-614E-DE61-64D9-624F191B02A6}"/>
-          </ac:spMkLst>
-        </pc:spChg>
-        <pc:spChg chg="add del mod">
-          <ac:chgData name="佐藤　寛也" userId="27837c8b-abaf-4096-b544-58e4cbe7054e" providerId="ADAL" clId="{D782517A-6EEC-4BE8-9276-5095CD46E241}" dt="2024-09-05T09:30:33.086" v="5869" actId="478"/>
-          <ac:spMkLst>
-            <pc:docMk/>
-            <pc:sldMk cId="280065061" sldId="1415"/>
-            <ac:spMk id="13" creationId="{28A4974C-390F-AFE2-BCF4-679B1797366D}"/>
-          </ac:spMkLst>
-        </pc:spChg>
-        <pc:spChg chg="add del mod">
-          <ac:chgData name="佐藤　寛也" userId="27837c8b-abaf-4096-b544-58e4cbe7054e" providerId="ADAL" clId="{D782517A-6EEC-4BE8-9276-5095CD46E241}" dt="2024-09-05T09:30:33.086" v="5869" actId="478"/>
-          <ac:spMkLst>
-            <pc:docMk/>
-            <pc:sldMk cId="280065061" sldId="1415"/>
-            <ac:spMk id="14" creationId="{6FED4C69-E546-D7D9-B788-EE9FB22E8DFD}"/>
-          </ac:spMkLst>
-        </pc:spChg>
-        <pc:spChg chg="add mod">
-          <ac:chgData name="佐藤　寛也" userId="27837c8b-abaf-4096-b544-58e4cbe7054e" providerId="ADAL" clId="{D782517A-6EEC-4BE8-9276-5095CD46E241}" dt="2024-09-06T02:36:30.932" v="6761" actId="14100"/>
-          <ac:spMkLst>
-            <pc:docMk/>
-            <pc:sldMk cId="280065061" sldId="1415"/>
-            <ac:spMk id="15" creationId="{D7A50032-AE6D-F574-DE64-2566C7AC51F2}"/>
-          </ac:spMkLst>
-        </pc:spChg>
-        <pc:spChg chg="add mod">
-          <ac:chgData name="佐藤　寛也" userId="27837c8b-abaf-4096-b544-58e4cbe7054e" providerId="ADAL" clId="{D782517A-6EEC-4BE8-9276-5095CD46E241}" dt="2024-09-05T09:31:01.546" v="5927"/>
-          <ac:spMkLst>
-            <pc:docMk/>
-            <pc:sldMk cId="280065061" sldId="1415"/>
-            <ac:spMk id="16" creationId="{0F258525-323D-3E80-7D32-75F91DFD1C34}"/>
-          </ac:spMkLst>
-        </pc:spChg>
-        <pc:spChg chg="add mod">
-          <ac:chgData name="佐藤　寛也" userId="27837c8b-abaf-4096-b544-58e4cbe7054e" providerId="ADAL" clId="{D782517A-6EEC-4BE8-9276-5095CD46E241}" dt="2024-09-05T09:31:01.546" v="5927"/>
-          <ac:spMkLst>
-            <pc:docMk/>
-            <pc:sldMk cId="280065061" sldId="1415"/>
-            <ac:spMk id="17" creationId="{5C471CC3-6DEA-57E4-0673-F716882A4E9B}"/>
-          </ac:spMkLst>
-        </pc:spChg>
-        <pc:spChg chg="add mod">
-          <ac:chgData name="佐藤　寛也" userId="27837c8b-abaf-4096-b544-58e4cbe7054e" providerId="ADAL" clId="{D782517A-6EEC-4BE8-9276-5095CD46E241}" dt="2024-09-05T09:31:01.546" v="5927"/>
-          <ac:spMkLst>
-            <pc:docMk/>
-            <pc:sldMk cId="280065061" sldId="1415"/>
-            <ac:spMk id="18" creationId="{8FAAC9A2-0326-9C4F-EE92-26C230C1E3B2}"/>
-          </ac:spMkLst>
-        </pc:spChg>
-        <pc:spChg chg="add mod">
-          <ac:chgData name="佐藤　寛也" userId="27837c8b-abaf-4096-b544-58e4cbe7054e" providerId="ADAL" clId="{D782517A-6EEC-4BE8-9276-5095CD46E241}" dt="2024-09-05T09:31:01.546" v="5927"/>
-          <ac:spMkLst>
-            <pc:docMk/>
-            <pc:sldMk cId="280065061" sldId="1415"/>
-            <ac:spMk id="19" creationId="{DC3A6006-9CAE-814F-F3F5-44840088FF50}"/>
-          </ac:spMkLst>
-        </pc:spChg>
-        <pc:spChg chg="add mod">
-          <ac:chgData name="佐藤　寛也" userId="27837c8b-abaf-4096-b544-58e4cbe7054e" providerId="ADAL" clId="{D782517A-6EEC-4BE8-9276-5095CD46E241}" dt="2024-09-05T09:31:01.546" v="5927"/>
-          <ac:spMkLst>
-            <pc:docMk/>
-            <pc:sldMk cId="280065061" sldId="1415"/>
-            <ac:spMk id="20" creationId="{3A183F5E-F561-5540-B0EF-67D22D22B561}"/>
-          </ac:spMkLst>
-        </pc:spChg>
-        <pc:spChg chg="add mod">
-          <ac:chgData name="佐藤　寛也" userId="27837c8b-abaf-4096-b544-58e4cbe7054e" providerId="ADAL" clId="{D782517A-6EEC-4BE8-9276-5095CD46E241}" dt="2024-09-05T09:31:01.546" v="5927"/>
-          <ac:spMkLst>
-            <pc:docMk/>
-            <pc:sldMk cId="280065061" sldId="1415"/>
-            <ac:spMk id="21" creationId="{CE445761-A2C4-3F04-0C7D-FFA07D8F915F}"/>
-          </ac:spMkLst>
-        </pc:spChg>
-        <pc:spChg chg="add mod">
-          <ac:chgData name="佐藤　寛也" userId="27837c8b-abaf-4096-b544-58e4cbe7054e" providerId="ADAL" clId="{D782517A-6EEC-4BE8-9276-5095CD46E241}" dt="2024-09-05T09:31:58.709" v="6118" actId="1076"/>
-          <ac:spMkLst>
-            <pc:docMk/>
-            <pc:sldMk cId="280065061" sldId="1415"/>
-            <ac:spMk id="24" creationId="{2400BA5F-4570-6090-5036-ACAF072FE8D8}"/>
-          </ac:spMkLst>
-        </pc:spChg>
-        <pc:spChg chg="add mod">
-          <ac:chgData name="佐藤　寛也" userId="27837c8b-abaf-4096-b544-58e4cbe7054e" providerId="ADAL" clId="{D782517A-6EEC-4BE8-9276-5095CD46E241}" dt="2024-09-05T09:31:50.072" v="6115" actId="1076"/>
-          <ac:spMkLst>
-            <pc:docMk/>
-            <pc:sldMk cId="280065061" sldId="1415"/>
-            <ac:spMk id="25" creationId="{0B4AF609-188F-BE8E-F17F-E51295358B7C}"/>
-          </ac:spMkLst>
-        </pc:spChg>
-        <pc:spChg chg="add mod">
-          <ac:chgData name="佐藤　寛也" userId="27837c8b-abaf-4096-b544-58e4cbe7054e" providerId="ADAL" clId="{D782517A-6EEC-4BE8-9276-5095CD46E241}" dt="2024-09-05T09:31:50.072" v="6115" actId="1076"/>
-          <ac:spMkLst>
-            <pc:docMk/>
-            <pc:sldMk cId="280065061" sldId="1415"/>
-            <ac:spMk id="26" creationId="{67E4B03F-E0E5-33C2-010F-CBEE2A38FB84}"/>
-          </ac:spMkLst>
-        </pc:spChg>
-        <pc:spChg chg="add mod">
-          <ac:chgData name="佐藤　寛也" userId="27837c8b-abaf-4096-b544-58e4cbe7054e" providerId="ADAL" clId="{D782517A-6EEC-4BE8-9276-5095CD46E241}" dt="2024-09-05T09:32:03.400" v="6132" actId="20577"/>
-          <ac:spMkLst>
-            <pc:docMk/>
-            <pc:sldMk cId="280065061" sldId="1415"/>
-            <ac:spMk id="33" creationId="{C5884E32-15BE-9796-7007-8B2CBA0657CC}"/>
-          </ac:spMkLst>
-        </pc:spChg>
-        <pc:spChg chg="add mod">
-          <ac:chgData name="佐藤　寛也" userId="27837c8b-abaf-4096-b544-58e4cbe7054e" providerId="ADAL" clId="{D782517A-6EEC-4BE8-9276-5095CD46E241}" dt="2024-09-05T09:32:07.249" v="6146" actId="20577"/>
-          <ac:spMkLst>
-            <pc:docMk/>
-            <pc:sldMk cId="280065061" sldId="1415"/>
-            <ac:spMk id="34" creationId="{FBE78A2C-E5BE-E92A-7606-735354C746F9}"/>
-          </ac:spMkLst>
-        </pc:spChg>
-        <pc:spChg chg="add mod">
-          <ac:chgData name="佐藤　寛也" userId="27837c8b-abaf-4096-b544-58e4cbe7054e" providerId="ADAL" clId="{D782517A-6EEC-4BE8-9276-5095CD46E241}" dt="2024-09-05T09:32:33.373" v="6271" actId="20577"/>
-          <ac:spMkLst>
-            <pc:docMk/>
-            <pc:sldMk cId="280065061" sldId="1415"/>
-            <ac:spMk id="35" creationId="{17548E4C-4974-C923-C6D3-48C437D538A9}"/>
-          </ac:spMkLst>
-        </pc:spChg>
-        <pc:spChg chg="add mod">
-          <ac:chgData name="佐藤　寛也" userId="27837c8b-abaf-4096-b544-58e4cbe7054e" providerId="ADAL" clId="{D782517A-6EEC-4BE8-9276-5095CD46E241}" dt="2024-09-05T09:32:20.258" v="6186" actId="1076"/>
-          <ac:spMkLst>
-            <pc:docMk/>
-            <pc:sldMk cId="280065061" sldId="1415"/>
-            <ac:spMk id="36" creationId="{7759D759-1020-CE63-05C9-EFFB13A48504}"/>
-          </ac:spMkLst>
-        </pc:spChg>
-        <pc:spChg chg="add mod">
-          <ac:chgData name="佐藤　寛也" userId="27837c8b-abaf-4096-b544-58e4cbe7054e" providerId="ADAL" clId="{D782517A-6EEC-4BE8-9276-5095CD46E241}" dt="2024-09-06T02:36:17.480" v="6759" actId="14100"/>
-          <ac:spMkLst>
-            <pc:docMk/>
-            <pc:sldMk cId="280065061" sldId="1415"/>
-            <ac:spMk id="37" creationId="{0D9934D8-5C77-1520-9E2B-546BCCBD8A69}"/>
-          </ac:spMkLst>
-        </pc:spChg>
-        <pc:spChg chg="add mod">
-          <ac:chgData name="佐藤　寛也" userId="27837c8b-abaf-4096-b544-58e4cbe7054e" providerId="ADAL" clId="{D782517A-6EEC-4BE8-9276-5095CD46E241}" dt="2024-09-06T02:36:06.291" v="6756" actId="20577"/>
-          <ac:spMkLst>
-            <pc:docMk/>
-            <pc:sldMk cId="280065061" sldId="1415"/>
-            <ac:spMk id="38" creationId="{42EE68A3-27A8-9180-7240-17990AE803E3}"/>
-          </ac:spMkLst>
-        </pc:spChg>
-        <pc:spChg chg="add mod">
-          <ac:chgData name="佐藤　寛也" userId="27837c8b-abaf-4096-b544-58e4cbe7054e" providerId="ADAL" clId="{D782517A-6EEC-4BE8-9276-5095CD46E241}" dt="2024-09-05T09:31:01.546" v="5927"/>
-          <ac:spMkLst>
-            <pc:docMk/>
-            <pc:sldMk cId="280065061" sldId="1415"/>
-            <ac:spMk id="39" creationId="{1F5275DD-5665-6E5F-1D0B-5F18A1484C9C}"/>
-          </ac:spMkLst>
-        </pc:spChg>
-        <pc:spChg chg="add mod">
-          <ac:chgData name="佐藤　寛也" userId="27837c8b-abaf-4096-b544-58e4cbe7054e" providerId="ADAL" clId="{D782517A-6EEC-4BE8-9276-5095CD46E241}" dt="2024-09-06T02:36:53.474" v="6762"/>
-          <ac:spMkLst>
-            <pc:docMk/>
-            <pc:sldMk cId="280065061" sldId="1415"/>
-            <ac:spMk id="40" creationId="{5930DDD1-6ABB-73E1-C478-67277540723D}"/>
-          </ac:spMkLst>
-        </pc:spChg>
-        <pc:picChg chg="add del mod">
-          <ac:chgData name="佐藤　寛也" userId="27837c8b-abaf-4096-b544-58e4cbe7054e" providerId="ADAL" clId="{D782517A-6EEC-4BE8-9276-5095CD46E241}" dt="2024-09-05T09:30:33.086" v="5869" actId="478"/>
-          <ac:picMkLst>
-            <pc:docMk/>
-            <pc:sldMk cId="280065061" sldId="1415"/>
-            <ac:picMk id="11" creationId="{C7E24980-4E35-E493-AFBC-15D04975337B}"/>
-          </ac:picMkLst>
-        </pc:picChg>
-        <pc:picChg chg="add del mod">
-          <ac:chgData name="佐藤　寛也" userId="27837c8b-abaf-4096-b544-58e4cbe7054e" providerId="ADAL" clId="{D782517A-6EEC-4BE8-9276-5095CD46E241}" dt="2024-09-05T09:30:33.086" v="5869" actId="478"/>
-          <ac:picMkLst>
-            <pc:docMk/>
-            <pc:sldMk cId="280065061" sldId="1415"/>
-            <ac:picMk id="12" creationId="{086F1795-96BF-DCBE-E0D4-B1800B627D6A}"/>
-          </ac:picMkLst>
-        </pc:picChg>
-        <pc:picChg chg="add mod">
-          <ac:chgData name="佐藤　寛也" userId="27837c8b-abaf-4096-b544-58e4cbe7054e" providerId="ADAL" clId="{D782517A-6EEC-4BE8-9276-5095CD46E241}" dt="2024-09-05T09:31:01.546" v="5927"/>
-          <ac:picMkLst>
-            <pc:docMk/>
-            <pc:sldMk cId="280065061" sldId="1415"/>
-            <ac:picMk id="22" creationId="{B91D660A-3B0E-3A10-4C23-05FB950E2FBE}"/>
-          </ac:picMkLst>
-        </pc:picChg>
-        <pc:picChg chg="add mod">
-          <ac:chgData name="佐藤　寛也" userId="27837c8b-abaf-4096-b544-58e4cbe7054e" providerId="ADAL" clId="{D782517A-6EEC-4BE8-9276-5095CD46E241}" dt="2024-09-05T09:31:01.546" v="5927"/>
-          <ac:picMkLst>
-            <pc:docMk/>
-            <pc:sldMk cId="280065061" sldId="1415"/>
-            <ac:picMk id="23" creationId="{6218B996-9C5D-74AD-1A2B-489BA3E1FEB2}"/>
-          </ac:picMkLst>
-        </pc:picChg>
-        <pc:cxnChg chg="add mod">
-          <ac:chgData name="佐藤　寛也" userId="27837c8b-abaf-4096-b544-58e4cbe7054e" providerId="ADAL" clId="{D782517A-6EEC-4BE8-9276-5095CD46E241}" dt="2024-09-05T09:31:01.546" v="5927"/>
-          <ac:cxnSpMkLst>
-            <pc:docMk/>
-            <pc:sldMk cId="280065061" sldId="1415"/>
-            <ac:cxnSpMk id="27" creationId="{5E8BF768-6E6D-114A-0F48-5ED31402A4CA}"/>
-          </ac:cxnSpMkLst>
-        </pc:cxnChg>
-        <pc:cxnChg chg="add mod">
-          <ac:chgData name="佐藤　寛也" userId="27837c8b-abaf-4096-b544-58e4cbe7054e" providerId="ADAL" clId="{D782517A-6EEC-4BE8-9276-5095CD46E241}" dt="2024-09-05T09:31:46.871" v="6114" actId="1076"/>
-          <ac:cxnSpMkLst>
-            <pc:docMk/>
-            <pc:sldMk cId="280065061" sldId="1415"/>
-            <ac:cxnSpMk id="28" creationId="{6D7DE1F9-15D3-BE47-FDCD-D1DC456016E8}"/>
-          </ac:cxnSpMkLst>
-        </pc:cxnChg>
-        <pc:cxnChg chg="add mod">
-          <ac:chgData name="佐藤　寛也" userId="27837c8b-abaf-4096-b544-58e4cbe7054e" providerId="ADAL" clId="{D782517A-6EEC-4BE8-9276-5095CD46E241}" dt="2024-09-05T09:31:01.546" v="5927"/>
-          <ac:cxnSpMkLst>
-            <pc:docMk/>
-            <pc:sldMk cId="280065061" sldId="1415"/>
-            <ac:cxnSpMk id="29" creationId="{928E47C9-EBB7-BF84-86E6-76BE1A98F814}"/>
-          </ac:cxnSpMkLst>
-        </pc:cxnChg>
-        <pc:cxnChg chg="add mod">
-          <ac:chgData name="佐藤　寛也" userId="27837c8b-abaf-4096-b544-58e4cbe7054e" providerId="ADAL" clId="{D782517A-6EEC-4BE8-9276-5095CD46E241}" dt="2024-09-05T09:31:01.546" v="5927"/>
-          <ac:cxnSpMkLst>
-            <pc:docMk/>
-            <pc:sldMk cId="280065061" sldId="1415"/>
-            <ac:cxnSpMk id="30" creationId="{F7259F81-5004-392C-EE24-94ABAC8A83AD}"/>
-          </ac:cxnSpMkLst>
-        </pc:cxnChg>
-        <pc:cxnChg chg="add mod">
-          <ac:chgData name="佐藤　寛也" userId="27837c8b-abaf-4096-b544-58e4cbe7054e" providerId="ADAL" clId="{D782517A-6EEC-4BE8-9276-5095CD46E241}" dt="2024-09-05T09:31:01.546" v="5927"/>
-          <ac:cxnSpMkLst>
-            <pc:docMk/>
-            <pc:sldMk cId="280065061" sldId="1415"/>
-            <ac:cxnSpMk id="31" creationId="{19FE0F9D-D507-208F-0117-E80BE160CFE6}"/>
-          </ac:cxnSpMkLst>
-        </pc:cxnChg>
-        <pc:cxnChg chg="add mod">
-          <ac:chgData name="佐藤　寛也" userId="27837c8b-abaf-4096-b544-58e4cbe7054e" providerId="ADAL" clId="{D782517A-6EEC-4BE8-9276-5095CD46E241}" dt="2024-09-05T09:31:01.546" v="5927"/>
-          <ac:cxnSpMkLst>
-            <pc:docMk/>
-            <pc:sldMk cId="280065061" sldId="1415"/>
-            <ac:cxnSpMk id="32" creationId="{DA266337-E373-28B7-42EE-445418146652}"/>
-          </ac:cxnSpMkLst>
-        </pc:cxnChg>
-      </pc:sldChg>
-      <pc:sldChg chg="addSp delSp modSp new mod">
-        <pc:chgData name="佐藤　寛也" userId="27837c8b-abaf-4096-b544-58e4cbe7054e" providerId="ADAL" clId="{D782517A-6EEC-4BE8-9276-5095CD46E241}" dt="2024-09-06T02:36:53.474" v="6762"/>
-        <pc:sldMkLst>
-          <pc:docMk/>
-          <pc:sldMk cId="587048637" sldId="1416"/>
-        </pc:sldMkLst>
-        <pc:spChg chg="mod">
-          <ac:chgData name="佐藤　寛也" userId="27837c8b-abaf-4096-b544-58e4cbe7054e" providerId="ADAL" clId="{D782517A-6EEC-4BE8-9276-5095CD46E241}" dt="2024-09-05T09:28:22.465" v="5840" actId="20577"/>
-          <ac:spMkLst>
-            <pc:docMk/>
-            <pc:sldMk cId="587048637" sldId="1416"/>
-            <ac:spMk id="2" creationId="{253E151C-C2E5-CE4B-69C6-5A102FF83D32}"/>
-          </ac:spMkLst>
-        </pc:spChg>
-        <pc:spChg chg="add del mod">
-          <ac:chgData name="佐藤　寛也" userId="27837c8b-abaf-4096-b544-58e4cbe7054e" providerId="ADAL" clId="{D782517A-6EEC-4BE8-9276-5095CD46E241}" dt="2024-09-05T09:29:32.024" v="5857" actId="478"/>
-          <ac:spMkLst>
-            <pc:docMk/>
-            <pc:sldMk cId="587048637" sldId="1416"/>
-            <ac:spMk id="3" creationId="{21255158-FB61-BB12-023C-D48DF96B70BB}"/>
-          </ac:spMkLst>
-        </pc:spChg>
-        <pc:spChg chg="add del mod ord">
-          <ac:chgData name="佐藤　寛也" userId="27837c8b-abaf-4096-b544-58e4cbe7054e" providerId="ADAL" clId="{D782517A-6EEC-4BE8-9276-5095CD46E241}" dt="2024-09-05T09:29:35.049" v="5858" actId="478"/>
-          <ac:spMkLst>
-            <pc:docMk/>
-            <pc:sldMk cId="587048637" sldId="1416"/>
-            <ac:spMk id="7" creationId="{60D88B08-FB1C-3DA9-2F45-622369F40BF1}"/>
-          </ac:spMkLst>
-        </pc:spChg>
-        <pc:spChg chg="add del mod ord">
-          <ac:chgData name="佐藤　寛也" userId="27837c8b-abaf-4096-b544-58e4cbe7054e" providerId="ADAL" clId="{D782517A-6EEC-4BE8-9276-5095CD46E241}" dt="2024-09-05T09:29:32.024" v="5857" actId="478"/>
-          <ac:spMkLst>
-            <pc:docMk/>
-            <pc:sldMk cId="587048637" sldId="1416"/>
-            <ac:spMk id="9" creationId="{2D85509F-7BC4-4546-2BCE-D70B3530576C}"/>
-          </ac:spMkLst>
-        </pc:spChg>
-        <pc:spChg chg="add del mod">
-          <ac:chgData name="佐藤　寛也" userId="27837c8b-abaf-4096-b544-58e4cbe7054e" providerId="ADAL" clId="{D782517A-6EEC-4BE8-9276-5095CD46E241}" dt="2024-09-05T09:29:35.049" v="5858" actId="478"/>
-          <ac:spMkLst>
-            <pc:docMk/>
-            <pc:sldMk cId="587048637" sldId="1416"/>
-            <ac:spMk id="11" creationId="{E674AA33-749B-F715-A913-F93EBD19B628}"/>
-          </ac:spMkLst>
-        </pc:spChg>
-        <pc:spChg chg="add del mod">
-          <ac:chgData name="佐藤　寛也" userId="27837c8b-abaf-4096-b544-58e4cbe7054e" providerId="ADAL" clId="{D782517A-6EEC-4BE8-9276-5095CD46E241}" dt="2024-09-05T09:29:35.049" v="5858" actId="478"/>
-          <ac:spMkLst>
-            <pc:docMk/>
-            <pc:sldMk cId="587048637" sldId="1416"/>
-            <ac:spMk id="12" creationId="{580CB1E3-BC6F-E5DC-AED9-1E18361870FD}"/>
-          </ac:spMkLst>
-        </pc:spChg>
-        <pc:spChg chg="add del mod">
-          <ac:chgData name="佐藤　寛也" userId="27837c8b-abaf-4096-b544-58e4cbe7054e" providerId="ADAL" clId="{D782517A-6EEC-4BE8-9276-5095CD46E241}" dt="2024-09-05T09:29:35.049" v="5858" actId="478"/>
-          <ac:spMkLst>
-            <pc:docMk/>
-            <pc:sldMk cId="587048637" sldId="1416"/>
-            <ac:spMk id="13" creationId="{2F6FBD6B-021B-AC99-C402-F5BD5FD25E04}"/>
-          </ac:spMkLst>
-        </pc:spChg>
-        <pc:spChg chg="add del mod">
-          <ac:chgData name="佐藤　寛也" userId="27837c8b-abaf-4096-b544-58e4cbe7054e" providerId="ADAL" clId="{D782517A-6EEC-4BE8-9276-5095CD46E241}" dt="2024-09-05T09:28:30.864" v="5842" actId="478"/>
-          <ac:spMkLst>
-            <pc:docMk/>
-            <pc:sldMk cId="587048637" sldId="1416"/>
-            <ac:spMk id="15" creationId="{93FDF51F-FC49-479E-ADA8-A4E11F82C8EE}"/>
-          </ac:spMkLst>
-        </pc:spChg>
-        <pc:spChg chg="add del mod">
-          <ac:chgData name="佐藤　寛也" userId="27837c8b-abaf-4096-b544-58e4cbe7054e" providerId="ADAL" clId="{D782517A-6EEC-4BE8-9276-5095CD46E241}" dt="2024-09-04T09:38:48.640" v="3881" actId="478"/>
-          <ac:spMkLst>
-            <pc:docMk/>
-            <pc:sldMk cId="587048637" sldId="1416"/>
-            <ac:spMk id="15" creationId="{EBDBDA4B-6F87-D613-397C-F264A433A325}"/>
-          </ac:spMkLst>
-        </pc:spChg>
-        <pc:spChg chg="add del mod">
-          <ac:chgData name="佐藤　寛也" userId="27837c8b-abaf-4096-b544-58e4cbe7054e" providerId="ADAL" clId="{D782517A-6EEC-4BE8-9276-5095CD46E241}" dt="2024-09-05T09:29:35.049" v="5858" actId="478"/>
-          <ac:spMkLst>
-            <pc:docMk/>
-            <pc:sldMk cId="587048637" sldId="1416"/>
-            <ac:spMk id="16" creationId="{9D380A6B-5941-D2CB-5FB5-0D1E1DBFAC8A}"/>
-          </ac:spMkLst>
-        </pc:spChg>
-        <pc:spChg chg="add del mod">
-          <ac:chgData name="佐藤　寛也" userId="27837c8b-abaf-4096-b544-58e4cbe7054e" providerId="ADAL" clId="{D782517A-6EEC-4BE8-9276-5095CD46E241}" dt="2024-09-04T09:49:33.944" v="4120" actId="478"/>
-          <ac:spMkLst>
-            <pc:docMk/>
-            <pc:sldMk cId="587048637" sldId="1416"/>
-            <ac:spMk id="17" creationId="{6DC57CFA-6C11-5FD4-217E-D92E93F5BA29}"/>
-          </ac:spMkLst>
-        </pc:spChg>
-        <pc:spChg chg="add mod">
-          <ac:chgData name="佐藤　寛也" userId="27837c8b-abaf-4096-b544-58e4cbe7054e" providerId="ADAL" clId="{D782517A-6EEC-4BE8-9276-5095CD46E241}" dt="2024-09-05T09:29:54.307" v="5862" actId="20577"/>
-          <ac:spMkLst>
-            <pc:docMk/>
-            <pc:sldMk cId="587048637" sldId="1416"/>
-            <ac:spMk id="18" creationId="{4632BA00-03BF-5331-3496-2E8F9A876B8C}"/>
-          </ac:spMkLst>
-        </pc:spChg>
-        <pc:spChg chg="add mod">
-          <ac:chgData name="佐藤　寛也" userId="27837c8b-abaf-4096-b544-58e4cbe7054e" providerId="ADAL" clId="{D782517A-6EEC-4BE8-9276-5095CD46E241}" dt="2024-09-05T09:28:37.400" v="5844"/>
-          <ac:spMkLst>
-            <pc:docMk/>
-            <pc:sldMk cId="587048637" sldId="1416"/>
-            <ac:spMk id="20" creationId="{E6888122-B7A6-A0AB-FF5F-33BAFF44332F}"/>
-          </ac:spMkLst>
-        </pc:spChg>
-        <pc:spChg chg="add mod">
-          <ac:chgData name="佐藤　寛也" userId="27837c8b-abaf-4096-b544-58e4cbe7054e" providerId="ADAL" clId="{D782517A-6EEC-4BE8-9276-5095CD46E241}" dt="2024-09-05T09:28:37.400" v="5844"/>
-          <ac:spMkLst>
-            <pc:docMk/>
-            <pc:sldMk cId="587048637" sldId="1416"/>
-            <ac:spMk id="21" creationId="{81A131D0-0C14-AA1C-22D6-BC476DDAF3F6}"/>
-          </ac:spMkLst>
-        </pc:spChg>
-        <pc:spChg chg="add mod">
-          <ac:chgData name="佐藤　寛也" userId="27837c8b-abaf-4096-b544-58e4cbe7054e" providerId="ADAL" clId="{D782517A-6EEC-4BE8-9276-5095CD46E241}" dt="2024-09-05T09:28:37.400" v="5844"/>
-          <ac:spMkLst>
-            <pc:docMk/>
-            <pc:sldMk cId="587048637" sldId="1416"/>
-            <ac:spMk id="22" creationId="{9466C53A-96F9-C463-C91B-7609DC50447A}"/>
-          </ac:spMkLst>
-        </pc:spChg>
-        <pc:spChg chg="add del mod">
-          <ac:chgData name="佐藤　寛也" userId="27837c8b-abaf-4096-b544-58e4cbe7054e" providerId="ADAL" clId="{D782517A-6EEC-4BE8-9276-5095CD46E241}" dt="2024-09-05T09:29:37.856" v="5859" actId="478"/>
-          <ac:spMkLst>
-            <pc:docMk/>
-            <pc:sldMk cId="587048637" sldId="1416"/>
-            <ac:spMk id="24" creationId="{C2DD4721-FEA5-781C-E15A-5BC667DDDE3C}"/>
-          </ac:spMkLst>
-        </pc:spChg>
-        <pc:graphicFrameChg chg="add del mod modGraphic">
-          <ac:chgData name="佐藤　寛也" userId="27837c8b-abaf-4096-b544-58e4cbe7054e" providerId="ADAL" clId="{D782517A-6EEC-4BE8-9276-5095CD46E241}" dt="2024-09-05T09:29:35.049" v="5858" actId="478"/>
-          <ac:graphicFrameMkLst>
-            <pc:docMk/>
-            <pc:sldMk cId="587048637" sldId="1416"/>
-            <ac:graphicFrameMk id="8" creationId="{79812873-DD09-60D6-8244-76C0E102C604}"/>
-          </ac:graphicFrameMkLst>
-        </pc:graphicFrameChg>
-        <pc:graphicFrameChg chg="add mod modGraphic">
-          <ac:chgData name="佐藤　寛也" userId="27837c8b-abaf-4096-b544-58e4cbe7054e" providerId="ADAL" clId="{D782517A-6EEC-4BE8-9276-5095CD46E241}" dt="2024-09-06T02:36:53.474" v="6762"/>
-          <ac:graphicFrameMkLst>
-            <pc:docMk/>
-            <pc:sldMk cId="587048637" sldId="1416"/>
-            <ac:graphicFrameMk id="17" creationId="{D598E27B-2F12-3947-B4FB-30788D772578}"/>
-          </ac:graphicFrameMkLst>
-        </pc:graphicFrameChg>
-        <pc:cxnChg chg="add del mod">
-          <ac:chgData name="佐藤　寛也" userId="27837c8b-abaf-4096-b544-58e4cbe7054e" providerId="ADAL" clId="{D782517A-6EEC-4BE8-9276-5095CD46E241}" dt="2024-09-05T09:29:35.049" v="5858" actId="478"/>
-          <ac:cxnSpMkLst>
-            <pc:docMk/>
-            <pc:sldMk cId="587048637" sldId="1416"/>
-            <ac:cxnSpMk id="10" creationId="{DCB07FDD-41EC-B154-4C1A-D2A849AE5BF5}"/>
-          </ac:cxnSpMkLst>
-        </pc:cxnChg>
-        <pc:cxnChg chg="add mod">
-          <ac:chgData name="佐藤　寛也" userId="27837c8b-abaf-4096-b544-58e4cbe7054e" providerId="ADAL" clId="{D782517A-6EEC-4BE8-9276-5095CD46E241}" dt="2024-09-05T09:28:37.400" v="5844"/>
-          <ac:cxnSpMkLst>
-            <pc:docMk/>
-            <pc:sldMk cId="587048637" sldId="1416"/>
-            <ac:cxnSpMk id="19" creationId="{346CFACB-6378-D965-83D9-A4478423A03A}"/>
-          </ac:cxnSpMkLst>
-        </pc:cxnChg>
-      </pc:sldChg>
-      <pc:sldChg chg="addSp delSp modSp new mod">
-        <pc:chgData name="佐藤　寛也" userId="27837c8b-abaf-4096-b544-58e4cbe7054e" providerId="ADAL" clId="{D782517A-6EEC-4BE8-9276-5095CD46E241}" dt="2024-09-06T02:36:53.474" v="6762"/>
-        <pc:sldMkLst>
-          <pc:docMk/>
-          <pc:sldMk cId="560223129" sldId="1417"/>
-        </pc:sldMkLst>
-        <pc:spChg chg="add del mod">
-          <ac:chgData name="佐藤　寛也" userId="27837c8b-abaf-4096-b544-58e4cbe7054e" providerId="ADAL" clId="{D782517A-6EEC-4BE8-9276-5095CD46E241}" dt="2024-09-04T09:50:09.346" v="4127" actId="20577"/>
-          <ac:spMkLst>
-            <pc:docMk/>
-            <pc:sldMk cId="560223129" sldId="1417"/>
-            <ac:spMk id="2" creationId="{3BC28F1E-9FC6-06E3-2145-1C57475CFE2D}"/>
-          </ac:spMkLst>
-        </pc:spChg>
-        <pc:spChg chg="mod">
-          <ac:chgData name="佐藤　寛也" userId="27837c8b-abaf-4096-b544-58e4cbe7054e" providerId="ADAL" clId="{D782517A-6EEC-4BE8-9276-5095CD46E241}" dt="2024-09-06T02:36:53.474" v="6762"/>
-          <ac:spMkLst>
-            <pc:docMk/>
-            <pc:sldMk cId="560223129" sldId="1417"/>
-            <ac:spMk id="3" creationId="{B7675BA7-6A09-56DE-240D-20DC08C8027E}"/>
-          </ac:spMkLst>
-        </pc:spChg>
-        <pc:spChg chg="add mod">
-          <ac:chgData name="佐藤　寛也" userId="27837c8b-abaf-4096-b544-58e4cbe7054e" providerId="ADAL" clId="{D782517A-6EEC-4BE8-9276-5095CD46E241}" dt="2024-09-04T09:50:00.853" v="4124"/>
-          <ac:spMkLst>
-            <pc:docMk/>
-            <pc:sldMk cId="560223129" sldId="1417"/>
-            <ac:spMk id="7" creationId="{577892C1-C858-A925-298B-B67AE9993028}"/>
-          </ac:spMkLst>
-        </pc:spChg>
-      </pc:sldChg>
-      <pc:sldChg chg="addSp delSp modSp new mod">
-        <pc:chgData name="佐藤　寛也" userId="27837c8b-abaf-4096-b544-58e4cbe7054e" providerId="ADAL" clId="{D782517A-6EEC-4BE8-9276-5095CD46E241}" dt="2024-09-05T08:29:26.985" v="5168" actId="404"/>
-        <pc:sldMkLst>
-          <pc:docMk/>
-          <pc:sldMk cId="2199882969" sldId="1418"/>
-        </pc:sldMkLst>
-        <pc:spChg chg="mod">
-          <ac:chgData name="佐藤　寛也" userId="27837c8b-abaf-4096-b544-58e4cbe7054e" providerId="ADAL" clId="{D782517A-6EEC-4BE8-9276-5095CD46E241}" dt="2024-09-05T08:29:26.985" v="5168" actId="404"/>
-          <ac:spMkLst>
-            <pc:docMk/>
-            <pc:sldMk cId="2199882969" sldId="1418"/>
-            <ac:spMk id="2" creationId="{449DD606-1C68-E1FE-0141-29ECDF9C9FD7}"/>
-          </ac:spMkLst>
-        </pc:spChg>
-        <pc:spChg chg="del">
-          <ac:chgData name="佐藤　寛也" userId="27837c8b-abaf-4096-b544-58e4cbe7054e" providerId="ADAL" clId="{D782517A-6EEC-4BE8-9276-5095CD46E241}" dt="2024-09-04T10:09:15.492" v="4493"/>
-          <ac:spMkLst>
-            <pc:docMk/>
-            <pc:sldMk cId="2199882969" sldId="1418"/>
-            <ac:spMk id="3" creationId="{E7E70ECB-DFC9-4C57-4AA5-98101AE1E81D}"/>
-          </ac:spMkLst>
-        </pc:spChg>
-        <pc:spChg chg="add del mod">
-          <ac:chgData name="佐藤　寛也" userId="27837c8b-abaf-4096-b544-58e4cbe7054e" providerId="ADAL" clId="{D782517A-6EEC-4BE8-9276-5095CD46E241}" dt="2024-09-04T10:09:47.386" v="4495" actId="478"/>
-          <ac:spMkLst>
-            <pc:docMk/>
-            <pc:sldMk cId="2199882969" sldId="1418"/>
-            <ac:spMk id="10" creationId="{CC99D3A5-86ED-00AF-D474-191E847E4777}"/>
-          </ac:spMkLst>
-        </pc:spChg>
-        <pc:spChg chg="add mod">
-          <ac:chgData name="佐藤　寛也" userId="27837c8b-abaf-4096-b544-58e4cbe7054e" providerId="ADAL" clId="{D782517A-6EEC-4BE8-9276-5095CD46E241}" dt="2024-09-04T10:09:47.612" v="4496"/>
-          <ac:spMkLst>
-            <pc:docMk/>
-            <pc:sldMk cId="2199882969" sldId="1418"/>
-            <ac:spMk id="12" creationId="{BC6EC199-35BC-1C0F-A7BC-CFFF674D0920}"/>
-          </ac:spMkLst>
-        </pc:spChg>
-        <pc:spChg chg="add mod">
-          <ac:chgData name="佐藤　寛也" userId="27837c8b-abaf-4096-b544-58e4cbe7054e" providerId="ADAL" clId="{D782517A-6EEC-4BE8-9276-5095CD46E241}" dt="2024-09-04T10:09:58.369" v="4534" actId="20577"/>
-          <ac:spMkLst>
-            <pc:docMk/>
-            <pc:sldMk cId="2199882969" sldId="1418"/>
-            <ac:spMk id="13" creationId="{E9977B25-B3DF-2B89-8008-7D901CDC09DB}"/>
-          </ac:spMkLst>
-        </pc:spChg>
-        <pc:spChg chg="add mod">
-          <ac:chgData name="佐藤　寛也" userId="27837c8b-abaf-4096-b544-58e4cbe7054e" providerId="ADAL" clId="{D782517A-6EEC-4BE8-9276-5095CD46E241}" dt="2024-09-04T10:09:47.612" v="4496"/>
-          <ac:spMkLst>
-            <pc:docMk/>
-            <pc:sldMk cId="2199882969" sldId="1418"/>
-            <ac:spMk id="14" creationId="{36D001C2-0D99-EFEA-F393-4EA127FF403E}"/>
-          </ac:spMkLst>
-        </pc:spChg>
-        <pc:spChg chg="add mod">
-          <ac:chgData name="佐藤　寛也" userId="27837c8b-abaf-4096-b544-58e4cbe7054e" providerId="ADAL" clId="{D782517A-6EEC-4BE8-9276-5095CD46E241}" dt="2024-09-04T10:10:02.622" v="4535" actId="14100"/>
-          <ac:spMkLst>
-            <pc:docMk/>
-            <pc:sldMk cId="2199882969" sldId="1418"/>
-            <ac:spMk id="16" creationId="{21BAC2A4-DB84-AC8E-3267-8BD3A429072C}"/>
-          </ac:spMkLst>
-        </pc:spChg>
-        <pc:picChg chg="add del mod">
-          <ac:chgData name="佐藤　寛也" userId="27837c8b-abaf-4096-b544-58e4cbe7054e" providerId="ADAL" clId="{D782517A-6EEC-4BE8-9276-5095CD46E241}" dt="2024-09-04T10:09:17.029" v="4494" actId="478"/>
-          <ac:picMkLst>
-            <pc:docMk/>
-            <pc:sldMk cId="2199882969" sldId="1418"/>
-            <ac:picMk id="8" creationId="{D08C2B27-2F57-1079-AC91-BD0C8C7A655C}"/>
-          </ac:picMkLst>
-        </pc:picChg>
-        <pc:picChg chg="add mod">
-          <ac:chgData name="佐藤　寛也" userId="27837c8b-abaf-4096-b544-58e4cbe7054e" providerId="ADAL" clId="{D782517A-6EEC-4BE8-9276-5095CD46E241}" dt="2024-09-04T10:09:47.612" v="4496"/>
-          <ac:picMkLst>
-            <pc:docMk/>
-            <pc:sldMk cId="2199882969" sldId="1418"/>
-            <ac:picMk id="11" creationId="{76DA6D21-ADD0-B510-BA5E-2D0BD2AE4D8A}"/>
-          </ac:picMkLst>
-        </pc:picChg>
-        <pc:picChg chg="add mod">
-          <ac:chgData name="佐藤　寛也" userId="27837c8b-abaf-4096-b544-58e4cbe7054e" providerId="ADAL" clId="{D782517A-6EEC-4BE8-9276-5095CD46E241}" dt="2024-09-04T10:09:47.612" v="4496"/>
-          <ac:picMkLst>
-            <pc:docMk/>
-            <pc:sldMk cId="2199882969" sldId="1418"/>
-            <ac:picMk id="15" creationId="{F38946CB-6AC5-0A66-FE30-D9619EADE054}"/>
-          </ac:picMkLst>
-        </pc:picChg>
-        <pc:cxnChg chg="add mod">
-          <ac:chgData name="佐藤　寛也" userId="27837c8b-abaf-4096-b544-58e4cbe7054e" providerId="ADAL" clId="{D782517A-6EEC-4BE8-9276-5095CD46E241}" dt="2024-09-04T10:09:47.612" v="4496"/>
-          <ac:cxnSpMkLst>
-            <pc:docMk/>
-            <pc:sldMk cId="2199882969" sldId="1418"/>
-            <ac:cxnSpMk id="17" creationId="{A2A2C931-D8EE-8216-1F2D-81A7DC8A6BF8}"/>
-          </ac:cxnSpMkLst>
-        </pc:cxnChg>
-      </pc:sldChg>
-      <pc:sldChg chg="addSp delSp modSp add mod">
-        <pc:chgData name="佐藤　寛也" userId="27837c8b-abaf-4096-b544-58e4cbe7054e" providerId="ADAL" clId="{D782517A-6EEC-4BE8-9276-5095CD46E241}" dt="2024-09-04T10:12:49.259" v="4659" actId="1035"/>
-        <pc:sldMkLst>
-          <pc:docMk/>
-          <pc:sldMk cId="3024699854" sldId="1419"/>
-        </pc:sldMkLst>
-        <pc:spChg chg="mod">
-          <ac:chgData name="佐藤　寛也" userId="27837c8b-abaf-4096-b544-58e4cbe7054e" providerId="ADAL" clId="{D782517A-6EEC-4BE8-9276-5095CD46E241}" dt="2024-09-04T10:10:16.179" v="4553" actId="20577"/>
-          <ac:spMkLst>
-            <pc:docMk/>
-            <pc:sldMk cId="3024699854" sldId="1419"/>
-            <ac:spMk id="2" creationId="{449DD606-1C68-E1FE-0141-29ECDF9C9FD7}"/>
-          </ac:spMkLst>
-        </pc:spChg>
-        <pc:spChg chg="add mod">
-          <ac:chgData name="佐藤　寛也" userId="27837c8b-abaf-4096-b544-58e4cbe7054e" providerId="ADAL" clId="{D782517A-6EEC-4BE8-9276-5095CD46E241}" dt="2024-09-04T10:10:42.463" v="4568" actId="1038"/>
-          <ac:spMkLst>
-            <pc:docMk/>
-            <pc:sldMk cId="3024699854" sldId="1419"/>
-            <ac:spMk id="3" creationId="{F02C6E98-5EAA-E59F-D682-FC8DD83D0C3E}"/>
-          </ac:spMkLst>
-        </pc:spChg>
-        <pc:spChg chg="add mod">
-          <ac:chgData name="佐藤　寛也" userId="27837c8b-abaf-4096-b544-58e4cbe7054e" providerId="ADAL" clId="{D782517A-6EEC-4BE8-9276-5095CD46E241}" dt="2024-09-04T10:11:15.707" v="4628" actId="1076"/>
-          <ac:spMkLst>
-            <pc:docMk/>
-            <pc:sldMk cId="3024699854" sldId="1419"/>
-            <ac:spMk id="7" creationId="{E46E2AC3-FB78-5F78-2DD1-96DC637AD2A4}"/>
-          </ac:spMkLst>
-        </pc:spChg>
-        <pc:spChg chg="add mod">
-          <ac:chgData name="佐藤　寛也" userId="27837c8b-abaf-4096-b544-58e4cbe7054e" providerId="ADAL" clId="{D782517A-6EEC-4BE8-9276-5095CD46E241}" dt="2024-09-04T10:10:42.463" v="4568" actId="1038"/>
-          <ac:spMkLst>
-            <pc:docMk/>
-            <pc:sldMk cId="3024699854" sldId="1419"/>
-            <ac:spMk id="8" creationId="{9044AA38-C67B-077B-86A2-F3433C1A7947}"/>
-          </ac:spMkLst>
-        </pc:spChg>
-        <pc:spChg chg="add mod">
-          <ac:chgData name="佐藤　寛也" userId="27837c8b-abaf-4096-b544-58e4cbe7054e" providerId="ADAL" clId="{D782517A-6EEC-4BE8-9276-5095CD46E241}" dt="2024-09-04T10:12:12.749" v="4637" actId="14100"/>
-          <ac:spMkLst>
-            <pc:docMk/>
-            <pc:sldMk cId="3024699854" sldId="1419"/>
-            <ac:spMk id="10" creationId="{DE238B01-1B4A-53DA-87C9-C38FBDB3C604}"/>
-          </ac:spMkLst>
-        </pc:spChg>
-        <pc:spChg chg="del">
-          <ac:chgData name="佐藤　寛也" userId="27837c8b-abaf-4096-b544-58e4cbe7054e" providerId="ADAL" clId="{D782517A-6EEC-4BE8-9276-5095CD46E241}" dt="2024-09-04T10:10:28.217" v="4554" actId="478"/>
-          <ac:spMkLst>
-            <pc:docMk/>
-            <pc:sldMk cId="3024699854" sldId="1419"/>
-            <ac:spMk id="12" creationId="{BC6EC199-35BC-1C0F-A7BC-CFFF674D0920}"/>
-          </ac:spMkLst>
-        </pc:spChg>
-        <pc:spChg chg="del">
-          <ac:chgData name="佐藤　寛也" userId="27837c8b-abaf-4096-b544-58e4cbe7054e" providerId="ADAL" clId="{D782517A-6EEC-4BE8-9276-5095CD46E241}" dt="2024-09-04T10:10:28.217" v="4554" actId="478"/>
-          <ac:spMkLst>
-            <pc:docMk/>
-            <pc:sldMk cId="3024699854" sldId="1419"/>
-            <ac:spMk id="13" creationId="{E9977B25-B3DF-2B89-8008-7D901CDC09DB}"/>
-          </ac:spMkLst>
-        </pc:spChg>
-        <pc:spChg chg="del">
-          <ac:chgData name="佐藤　寛也" userId="27837c8b-abaf-4096-b544-58e4cbe7054e" providerId="ADAL" clId="{D782517A-6EEC-4BE8-9276-5095CD46E241}" dt="2024-09-04T10:10:28.217" v="4554" actId="478"/>
-          <ac:spMkLst>
-            <pc:docMk/>
-            <pc:sldMk cId="3024699854" sldId="1419"/>
-            <ac:spMk id="14" creationId="{36D001C2-0D99-EFEA-F393-4EA127FF403E}"/>
-          </ac:spMkLst>
-        </pc:spChg>
-        <pc:spChg chg="del">
-          <ac:chgData name="佐藤　寛也" userId="27837c8b-abaf-4096-b544-58e4cbe7054e" providerId="ADAL" clId="{D782517A-6EEC-4BE8-9276-5095CD46E241}" dt="2024-09-04T10:10:28.217" v="4554" actId="478"/>
-          <ac:spMkLst>
-            <pc:docMk/>
-            <pc:sldMk cId="3024699854" sldId="1419"/>
-            <ac:spMk id="16" creationId="{21BAC2A4-DB84-AC8E-3267-8BD3A429072C}"/>
-          </ac:spMkLst>
-        </pc:spChg>
-        <pc:spChg chg="add mod">
-          <ac:chgData name="佐藤　寛也" userId="27837c8b-abaf-4096-b544-58e4cbe7054e" providerId="ADAL" clId="{D782517A-6EEC-4BE8-9276-5095CD46E241}" dt="2024-09-04T10:12:49.259" v="4659" actId="1035"/>
-          <ac:spMkLst>
-            <pc:docMk/>
-            <pc:sldMk cId="3024699854" sldId="1419"/>
-            <ac:spMk id="18" creationId="{911ECBB3-C11B-19F3-85F5-8067B11A0DBD}"/>
-          </ac:spMkLst>
-        </pc:spChg>
-        <pc:picChg chg="add del mod">
-          <ac:chgData name="佐藤　寛也" userId="27837c8b-abaf-4096-b544-58e4cbe7054e" providerId="ADAL" clId="{D782517A-6EEC-4BE8-9276-5095CD46E241}" dt="2024-09-04T10:12:02.227" v="4635" actId="478"/>
-          <ac:picMkLst>
-            <pc:docMk/>
-            <pc:sldMk cId="3024699854" sldId="1419"/>
-            <ac:picMk id="9" creationId="{05298641-FF2B-AC3C-4C1F-5E12AD287F46}"/>
-          </ac:picMkLst>
-        </pc:picChg>
-        <pc:picChg chg="ord">
-          <ac:chgData name="佐藤　寛也" userId="27837c8b-abaf-4096-b544-58e4cbe7054e" providerId="ADAL" clId="{D782517A-6EEC-4BE8-9276-5095CD46E241}" dt="2024-09-04T10:12:00.359" v="4634" actId="167"/>
-          <ac:picMkLst>
-            <pc:docMk/>
-            <pc:sldMk cId="3024699854" sldId="1419"/>
-            <ac:picMk id="11" creationId="{76DA6D21-ADD0-B510-BA5E-2D0BD2AE4D8A}"/>
-          </ac:picMkLst>
-        </pc:picChg>
-        <pc:picChg chg="del">
-          <ac:chgData name="佐藤　寛也" userId="27837c8b-abaf-4096-b544-58e4cbe7054e" providerId="ADAL" clId="{D782517A-6EEC-4BE8-9276-5095CD46E241}" dt="2024-09-04T10:10:28.217" v="4554" actId="478"/>
-          <ac:picMkLst>
-            <pc:docMk/>
-            <pc:sldMk cId="3024699854" sldId="1419"/>
-            <ac:picMk id="15" creationId="{F38946CB-6AC5-0A66-FE30-D9619EADE054}"/>
-          </ac:picMkLst>
-        </pc:picChg>
-        <pc:picChg chg="add mod ord">
-          <ac:chgData name="佐藤　寛也" userId="27837c8b-abaf-4096-b544-58e4cbe7054e" providerId="ADAL" clId="{D782517A-6EEC-4BE8-9276-5095CD46E241}" dt="2024-09-04T10:12:00.359" v="4634" actId="167"/>
-          <ac:picMkLst>
-            <pc:docMk/>
-            <pc:sldMk cId="3024699854" sldId="1419"/>
-            <ac:picMk id="20" creationId="{2DFEAFAA-EDEA-6071-3334-9F5ED64A2510}"/>
-          </ac:picMkLst>
-        </pc:picChg>
-        <pc:cxnChg chg="del">
-          <ac:chgData name="佐藤　寛也" userId="27837c8b-abaf-4096-b544-58e4cbe7054e" providerId="ADAL" clId="{D782517A-6EEC-4BE8-9276-5095CD46E241}" dt="2024-09-04T10:10:28.217" v="4554" actId="478"/>
-          <ac:cxnSpMkLst>
-            <pc:docMk/>
-            <pc:sldMk cId="3024699854" sldId="1419"/>
-            <ac:cxnSpMk id="17" creationId="{A2A2C931-D8EE-8216-1F2D-81A7DC8A6BF8}"/>
-          </ac:cxnSpMkLst>
-        </pc:cxnChg>
-      </pc:sldChg>
-      <pc:sldChg chg="modSp new mod">
-        <pc:chgData name="佐藤　寛也" userId="27837c8b-abaf-4096-b544-58e4cbe7054e" providerId="ADAL" clId="{D782517A-6EEC-4BE8-9276-5095CD46E241}" dt="2024-09-06T02:38:05.730" v="6782" actId="207"/>
-        <pc:sldMkLst>
-          <pc:docMk/>
-          <pc:sldMk cId="1419192454" sldId="1420"/>
-        </pc:sldMkLst>
-        <pc:spChg chg="mod">
-          <ac:chgData name="佐藤　寛也" userId="27837c8b-abaf-4096-b544-58e4cbe7054e" providerId="ADAL" clId="{D782517A-6EEC-4BE8-9276-5095CD46E241}" dt="2024-09-04T10:17:21.842" v="4742" actId="20577"/>
-          <ac:spMkLst>
-            <pc:docMk/>
-            <pc:sldMk cId="1419192454" sldId="1420"/>
-            <ac:spMk id="5" creationId="{4AB22881-DFCD-6E2C-748F-5F6AD5233E34}"/>
-          </ac:spMkLst>
-        </pc:spChg>
-        <pc:spChg chg="mod">
-          <ac:chgData name="佐藤　寛也" userId="27837c8b-abaf-4096-b544-58e4cbe7054e" providerId="ADAL" clId="{D782517A-6EEC-4BE8-9276-5095CD46E241}" dt="2024-09-06T02:38:05.730" v="6782" actId="207"/>
-          <ac:spMkLst>
-            <pc:docMk/>
-            <pc:sldMk cId="1419192454" sldId="1420"/>
-            <ac:spMk id="6" creationId="{9C19EF40-87C7-E25D-3087-074F52FC8E19}"/>
-          </ac:spMkLst>
-        </pc:spChg>
-      </pc:sldChg>
-      <pc:sldChg chg="addSp delSp modSp new mod">
-        <pc:chgData name="佐藤　寛也" userId="27837c8b-abaf-4096-b544-58e4cbe7054e" providerId="ADAL" clId="{D782517A-6EEC-4BE8-9276-5095CD46E241}" dt="2024-09-06T02:33:03.877" v="6641"/>
-        <pc:sldMkLst>
-          <pc:docMk/>
-          <pc:sldMk cId="432880966" sldId="1421"/>
-        </pc:sldMkLst>
-        <pc:spChg chg="del">
-          <ac:chgData name="佐藤　寛也" userId="27837c8b-abaf-4096-b544-58e4cbe7054e" providerId="ADAL" clId="{D782517A-6EEC-4BE8-9276-5095CD46E241}" dt="2024-09-05T08:26:15.088" v="5036" actId="478"/>
-          <ac:spMkLst>
-            <pc:docMk/>
-            <pc:sldMk cId="432880966" sldId="1421"/>
-            <ac:spMk id="5" creationId="{0234A3C0-42A0-3DE0-86A3-5E90D199D1EC}"/>
-          </ac:spMkLst>
-        </pc:spChg>
-        <pc:spChg chg="del">
-          <ac:chgData name="佐藤　寛也" userId="27837c8b-abaf-4096-b544-58e4cbe7054e" providerId="ADAL" clId="{D782517A-6EEC-4BE8-9276-5095CD46E241}" dt="2024-09-05T08:26:15.088" v="5036" actId="478"/>
-          <ac:spMkLst>
-            <pc:docMk/>
-            <pc:sldMk cId="432880966" sldId="1421"/>
-            <ac:spMk id="6" creationId="{218D37E1-0986-D45A-CE0F-85AB17BB103B}"/>
-          </ac:spMkLst>
-        </pc:spChg>
-        <pc:spChg chg="add mod">
-          <ac:chgData name="佐藤　寛也" userId="27837c8b-abaf-4096-b544-58e4cbe7054e" providerId="ADAL" clId="{D782517A-6EEC-4BE8-9276-5095CD46E241}" dt="2024-09-05T08:26:58.233" v="5061" actId="20577"/>
-          <ac:spMkLst>
-            <pc:docMk/>
-            <pc:sldMk cId="432880966" sldId="1421"/>
-            <ac:spMk id="8" creationId="{81BF60CF-5382-5B05-4AAD-45A518485A8B}"/>
-          </ac:spMkLst>
-        </pc:spChg>
-        <pc:spChg chg="add mod">
-          <ac:chgData name="佐藤　寛也" userId="27837c8b-abaf-4096-b544-58e4cbe7054e" providerId="ADAL" clId="{D782517A-6EEC-4BE8-9276-5095CD46E241}" dt="2024-09-06T02:33:03.877" v="6641"/>
-          <ac:spMkLst>
-            <pc:docMk/>
-            <pc:sldMk cId="432880966" sldId="1421"/>
-            <ac:spMk id="9" creationId="{24796AF9-9A12-D950-09D3-5B34945DABE1}"/>
-          </ac:spMkLst>
-        </pc:spChg>
-        <pc:spChg chg="add del mod">
-          <ac:chgData name="佐藤　寛也" userId="27837c8b-abaf-4096-b544-58e4cbe7054e" providerId="ADAL" clId="{D782517A-6EEC-4BE8-9276-5095CD46E241}" dt="2024-09-05T08:26:24.828" v="5038" actId="478"/>
-          <ac:spMkLst>
-            <pc:docMk/>
-            <pc:sldMk cId="432880966" sldId="1421"/>
-            <ac:spMk id="9" creationId="{E29549ED-1FD0-E0AF-6D29-E382E3F7FF54}"/>
-          </ac:spMkLst>
-        </pc:spChg>
-        <pc:spChg chg="add mod">
-          <ac:chgData name="佐藤　寛也" userId="27837c8b-abaf-4096-b544-58e4cbe7054e" providerId="ADAL" clId="{D782517A-6EEC-4BE8-9276-5095CD46E241}" dt="2024-09-06T02:32:56.908" v="6640"/>
-          <ac:spMkLst>
-            <pc:docMk/>
-            <pc:sldMk cId="432880966" sldId="1421"/>
-            <ac:spMk id="10" creationId="{1CE97182-AF61-DA29-5E23-CF620DF14267}"/>
-          </ac:spMkLst>
-        </pc:spChg>
-        <pc:spChg chg="add mod">
-          <ac:chgData name="佐藤　寛也" userId="27837c8b-abaf-4096-b544-58e4cbe7054e" providerId="ADAL" clId="{D782517A-6EEC-4BE8-9276-5095CD46E241}" dt="2024-09-06T02:33:03.877" v="6641"/>
-          <ac:spMkLst>
-            <pc:docMk/>
-            <pc:sldMk cId="432880966" sldId="1421"/>
-            <ac:spMk id="11" creationId="{00559C84-0275-2182-0D22-090E4F77BADC}"/>
-          </ac:spMkLst>
-        </pc:spChg>
-        <pc:spChg chg="add mod">
-          <ac:chgData name="佐藤　寛也" userId="27837c8b-abaf-4096-b544-58e4cbe7054e" providerId="ADAL" clId="{D782517A-6EEC-4BE8-9276-5095CD46E241}" dt="2024-09-06T02:33:03.877" v="6641"/>
-          <ac:spMkLst>
-            <pc:docMk/>
-            <pc:sldMk cId="432880966" sldId="1421"/>
-            <ac:spMk id="12" creationId="{F2B0805D-7C3C-32B4-9C87-B91783DF8A05}"/>
-          </ac:spMkLst>
-        </pc:spChg>
-        <pc:picChg chg="add mod">
-          <ac:chgData name="佐藤　寛也" userId="27837c8b-abaf-4096-b544-58e4cbe7054e" providerId="ADAL" clId="{D782517A-6EEC-4BE8-9276-5095CD46E241}" dt="2024-09-06T02:31:14.188" v="6591" actId="167"/>
-          <ac:picMkLst>
-            <pc:docMk/>
-            <pc:sldMk cId="432880966" sldId="1421"/>
-            <ac:picMk id="5" creationId="{41B181F0-E8C9-5791-6917-5FC56BA075AE}"/>
-          </ac:picMkLst>
-        </pc:picChg>
-        <pc:picChg chg="add mod">
-          <ac:chgData name="佐藤　寛也" userId="27837c8b-abaf-4096-b544-58e4cbe7054e" providerId="ADAL" clId="{D782517A-6EEC-4BE8-9276-5095CD46E241}" dt="2024-09-06T02:31:14.188" v="6591" actId="167"/>
-          <ac:picMkLst>
-            <pc:docMk/>
-            <pc:sldMk cId="432880966" sldId="1421"/>
-            <ac:picMk id="6" creationId="{7927A3CB-805A-CE95-0B6D-9A84BBAB7EE7}"/>
-          </ac:picMkLst>
-        </pc:picChg>
-        <pc:picChg chg="add del mod">
-          <ac:chgData name="佐藤　寛也" userId="27837c8b-abaf-4096-b544-58e4cbe7054e" providerId="ADAL" clId="{D782517A-6EEC-4BE8-9276-5095CD46E241}" dt="2024-09-06T02:31:10.781" v="6589" actId="478"/>
-          <ac:picMkLst>
-            <pc:docMk/>
-            <pc:sldMk cId="432880966" sldId="1421"/>
-            <ac:picMk id="7" creationId="{530D5B63-12EE-0C5A-C296-8E8F0EB503CC}"/>
-          </ac:picMkLst>
-        </pc:picChg>
-      </pc:sldChg>
-      <pc:sldChg chg="addSp delSp modSp add mod">
-        <pc:chgData name="佐藤　寛也" userId="27837c8b-abaf-4096-b544-58e4cbe7054e" providerId="ADAL" clId="{D782517A-6EEC-4BE8-9276-5095CD46E241}" dt="2024-09-06T02:33:05.936" v="6642"/>
-        <pc:sldMkLst>
-          <pc:docMk/>
-          <pc:sldMk cId="1161739486" sldId="1422"/>
-        </pc:sldMkLst>
-        <pc:spChg chg="add mod">
-          <ac:chgData name="佐藤　寛也" userId="27837c8b-abaf-4096-b544-58e4cbe7054e" providerId="ADAL" clId="{D782517A-6EEC-4BE8-9276-5095CD46E241}" dt="2024-09-05T08:28:17.037" v="5144" actId="1036"/>
-          <ac:spMkLst>
-            <pc:docMk/>
-            <pc:sldMk cId="1161739486" sldId="1422"/>
-            <ac:spMk id="5" creationId="{3B1E1921-3B4F-7654-1C56-8166060A8001}"/>
-          </ac:spMkLst>
-        </pc:spChg>
-        <pc:spChg chg="mod">
-          <ac:chgData name="佐藤　寛也" userId="27837c8b-abaf-4096-b544-58e4cbe7054e" providerId="ADAL" clId="{D782517A-6EEC-4BE8-9276-5095CD46E241}" dt="2024-09-05T08:27:24.827" v="5087" actId="20577"/>
-          <ac:spMkLst>
-            <pc:docMk/>
-            <pc:sldMk cId="1161739486" sldId="1422"/>
-            <ac:spMk id="8" creationId="{81BF60CF-5382-5B05-4AAD-45A518485A8B}"/>
-          </ac:spMkLst>
-        </pc:spChg>
-        <pc:spChg chg="mod">
-          <ac:chgData name="佐藤　寛也" userId="27837c8b-abaf-4096-b544-58e4cbe7054e" providerId="ADAL" clId="{D782517A-6EEC-4BE8-9276-5095CD46E241}" dt="2024-09-06T02:32:53.300" v="6639"/>
-          <ac:spMkLst>
-            <pc:docMk/>
-            <pc:sldMk cId="1161739486" sldId="1422"/>
-            <ac:spMk id="10" creationId="{1CE97182-AF61-DA29-5E23-CF620DF14267}"/>
-          </ac:spMkLst>
-        </pc:spChg>
-        <pc:spChg chg="add mod">
-          <ac:chgData name="佐藤　寛也" userId="27837c8b-abaf-4096-b544-58e4cbe7054e" providerId="ADAL" clId="{D782517A-6EEC-4BE8-9276-5095CD46E241}" dt="2024-09-06T02:33:05.936" v="6642"/>
-          <ac:spMkLst>
-            <pc:docMk/>
-            <pc:sldMk cId="1161739486" sldId="1422"/>
-            <ac:spMk id="11" creationId="{DA019320-FA77-51C5-A692-B828556061CC}"/>
-          </ac:spMkLst>
-        </pc:spChg>
-        <pc:spChg chg="add mod">
-          <ac:chgData name="佐藤　寛也" userId="27837c8b-abaf-4096-b544-58e4cbe7054e" providerId="ADAL" clId="{D782517A-6EEC-4BE8-9276-5095CD46E241}" dt="2024-09-06T02:33:05.936" v="6642"/>
-          <ac:spMkLst>
-            <pc:docMk/>
-            <pc:sldMk cId="1161739486" sldId="1422"/>
-            <ac:spMk id="12" creationId="{00A481A7-B0C4-9322-6534-A04B0A059DC7}"/>
-          </ac:spMkLst>
-        </pc:spChg>
-        <pc:spChg chg="add mod">
-          <ac:chgData name="佐藤　寛也" userId="27837c8b-abaf-4096-b544-58e4cbe7054e" providerId="ADAL" clId="{D782517A-6EEC-4BE8-9276-5095CD46E241}" dt="2024-09-06T02:33:05.936" v="6642"/>
-          <ac:spMkLst>
-            <pc:docMk/>
-            <pc:sldMk cId="1161739486" sldId="1422"/>
-            <ac:spMk id="13" creationId="{60903E5F-6D77-83CB-0A52-39363C9A2DFB}"/>
-          </ac:spMkLst>
-        </pc:spChg>
-        <pc:picChg chg="add mod">
-          <ac:chgData name="佐藤　寛也" userId="27837c8b-abaf-4096-b544-58e4cbe7054e" providerId="ADAL" clId="{D782517A-6EEC-4BE8-9276-5095CD46E241}" dt="2024-09-06T02:31:20.954" v="6594" actId="167"/>
-          <ac:picMkLst>
-            <pc:docMk/>
-            <pc:sldMk cId="1161739486" sldId="1422"/>
-            <ac:picMk id="6" creationId="{73FBEF72-9ABD-02C6-95A0-CD1BC9AA5C23}"/>
-          </ac:picMkLst>
-        </pc:picChg>
-        <pc:picChg chg="del">
-          <ac:chgData name="佐藤　寛也" userId="27837c8b-abaf-4096-b544-58e4cbe7054e" providerId="ADAL" clId="{D782517A-6EEC-4BE8-9276-5095CD46E241}" dt="2024-09-06T02:31:18.873" v="6592" actId="478"/>
-          <ac:picMkLst>
-            <pc:docMk/>
-            <pc:sldMk cId="1161739486" sldId="1422"/>
-            <ac:picMk id="7" creationId="{530D5B63-12EE-0C5A-C296-8E8F0EB503CC}"/>
-          </ac:picMkLst>
-        </pc:picChg>
-        <pc:picChg chg="add mod">
-          <ac:chgData name="佐藤　寛也" userId="27837c8b-abaf-4096-b544-58e4cbe7054e" providerId="ADAL" clId="{D782517A-6EEC-4BE8-9276-5095CD46E241}" dt="2024-09-06T02:31:20.954" v="6594" actId="167"/>
-          <ac:picMkLst>
-            <pc:docMk/>
-            <pc:sldMk cId="1161739486" sldId="1422"/>
-            <ac:picMk id="9" creationId="{0C926C43-1C43-E43A-D868-9F23D3E023DD}"/>
-          </ac:picMkLst>
-        </pc:picChg>
-      </pc:sldChg>
-      <pc:sldChg chg="addSp delSp modSp add mod">
-        <pc:chgData name="佐藤　寛也" userId="27837c8b-abaf-4096-b544-58e4cbe7054e" providerId="ADAL" clId="{D782517A-6EEC-4BE8-9276-5095CD46E241}" dt="2024-09-06T02:33:07.501" v="6643"/>
-        <pc:sldMkLst>
-          <pc:docMk/>
-          <pc:sldMk cId="4244552199" sldId="1423"/>
-        </pc:sldMkLst>
-        <pc:spChg chg="add mod">
-          <ac:chgData name="佐藤　寛也" userId="27837c8b-abaf-4096-b544-58e4cbe7054e" providerId="ADAL" clId="{D782517A-6EEC-4BE8-9276-5095CD46E241}" dt="2024-09-05T08:28:11.890" v="5141" actId="1035"/>
-          <ac:spMkLst>
-            <pc:docMk/>
-            <pc:sldMk cId="4244552199" sldId="1423"/>
-            <ac:spMk id="5" creationId="{AF13D486-7FBD-85DB-AF48-B8B8DDE71006}"/>
-          </ac:spMkLst>
-        </pc:spChg>
-        <pc:spChg chg="mod">
-          <ac:chgData name="佐藤　寛也" userId="27837c8b-abaf-4096-b544-58e4cbe7054e" providerId="ADAL" clId="{D782517A-6EEC-4BE8-9276-5095CD46E241}" dt="2024-09-05T08:27:46.910" v="5130" actId="20577"/>
-          <ac:spMkLst>
-            <pc:docMk/>
-            <pc:sldMk cId="4244552199" sldId="1423"/>
-            <ac:spMk id="8" creationId="{81BF60CF-5382-5B05-4AAD-45A518485A8B}"/>
-          </ac:spMkLst>
-        </pc:spChg>
-        <pc:spChg chg="mod">
-          <ac:chgData name="佐藤　寛也" userId="27837c8b-abaf-4096-b544-58e4cbe7054e" providerId="ADAL" clId="{D782517A-6EEC-4BE8-9276-5095CD46E241}" dt="2024-09-06T02:32:49.528" v="6638"/>
-          <ac:spMkLst>
-            <pc:docMk/>
-            <pc:sldMk cId="4244552199" sldId="1423"/>
-            <ac:spMk id="10" creationId="{1CE97182-AF61-DA29-5E23-CF620DF14267}"/>
-          </ac:spMkLst>
-        </pc:spChg>
-        <pc:spChg chg="add mod">
-          <ac:chgData name="佐藤　寛也" userId="27837c8b-abaf-4096-b544-58e4cbe7054e" providerId="ADAL" clId="{D782517A-6EEC-4BE8-9276-5095CD46E241}" dt="2024-09-06T02:33:07.501" v="6643"/>
-          <ac:spMkLst>
-            <pc:docMk/>
-            <pc:sldMk cId="4244552199" sldId="1423"/>
-            <ac:spMk id="11" creationId="{D3527AB5-2107-281C-5DB3-EBEDDAD27DB8}"/>
-          </ac:spMkLst>
-        </pc:spChg>
-        <pc:spChg chg="add mod">
-          <ac:chgData name="佐藤　寛也" userId="27837c8b-abaf-4096-b544-58e4cbe7054e" providerId="ADAL" clId="{D782517A-6EEC-4BE8-9276-5095CD46E241}" dt="2024-09-06T02:33:07.501" v="6643"/>
-          <ac:spMkLst>
-            <pc:docMk/>
-            <pc:sldMk cId="4244552199" sldId="1423"/>
-            <ac:spMk id="12" creationId="{30F78994-B984-E546-C707-B846A29C2386}"/>
-          </ac:spMkLst>
-        </pc:spChg>
-        <pc:spChg chg="add mod">
-          <ac:chgData name="佐藤　寛也" userId="27837c8b-abaf-4096-b544-58e4cbe7054e" providerId="ADAL" clId="{D782517A-6EEC-4BE8-9276-5095CD46E241}" dt="2024-09-06T02:33:07.501" v="6643"/>
-          <ac:spMkLst>
-            <pc:docMk/>
-            <pc:sldMk cId="4244552199" sldId="1423"/>
-            <ac:spMk id="13" creationId="{D876CDD3-4FC0-B7C7-0C24-C56C68097DEE}"/>
-          </ac:spMkLst>
-        </pc:spChg>
-        <pc:picChg chg="add mod">
-          <ac:chgData name="佐藤　寛也" userId="27837c8b-abaf-4096-b544-58e4cbe7054e" providerId="ADAL" clId="{D782517A-6EEC-4BE8-9276-5095CD46E241}" dt="2024-09-06T02:31:26.204" v="6597" actId="167"/>
-          <ac:picMkLst>
-            <pc:docMk/>
-            <pc:sldMk cId="4244552199" sldId="1423"/>
-            <ac:picMk id="6" creationId="{86576374-3B87-0183-9CF0-7F730510D133}"/>
-          </ac:picMkLst>
-        </pc:picChg>
-        <pc:picChg chg="del">
-          <ac:chgData name="佐藤　寛也" userId="27837c8b-abaf-4096-b544-58e4cbe7054e" providerId="ADAL" clId="{D782517A-6EEC-4BE8-9276-5095CD46E241}" dt="2024-09-06T02:31:23.967" v="6595" actId="478"/>
-          <ac:picMkLst>
-            <pc:docMk/>
-            <pc:sldMk cId="4244552199" sldId="1423"/>
-            <ac:picMk id="7" creationId="{530D5B63-12EE-0C5A-C296-8E8F0EB503CC}"/>
-          </ac:picMkLst>
-        </pc:picChg>
-        <pc:picChg chg="add mod">
-          <ac:chgData name="佐藤　寛也" userId="27837c8b-abaf-4096-b544-58e4cbe7054e" providerId="ADAL" clId="{D782517A-6EEC-4BE8-9276-5095CD46E241}" dt="2024-09-06T02:31:26.204" v="6597" actId="167"/>
-          <ac:picMkLst>
-            <pc:docMk/>
-            <pc:sldMk cId="4244552199" sldId="1423"/>
-            <ac:picMk id="9" creationId="{21D5634B-862A-71F4-FABB-A733EE8A38CC}"/>
-          </ac:picMkLst>
-        </pc:picChg>
-      </pc:sldChg>
-      <pc:sldChg chg="modSp new mod">
-        <pc:chgData name="佐藤　寛也" userId="27837c8b-abaf-4096-b544-58e4cbe7054e" providerId="ADAL" clId="{D782517A-6EEC-4BE8-9276-5095CD46E241}" dt="2024-09-06T02:37:13.325" v="6763"/>
-        <pc:sldMkLst>
-          <pc:docMk/>
-          <pc:sldMk cId="717434070" sldId="1424"/>
-        </pc:sldMkLst>
-        <pc:spChg chg="mod">
-          <ac:chgData name="佐藤　寛也" userId="27837c8b-abaf-4096-b544-58e4cbe7054e" providerId="ADAL" clId="{D782517A-6EEC-4BE8-9276-5095CD46E241}" dt="2024-09-05T08:30:31.195" v="5249" actId="20577"/>
-          <ac:spMkLst>
-            <pc:docMk/>
-            <pc:sldMk cId="717434070" sldId="1424"/>
-            <ac:spMk id="2" creationId="{32E924F5-9FDE-45DF-2D09-98340DCE9966}"/>
-          </ac:spMkLst>
-        </pc:spChg>
-        <pc:spChg chg="mod">
-          <ac:chgData name="佐藤　寛也" userId="27837c8b-abaf-4096-b544-58e4cbe7054e" providerId="ADAL" clId="{D782517A-6EEC-4BE8-9276-5095CD46E241}" dt="2024-09-06T02:37:13.325" v="6763"/>
-          <ac:spMkLst>
-            <pc:docMk/>
-            <pc:sldMk cId="717434070" sldId="1424"/>
-            <ac:spMk id="3" creationId="{0E580655-353C-8F10-A1C7-C390A7600CD0}"/>
-          </ac:spMkLst>
-        </pc:spChg>
-      </pc:sldChg>
-      <pc:sldChg chg="delSp modSp add mod ord">
-        <pc:chgData name="佐藤　寛也" userId="27837c8b-abaf-4096-b544-58e4cbe7054e" providerId="ADAL" clId="{D782517A-6EEC-4BE8-9276-5095CD46E241}" dt="2024-09-05T09:24:54.320" v="5482" actId="207"/>
-        <pc:sldMkLst>
-          <pc:docMk/>
-          <pc:sldMk cId="2769466106" sldId="1425"/>
-        </pc:sldMkLst>
-        <pc:spChg chg="mod">
-          <ac:chgData name="佐藤　寛也" userId="27837c8b-abaf-4096-b544-58e4cbe7054e" providerId="ADAL" clId="{D782517A-6EEC-4BE8-9276-5095CD46E241}" dt="2024-09-05T09:24:54.320" v="5482" actId="207"/>
-          <ac:spMkLst>
-            <pc:docMk/>
-            <pc:sldMk cId="2769466106" sldId="1425"/>
-            <ac:spMk id="3" creationId="{21255158-FB61-BB12-023C-D48DF96B70BB}"/>
-          </ac:spMkLst>
-        </pc:spChg>
-        <pc:spChg chg="del">
-          <ac:chgData name="佐藤　寛也" userId="27837c8b-abaf-4096-b544-58e4cbe7054e" providerId="ADAL" clId="{D782517A-6EEC-4BE8-9276-5095CD46E241}" dt="2024-09-05T09:23:41.983" v="5405" actId="478"/>
-          <ac:spMkLst>
-            <pc:docMk/>
-            <pc:sldMk cId="2769466106" sldId="1425"/>
-            <ac:spMk id="7" creationId="{60D88B08-FB1C-3DA9-2F45-622369F40BF1}"/>
-          </ac:spMkLst>
-        </pc:spChg>
-        <pc:spChg chg="del">
-          <ac:chgData name="佐藤　寛也" userId="27837c8b-abaf-4096-b544-58e4cbe7054e" providerId="ADAL" clId="{D782517A-6EEC-4BE8-9276-5095CD46E241}" dt="2024-09-05T09:23:41.983" v="5405" actId="478"/>
-          <ac:spMkLst>
-            <pc:docMk/>
-            <pc:sldMk cId="2769466106" sldId="1425"/>
-            <ac:spMk id="9" creationId="{2D85509F-7BC4-4546-2BCE-D70B3530576C}"/>
-          </ac:spMkLst>
-        </pc:spChg>
-        <pc:spChg chg="del">
-          <ac:chgData name="佐藤　寛也" userId="27837c8b-abaf-4096-b544-58e4cbe7054e" providerId="ADAL" clId="{D782517A-6EEC-4BE8-9276-5095CD46E241}" dt="2024-09-05T09:23:41.983" v="5405" actId="478"/>
-          <ac:spMkLst>
-            <pc:docMk/>
-            <pc:sldMk cId="2769466106" sldId="1425"/>
-            <ac:spMk id="11" creationId="{E674AA33-749B-F715-A913-F93EBD19B628}"/>
-          </ac:spMkLst>
-        </pc:spChg>
-        <pc:spChg chg="del">
-          <ac:chgData name="佐藤　寛也" userId="27837c8b-abaf-4096-b544-58e4cbe7054e" providerId="ADAL" clId="{D782517A-6EEC-4BE8-9276-5095CD46E241}" dt="2024-09-05T09:23:41.983" v="5405" actId="478"/>
-          <ac:spMkLst>
-            <pc:docMk/>
-            <pc:sldMk cId="2769466106" sldId="1425"/>
-            <ac:spMk id="12" creationId="{580CB1E3-BC6F-E5DC-AED9-1E18361870FD}"/>
-          </ac:spMkLst>
-        </pc:spChg>
-        <pc:spChg chg="del">
-          <ac:chgData name="佐藤　寛也" userId="27837c8b-abaf-4096-b544-58e4cbe7054e" providerId="ADAL" clId="{D782517A-6EEC-4BE8-9276-5095CD46E241}" dt="2024-09-05T09:23:41.983" v="5405" actId="478"/>
-          <ac:spMkLst>
-            <pc:docMk/>
-            <pc:sldMk cId="2769466106" sldId="1425"/>
-            <ac:spMk id="13" creationId="{2F6FBD6B-021B-AC99-C402-F5BD5FD25E04}"/>
-          </ac:spMkLst>
-        </pc:spChg>
-        <pc:spChg chg="del">
-          <ac:chgData name="佐藤　寛也" userId="27837c8b-abaf-4096-b544-58e4cbe7054e" providerId="ADAL" clId="{D782517A-6EEC-4BE8-9276-5095CD46E241}" dt="2024-09-05T09:23:41.983" v="5405" actId="478"/>
-          <ac:spMkLst>
-            <pc:docMk/>
-            <pc:sldMk cId="2769466106" sldId="1425"/>
-            <ac:spMk id="16" creationId="{9D380A6B-5941-D2CB-5FB5-0D1E1DBFAC8A}"/>
-          </ac:spMkLst>
-        </pc:spChg>
-        <pc:graphicFrameChg chg="del">
-          <ac:chgData name="佐藤　寛也" userId="27837c8b-abaf-4096-b544-58e4cbe7054e" providerId="ADAL" clId="{D782517A-6EEC-4BE8-9276-5095CD46E241}" dt="2024-09-05T09:23:41.983" v="5405" actId="478"/>
-          <ac:graphicFrameMkLst>
-            <pc:docMk/>
-            <pc:sldMk cId="2769466106" sldId="1425"/>
-            <ac:graphicFrameMk id="8" creationId="{79812873-DD09-60D6-8244-76C0E102C604}"/>
-          </ac:graphicFrameMkLst>
-        </pc:graphicFrameChg>
-        <pc:cxnChg chg="del">
-          <ac:chgData name="佐藤　寛也" userId="27837c8b-abaf-4096-b544-58e4cbe7054e" providerId="ADAL" clId="{D782517A-6EEC-4BE8-9276-5095CD46E241}" dt="2024-09-05T09:23:41.983" v="5405" actId="478"/>
-          <ac:cxnSpMkLst>
-            <pc:docMk/>
-            <pc:sldMk cId="2769466106" sldId="1425"/>
-            <ac:cxnSpMk id="10" creationId="{DCB07FDD-41EC-B154-4C1A-D2A849AE5BF5}"/>
-          </ac:cxnSpMkLst>
-        </pc:cxnChg>
-      </pc:sldChg>
-      <pc:sldChg chg="addSp modSp add mod">
-        <pc:chgData name="佐藤　寛也" userId="27837c8b-abaf-4096-b544-58e4cbe7054e" providerId="ADAL" clId="{D782517A-6EEC-4BE8-9276-5095CD46E241}" dt="2024-09-06T02:33:09.794" v="6644"/>
-        <pc:sldMkLst>
-          <pc:docMk/>
-          <pc:sldMk cId="2126676666" sldId="1426"/>
-        </pc:sldMkLst>
-        <pc:spChg chg="add mod">
-          <ac:chgData name="佐藤　寛也" userId="27837c8b-abaf-4096-b544-58e4cbe7054e" providerId="ADAL" clId="{D782517A-6EEC-4BE8-9276-5095CD46E241}" dt="2024-09-06T02:33:09.794" v="6644"/>
-          <ac:spMkLst>
-            <pc:docMk/>
-            <pc:sldMk cId="2126676666" sldId="1426"/>
-            <ac:spMk id="7" creationId="{A6AE77FE-9ECF-6D26-990E-006329B609EF}"/>
-          </ac:spMkLst>
-        </pc:spChg>
-        <pc:spChg chg="mod">
-          <ac:chgData name="佐藤　寛也" userId="27837c8b-abaf-4096-b544-58e4cbe7054e" providerId="ADAL" clId="{D782517A-6EEC-4BE8-9276-5095CD46E241}" dt="2024-09-06T02:32:30.745" v="6620" actId="20577"/>
-          <ac:spMkLst>
-            <pc:docMk/>
-            <pc:sldMk cId="2126676666" sldId="1426"/>
-            <ac:spMk id="8" creationId="{81BF60CF-5382-5B05-4AAD-45A518485A8B}"/>
-          </ac:spMkLst>
-        </pc:spChg>
-        <pc:spChg chg="add mod">
-          <ac:chgData name="佐藤　寛也" userId="27837c8b-abaf-4096-b544-58e4cbe7054e" providerId="ADAL" clId="{D782517A-6EEC-4BE8-9276-5095CD46E241}" dt="2024-09-06T02:33:09.794" v="6644"/>
-          <ac:spMkLst>
-            <pc:docMk/>
-            <pc:sldMk cId="2126676666" sldId="1426"/>
-            <ac:spMk id="9" creationId="{49458872-E9C0-4570-48BA-D3C7483BA992}"/>
-          </ac:spMkLst>
-        </pc:spChg>
-        <pc:spChg chg="mod">
-          <ac:chgData name="佐藤　寛也" userId="27837c8b-abaf-4096-b544-58e4cbe7054e" providerId="ADAL" clId="{D782517A-6EEC-4BE8-9276-5095CD46E241}" dt="2024-09-06T02:32:44.344" v="6637" actId="20577"/>
-          <ac:spMkLst>
-            <pc:docMk/>
-            <pc:sldMk cId="2126676666" sldId="1426"/>
-            <ac:spMk id="10" creationId="{1CE97182-AF61-DA29-5E23-CF620DF14267}"/>
-          </ac:spMkLst>
-        </pc:spChg>
-        <pc:spChg chg="add mod">
-          <ac:chgData name="佐藤　寛也" userId="27837c8b-abaf-4096-b544-58e4cbe7054e" providerId="ADAL" clId="{D782517A-6EEC-4BE8-9276-5095CD46E241}" dt="2024-09-06T02:33:09.794" v="6644"/>
-          <ac:spMkLst>
-            <pc:docMk/>
-            <pc:sldMk cId="2126676666" sldId="1426"/>
-            <ac:spMk id="11" creationId="{FE2D4152-9819-EEE1-5A51-AC6109A6410A}"/>
-          </ac:spMkLst>
-        </pc:spChg>
-      </pc:sldChg>
-      <pc:sldMasterChg chg="modSp modSldLayout">
-        <pc:chgData name="佐藤　寛也" userId="27837c8b-abaf-4096-b544-58e4cbe7054e" providerId="ADAL" clId="{D782517A-6EEC-4BE8-9276-5095CD46E241}" dt="2024-09-04T09:04:57.858" v="1"/>
-        <pc:sldMasterMkLst>
-          <pc:docMk/>
-          <pc:sldMasterMk cId="2539943305" sldId="2147483648"/>
-        </pc:sldMasterMkLst>
-        <pc:spChg chg="mod">
-          <ac:chgData name="佐藤　寛也" userId="27837c8b-abaf-4096-b544-58e4cbe7054e" providerId="ADAL" clId="{D782517A-6EEC-4BE8-9276-5095CD46E241}" dt="2024-09-04T09:04:57.858" v="1"/>
-          <ac:spMkLst>
-            <pc:docMk/>
-            <pc:sldMasterMk cId="2539943305" sldId="2147483648"/>
-            <ac:spMk id="5" creationId="{E910322E-B731-CD41-C4B3-E35EB9B58A48}"/>
-          </ac:spMkLst>
-        </pc:spChg>
-        <pc:sldLayoutChg chg="modSp">
-          <pc:chgData name="佐藤　寛也" userId="27837c8b-abaf-4096-b544-58e4cbe7054e" providerId="ADAL" clId="{D782517A-6EEC-4BE8-9276-5095CD46E241}" dt="2024-09-04T09:04:57.858" v="1"/>
-          <pc:sldLayoutMkLst>
-            <pc:docMk/>
-            <pc:sldMasterMk cId="2539943305" sldId="2147483648"/>
-            <pc:sldLayoutMk cId="1614817101" sldId="2147483649"/>
-          </pc:sldLayoutMkLst>
-          <pc:spChg chg="mod">
-            <ac:chgData name="佐藤　寛也" userId="27837c8b-abaf-4096-b544-58e4cbe7054e" providerId="ADAL" clId="{D782517A-6EEC-4BE8-9276-5095CD46E241}" dt="2024-09-04T09:04:57.858" v="1"/>
-            <ac:spMkLst>
-              <pc:docMk/>
-              <pc:sldMasterMk cId="2539943305" sldId="2147483648"/>
-              <pc:sldLayoutMk cId="1614817101" sldId="2147483649"/>
-              <ac:spMk id="5" creationId="{161268DE-3E09-B9A6-521E-ECA40FC4C6BE}"/>
-            </ac:spMkLst>
-          </pc:spChg>
-        </pc:sldLayoutChg>
-        <pc:sldLayoutChg chg="modSp">
-          <pc:chgData name="佐藤　寛也" userId="27837c8b-abaf-4096-b544-58e4cbe7054e" providerId="ADAL" clId="{D782517A-6EEC-4BE8-9276-5095CD46E241}" dt="2024-09-04T09:04:57.858" v="1"/>
-          <pc:sldLayoutMkLst>
-            <pc:docMk/>
-            <pc:sldMasterMk cId="2539943305" sldId="2147483648"/>
-            <pc:sldLayoutMk cId="2605457433" sldId="2147483650"/>
-          </pc:sldLayoutMkLst>
-          <pc:spChg chg="mod">
-            <ac:chgData name="佐藤　寛也" userId="27837c8b-abaf-4096-b544-58e4cbe7054e" providerId="ADAL" clId="{D782517A-6EEC-4BE8-9276-5095CD46E241}" dt="2024-09-04T09:04:57.858" v="1"/>
-            <ac:spMkLst>
-              <pc:docMk/>
-              <pc:sldMasterMk cId="2539943305" sldId="2147483648"/>
-              <pc:sldLayoutMk cId="2605457433" sldId="2147483650"/>
-              <ac:spMk id="5" creationId="{917F24DC-5BD7-7FD0-FB33-E12075D7BB04}"/>
-            </ac:spMkLst>
-          </pc:spChg>
-        </pc:sldLayoutChg>
-        <pc:sldLayoutChg chg="modSp">
-          <pc:chgData name="佐藤　寛也" userId="27837c8b-abaf-4096-b544-58e4cbe7054e" providerId="ADAL" clId="{D782517A-6EEC-4BE8-9276-5095CD46E241}" dt="2024-09-04T09:04:57.858" v="1"/>
-          <pc:sldLayoutMkLst>
-            <pc:docMk/>
-            <pc:sldMasterMk cId="2539943305" sldId="2147483648"/>
-            <pc:sldLayoutMk cId="613064517" sldId="2147483651"/>
-          </pc:sldLayoutMkLst>
-          <pc:spChg chg="mod">
-            <ac:chgData name="佐藤　寛也" userId="27837c8b-abaf-4096-b544-58e4cbe7054e" providerId="ADAL" clId="{D782517A-6EEC-4BE8-9276-5095CD46E241}" dt="2024-09-04T09:04:57.858" v="1"/>
-            <ac:spMkLst>
-              <pc:docMk/>
-              <pc:sldMasterMk cId="2539943305" sldId="2147483648"/>
-              <pc:sldLayoutMk cId="613064517" sldId="2147483651"/>
-              <ac:spMk id="5" creationId="{D2E699F1-B038-362A-C206-7243A87E12E7}"/>
-            </ac:spMkLst>
-          </pc:spChg>
-        </pc:sldLayoutChg>
-        <pc:sldLayoutChg chg="modSp">
-          <pc:chgData name="佐藤　寛也" userId="27837c8b-abaf-4096-b544-58e4cbe7054e" providerId="ADAL" clId="{D782517A-6EEC-4BE8-9276-5095CD46E241}" dt="2024-09-04T09:04:57.858" v="1"/>
-          <pc:sldLayoutMkLst>
-            <pc:docMk/>
-            <pc:sldMasterMk cId="2539943305" sldId="2147483648"/>
-            <pc:sldLayoutMk cId="1713713980" sldId="2147483654"/>
-          </pc:sldLayoutMkLst>
-          <pc:spChg chg="mod">
-            <ac:chgData name="佐藤　寛也" userId="27837c8b-abaf-4096-b544-58e4cbe7054e" providerId="ADAL" clId="{D782517A-6EEC-4BE8-9276-5095CD46E241}" dt="2024-09-04T09:04:57.858" v="1"/>
-            <ac:spMkLst>
-              <pc:docMk/>
-              <pc:sldMasterMk cId="2539943305" sldId="2147483648"/>
-              <pc:sldLayoutMk cId="1713713980" sldId="2147483654"/>
-              <ac:spMk id="4" creationId="{5A329B63-E0C7-88F5-4CAF-CCE7B8A03881}"/>
-            </ac:spMkLst>
-          </pc:spChg>
-        </pc:sldLayoutChg>
-        <pc:sldLayoutChg chg="modSp">
-          <pc:chgData name="佐藤　寛也" userId="27837c8b-abaf-4096-b544-58e4cbe7054e" providerId="ADAL" clId="{D782517A-6EEC-4BE8-9276-5095CD46E241}" dt="2024-09-04T09:04:57.858" v="1"/>
-          <pc:sldLayoutMkLst>
-            <pc:docMk/>
-            <pc:sldMasterMk cId="2539943305" sldId="2147483648"/>
-            <pc:sldLayoutMk cId="1472218596" sldId="2147483655"/>
-          </pc:sldLayoutMkLst>
-          <pc:spChg chg="mod">
-            <ac:chgData name="佐藤　寛也" userId="27837c8b-abaf-4096-b544-58e4cbe7054e" providerId="ADAL" clId="{D782517A-6EEC-4BE8-9276-5095CD46E241}" dt="2024-09-04T09:04:57.858" v="1"/>
-            <ac:spMkLst>
-              <pc:docMk/>
-              <pc:sldMasterMk cId="2539943305" sldId="2147483648"/>
-              <pc:sldLayoutMk cId="1472218596" sldId="2147483655"/>
-              <ac:spMk id="3" creationId="{A6C003CF-6969-17DE-4CEE-1DC3C14C3FBA}"/>
-            </ac:spMkLst>
-          </pc:spChg>
-        </pc:sldLayoutChg>
-      </pc:sldMasterChg>
-    </pc:docChg>
-  </pc:docChgLst>
-</pc:chgInfo>
 </file>
 
 <file path=ppt/notesMasters/notesMaster1.xml><?xml version="1.0" encoding="utf-8"?>
@@ -16084,66 +12909,23 @@
             </a:r>
             <a:r>
               <a:rPr lang="ja-JP" altLang="en-US" sz="2000" b="1" dirty="0"/>
-              <a:t>資料およびその抜粋英語訳版）</a:t>
+              <a:t>資料およびその</a:t>
+            </a:r>
+            <a:r>
+              <a:rPr lang="ja-JP" altLang="en-US" sz="2000" b="1" dirty="0">
+                <a:hlinkClick r:id="rId6"/>
+              </a:rPr>
+              <a:t>抜粋英語訳版</a:t>
+            </a:r>
+            <a:r>
+              <a:rPr lang="ja-JP" altLang="en-US" sz="2000" b="1" dirty="0"/>
+              <a:t>）</a:t>
             </a:r>
             <a:endParaRPr kumimoji="1" lang="ja-JP" altLang="en-US" b="1" dirty="0">
               <a:solidFill>
                 <a:srgbClr val="FF0000"/>
               </a:solidFill>
             </a:endParaRPr>
-          </a:p>
-        </p:txBody>
-      </p:sp>
-      <p:sp>
-        <p:nvSpPr>
-          <p:cNvPr id="7" name="テキスト ボックス 6">
-            <a:extLst>
-              <a:ext uri="{FF2B5EF4-FFF2-40B4-BE49-F238E27FC236}">
-                <a16:creationId xmlns:a16="http://schemas.microsoft.com/office/drawing/2014/main" id="{3249B5F4-5FBD-6A72-EB3D-91F752A62CE6}"/>
-              </a:ext>
-            </a:extLst>
-          </p:cNvPr>
-          <p:cNvSpPr txBox="1"/>
-          <p:nvPr/>
-        </p:nvSpPr>
-        <p:spPr>
-          <a:xfrm>
-            <a:off x="7112319" y="5596325"/>
-            <a:ext cx="3175869" cy="261610"/>
-          </a:xfrm>
-          <a:prstGeom prst="rect">
-            <a:avLst/>
-          </a:prstGeom>
-          <a:noFill/>
-        </p:spPr>
-        <p:txBody>
-          <a:bodyPr wrap="none" rtlCol="0">
-            <a:spAutoFit/>
-          </a:bodyPr>
-          <a:lstStyle/>
-          <a:p>
-            <a:r>
-              <a:rPr kumimoji="1" lang="ja-JP" altLang="en-US" sz="1100" dirty="0"/>
-              <a:t>（</a:t>
-            </a:r>
-            <a:r>
-              <a:rPr kumimoji="1" lang="ja-JP" altLang="en-US" sz="1100" dirty="0">
-                <a:hlinkClick r:id="rId6"/>
-              </a:rPr>
-              <a:t>今回の説明会資料</a:t>
-            </a:r>
-            <a:r>
-              <a:rPr kumimoji="1" lang="ja-JP" altLang="en-US" sz="1100" dirty="0"/>
-              <a:t>の </a:t>
-            </a:r>
-            <a:r>
-              <a:rPr kumimoji="1" lang="en-US" altLang="ja-JP" sz="1100" dirty="0"/>
-              <a:t>Appendix </a:t>
-            </a:r>
-            <a:r>
-              <a:rPr kumimoji="1" lang="ja-JP" altLang="en-US" sz="1100" dirty="0"/>
-              <a:t>として掲載）</a:t>
-            </a:r>
           </a:p>
         </p:txBody>
       </p:sp>
@@ -23440,16 +20222,16 @@
 <file path=customXml/itemProps1.xml><?xml version="1.0" encoding="utf-8"?>
 <ds:datastoreItem xmlns:ds="http://schemas.openxmlformats.org/officeDocument/2006/customXml" ds:itemID="{613B5A8C-C2D2-4C49-A03B-B41437F9A3AD}">
   <ds:schemaRefs>
+    <ds:schemaRef ds:uri="http://schemas.microsoft.com/office/2006/documentManagement/types"/>
     <ds:schemaRef ds:uri="d89fd5b0-f297-46a7-8c43-79b7b7b34272"/>
+    <ds:schemaRef ds:uri="http://schemas.microsoft.com/office/infopath/2007/PartnerControls"/>
     <ds:schemaRef ds:uri="http://purl.org/dc/dcmitype/"/>
+    <ds:schemaRef ds:uri="http://schemas.openxmlformats.org/package/2006/metadata/core-properties"/>
+    <ds:schemaRef ds:uri="http://purl.org/dc/elements/1.1/"/>
+    <ds:schemaRef ds:uri="http://purl.org/dc/terms/"/>
     <ds:schemaRef ds:uri="334cf2e0-0245-4f40-82a3-a831e5e7775a"/>
-    <ds:schemaRef ds:uri="http://purl.org/dc/elements/1.1/"/>
-    <ds:schemaRef ds:uri="http://schemas.microsoft.com/office/2006/documentManagement/types"/>
-    <ds:schemaRef ds:uri="http://purl.org/dc/terms/"/>
+    <ds:schemaRef ds:uri="http://schemas.microsoft.com/office/2006/metadata/properties"/>
     <ds:schemaRef ds:uri="http://www.w3.org/XML/1998/namespace"/>
-    <ds:schemaRef ds:uri="http://schemas.microsoft.com/office/infopath/2007/PartnerControls"/>
-    <ds:schemaRef ds:uri="http://schemas.openxmlformats.org/package/2006/metadata/core-properties"/>
-    <ds:schemaRef ds:uri="http://schemas.microsoft.com/office/2006/metadata/properties"/>
   </ds:schemaRefs>
 </ds:datastoreItem>
 </file>

--- a/src/pages/events/2024-09-13/slides/03_utas_utol_ja.pptx
+++ b/src/pages/events/2024-09-13/slides/03_utas_utol_ja.pptx
@@ -143,7 +143,7 @@
 <file path=ppt/revisionInfo.xml><?xml version="1.0" encoding="utf-8"?>
 <p1510:revInfo xmlns:a="http://schemas.openxmlformats.org/drawingml/2006/main" xmlns:r="http://schemas.openxmlformats.org/officeDocument/2006/relationships" xmlns:p1510="http://schemas.microsoft.com/office/powerpoint/2015/10/main">
   <p1510:revLst>
-    <p1510:client id="{98817DE7-91FB-446F-B62B-9BEE5AFDA5ED}" v="12" dt="2024-09-10T08:07:56.261"/>
+    <p1510:client id="{98817DE7-91FB-446F-B62B-9BEE5AFDA5ED}" v="13" dt="2024-09-11T07:21:41.712"/>
   </p1510:revLst>
 </p1510:revInfo>
 </file>
@@ -230,7 +230,7 @@
           <a:p>
             <a:fld id="{CB1A4338-2B97-43C1-AE79-82EAB43E70B8}" type="datetimeFigureOut">
               <a:rPr kumimoji="1" lang="ja-JP" altLang="en-US" smtClean="0"/>
-              <a:t>2024/9/10</a:t>
+              <a:t>2024/9/11</a:t>
             </a:fld>
             <a:endParaRPr kumimoji="1" lang="ja-JP" altLang="en-US"/>
           </a:p>
@@ -2817,7 +2817,7 @@
                 </a:solidFill>
                 <a:latin typeface="Consolas" panose="020B0609020204030204" pitchFamily="49" charset="0"/>
               </a:rPr>
-              <a:t>Ver 2.22 Last updated on 2024/09/10</a:t>
+              <a:t>Ver 2.23 Last updated on 2024/09/11</a:t>
             </a:r>
             <a:endParaRPr kumimoji="1" lang="ja-JP" altLang="en-US" sz="1400" dirty="0">
               <a:solidFill>
@@ -19957,26 +19957,6 @@
 </file>
 
 <file path=customXml/item1.xml><?xml version="1.0" encoding="utf-8"?>
-<p:properties xmlns:p="http://schemas.microsoft.com/office/2006/metadata/properties" xmlns:xsi="http://www.w3.org/2001/XMLSchema-instance" xmlns:pc="http://schemas.microsoft.com/office/infopath/2007/PartnerControls">
-  <documentManagement>
-    <TaxCatchAll xmlns="334cf2e0-0245-4f40-82a3-a831e5e7775a" xsi:nil="true"/>
-    <lcf76f155ced4ddcb4097134ff3c332f xmlns="d89fd5b0-f297-46a7-8c43-79b7b7b34272">
-      <Terms xmlns="http://schemas.microsoft.com/office/infopath/2007/PartnerControls"/>
-    </lcf76f155ced4ddcb4097134ff3c332f>
-  </documentManagement>
-</p:properties>
-</file>
-
-<file path=customXml/item2.xml><?xml version="1.0" encoding="utf-8"?>
-<?mso-contentType ?>
-<FormTemplates xmlns="http://schemas.microsoft.com/sharepoint/v3/contenttype/forms">
-  <Display>DocumentLibraryForm</Display>
-  <Edit>DocumentLibraryForm</Edit>
-  <New>DocumentLibraryForm</New>
-</FormTemplates>
-</file>
-
-<file path=customXml/item3.xml><?xml version="1.0" encoding="utf-8"?>
 <ct:contentTypeSchema xmlns:ct="http://schemas.microsoft.com/office/2006/metadata/contentType" xmlns:ma="http://schemas.microsoft.com/office/2006/metadata/properties/metaAttributes" ct:_="" ma:_="" ma:contentTypeName="ドキュメント" ma:contentTypeID="0x010100BC2807EFFEAAE646B3C72679374A27AD" ma:contentTypeVersion="16" ma:contentTypeDescription="新しいドキュメントを作成します。" ma:contentTypeScope="" ma:versionID="fc2dabbf376b68d69de6d8a4d9b1094b">
   <xsd:schema xmlns:xsd="http://www.w3.org/2001/XMLSchema" xmlns:xs="http://www.w3.org/2001/XMLSchema" xmlns:p="http://schemas.microsoft.com/office/2006/metadata/properties" xmlns:ns2="d89fd5b0-f297-46a7-8c43-79b7b7b34272" xmlns:ns3="334cf2e0-0245-4f40-82a3-a831e5e7775a" targetNamespace="http://schemas.microsoft.com/office/2006/metadata/properties" ma:root="true" ma:fieldsID="2af6a43cef02a594c9bf66487b64536d" ns2:_="" ns3:_="">
     <xsd:import namespace="d89fd5b0-f297-46a7-8c43-79b7b7b34272"/>
@@ -20219,32 +20199,27 @@
 </ct:contentTypeSchema>
 </file>
 
-<file path=customXml/itemProps1.xml><?xml version="1.0" encoding="utf-8"?>
-<ds:datastoreItem xmlns:ds="http://schemas.openxmlformats.org/officeDocument/2006/customXml" ds:itemID="{613B5A8C-C2D2-4C49-A03B-B41437F9A3AD}">
-  <ds:schemaRefs>
-    <ds:schemaRef ds:uri="http://schemas.microsoft.com/office/2006/documentManagement/types"/>
-    <ds:schemaRef ds:uri="d89fd5b0-f297-46a7-8c43-79b7b7b34272"/>
-    <ds:schemaRef ds:uri="http://schemas.microsoft.com/office/infopath/2007/PartnerControls"/>
-    <ds:schemaRef ds:uri="http://purl.org/dc/dcmitype/"/>
-    <ds:schemaRef ds:uri="http://schemas.openxmlformats.org/package/2006/metadata/core-properties"/>
-    <ds:schemaRef ds:uri="http://purl.org/dc/elements/1.1/"/>
-    <ds:schemaRef ds:uri="http://purl.org/dc/terms/"/>
-    <ds:schemaRef ds:uri="334cf2e0-0245-4f40-82a3-a831e5e7775a"/>
-    <ds:schemaRef ds:uri="http://schemas.microsoft.com/office/2006/metadata/properties"/>
-    <ds:schemaRef ds:uri="http://www.w3.org/XML/1998/namespace"/>
-  </ds:schemaRefs>
-</ds:datastoreItem>
+<file path=customXml/item2.xml><?xml version="1.0" encoding="utf-8"?>
+<?mso-contentType ?>
+<FormTemplates xmlns="http://schemas.microsoft.com/sharepoint/v3/contenttype/forms">
+  <Display>DocumentLibraryForm</Display>
+  <Edit>DocumentLibraryForm</Edit>
+  <New>DocumentLibraryForm</New>
+</FormTemplates>
 </file>
 
-<file path=customXml/itemProps2.xml><?xml version="1.0" encoding="utf-8"?>
-<ds:datastoreItem xmlns:ds="http://schemas.openxmlformats.org/officeDocument/2006/customXml" ds:itemID="{6130639F-8A0E-4631-BB2C-1307E9C18413}">
-  <ds:schemaRefs>
-    <ds:schemaRef ds:uri="http://schemas.microsoft.com/sharepoint/v3/contenttype/forms"/>
-  </ds:schemaRefs>
-</ds:datastoreItem>
+<file path=customXml/item3.xml><?xml version="1.0" encoding="utf-8"?>
+<p:properties xmlns:p="http://schemas.microsoft.com/office/2006/metadata/properties" xmlns:xsi="http://www.w3.org/2001/XMLSchema-instance" xmlns:pc="http://schemas.microsoft.com/office/infopath/2007/PartnerControls">
+  <documentManagement>
+    <TaxCatchAll xmlns="334cf2e0-0245-4f40-82a3-a831e5e7775a" xsi:nil="true"/>
+    <lcf76f155ced4ddcb4097134ff3c332f xmlns="d89fd5b0-f297-46a7-8c43-79b7b7b34272">
+      <Terms xmlns="http://schemas.microsoft.com/office/infopath/2007/PartnerControls"/>
+    </lcf76f155ced4ddcb4097134ff3c332f>
+  </documentManagement>
+</p:properties>
 </file>
 
-<file path=customXml/itemProps3.xml><?xml version="1.0" encoding="utf-8"?>
+<file path=customXml/itemProps1.xml><?xml version="1.0" encoding="utf-8"?>
 <ds:datastoreItem xmlns:ds="http://schemas.openxmlformats.org/officeDocument/2006/customXml" ds:itemID="{C42E65D1-C53F-419F-89D7-61B887C1DAB9}">
   <ds:schemaRefs>
     <ds:schemaRef ds:uri="http://schemas.microsoft.com/office/2006/metadata/contentType"/>
@@ -20261,4 +20236,29 @@
     <ds:schemaRef ds:uri="http://schemas.microsoft.com/internal/obd"/>
   </ds:schemaRefs>
 </ds:datastoreItem>
+</file>
+
+<file path=customXml/itemProps2.xml><?xml version="1.0" encoding="utf-8"?>
+<ds:datastoreItem xmlns:ds="http://schemas.openxmlformats.org/officeDocument/2006/customXml" ds:itemID="{6130639F-8A0E-4631-BB2C-1307E9C18413}">
+  <ds:schemaRefs>
+    <ds:schemaRef ds:uri="http://schemas.microsoft.com/sharepoint/v3/contenttype/forms"/>
+  </ds:schemaRefs>
+</ds:datastoreItem>
+</file>
+
+<file path=customXml/itemProps3.xml><?xml version="1.0" encoding="utf-8"?>
+<ds:datastoreItem xmlns:ds="http://schemas.openxmlformats.org/officeDocument/2006/customXml" ds:itemID="{613B5A8C-C2D2-4C49-A03B-B41437F9A3AD}">
+  <ds:schemaRefs>
+    <ds:schemaRef ds:uri="http://schemas.microsoft.com/office/2006/documentManagement/types"/>
+    <ds:schemaRef ds:uri="http://purl.org/dc/elements/1.1/"/>
+    <ds:schemaRef ds:uri="http://schemas.microsoft.com/office/2006/metadata/properties"/>
+    <ds:schemaRef ds:uri="334cf2e0-0245-4f40-82a3-a831e5e7775a"/>
+    <ds:schemaRef ds:uri="http://schemas.microsoft.com/office/infopath/2007/PartnerControls"/>
+    <ds:schemaRef ds:uri="http://schemas.openxmlformats.org/package/2006/metadata/core-properties"/>
+    <ds:schemaRef ds:uri="d89fd5b0-f297-46a7-8c43-79b7b7b34272"/>
+    <ds:schemaRef ds:uri="http://purl.org/dc/terms/"/>
+    <ds:schemaRef ds:uri="http://www.w3.org/XML/1998/namespace"/>
+    <ds:schemaRef ds:uri="http://purl.org/dc/dcmitype/"/>
+  </ds:schemaRefs>
+</ds:datastoreItem>
 </file>